--- a/Interactive_ASHG.pptx
+++ b/Interactive_ASHG.pptx
@@ -5,16 +5,16 @@
     <p:sldMasterId id="2147483648" r:id="rId1"/>
   </p:sldMasterIdLst>
   <p:notesMasterIdLst>
-    <p:notesMasterId r:id="rId25"/>
+    <p:notesMasterId r:id="rId26"/>
   </p:notesMasterIdLst>
   <p:sldIdLst>
     <p:sldId id="260" r:id="rId2"/>
     <p:sldId id="268" r:id="rId3"/>
     <p:sldId id="277" r:id="rId4"/>
     <p:sldId id="272" r:id="rId5"/>
-    <p:sldId id="267" r:id="rId6"/>
-    <p:sldId id="284" r:id="rId7"/>
-    <p:sldId id="299" r:id="rId8"/>
+    <p:sldId id="284" r:id="rId6"/>
+    <p:sldId id="299" r:id="rId7"/>
+    <p:sldId id="267" r:id="rId8"/>
     <p:sldId id="257" r:id="rId9"/>
     <p:sldId id="258" r:id="rId10"/>
     <p:sldId id="263" r:id="rId11"/>
@@ -31,6 +31,7 @@
     <p:sldId id="295" r:id="rId22"/>
     <p:sldId id="270" r:id="rId23"/>
     <p:sldId id="296" r:id="rId24"/>
+    <p:sldId id="300" r:id="rId25"/>
   </p:sldIdLst>
   <p:sldSz cx="12192000" cy="6858000"/>
   <p:notesSz cx="6858000" cy="9144000"/>
@@ -4517,8 +4518,8 @@
         </p:nvSpPr>
         <p:spPr>
           <a:xfrm>
-            <a:off x="838200" y="1825625"/>
-            <a:ext cx="4810611" cy="3858895"/>
+            <a:off x="971204" y="3429000"/>
+            <a:ext cx="9311640" cy="2031480"/>
           </a:xfrm>
         </p:spPr>
         <p:txBody>
@@ -4540,7 +4541,7 @@
             </a:r>
             <a:r>
               <a:rPr lang="en-US" dirty="0"/>
-              <a:t> that allows for storage and search of key-value pairs.</a:t>
+              <a:t> that allows for storage of multiple values in a single field or a data structure.</a:t>
             </a:r>
           </a:p>
           <a:p>
@@ -4549,7 +4550,7 @@
             </a:pPr>
             <a:r>
               <a:rPr lang="en-US" dirty="0"/>
-              <a:t>SRA Metadata also uses key-value pairs to store additional metadata on records.</a:t>
+              <a:t>SRA Metadata uses both arrays and key-value pairs to store metadata in records.</a:t>
             </a:r>
           </a:p>
           <a:p>
@@ -4560,6 +4561,36 @@
           </a:p>
         </p:txBody>
       </p:sp>
+      <p:pic>
+        <p:nvPicPr>
+          <p:cNvPr id="8" name="Picture 7">
+            <a:extLst>
+              <a:ext uri="{FF2B5EF4-FFF2-40B4-BE49-F238E27FC236}">
+                <a16:creationId xmlns:a16="http://schemas.microsoft.com/office/drawing/2014/main" id="{3E0C08C3-993C-4004-99D9-6DB4FF1616BF}"/>
+              </a:ext>
+            </a:extLst>
+          </p:cNvPr>
+          <p:cNvPicPr>
+            <a:picLocks noChangeAspect="1"/>
+          </p:cNvPicPr>
+          <p:nvPr/>
+        </p:nvPicPr>
+        <p:blipFill>
+          <a:blip r:embed="rId2"/>
+          <a:stretch>
+            <a:fillRect/>
+          </a:stretch>
+        </p:blipFill>
+        <p:spPr>
+          <a:xfrm>
+            <a:off x="1893224" y="1572865"/>
+            <a:ext cx="7467600" cy="1685925"/>
+          </a:xfrm>
+          <a:prstGeom prst="rect">
+            <a:avLst/>
+          </a:prstGeom>
+        </p:spPr>
+      </p:pic>
     </p:spTree>
     <p:extLst>
       <p:ext uri="{BB962C8B-B14F-4D97-AF65-F5344CB8AC3E}">
@@ -4689,7 +4720,7 @@
             </a:r>
             <a:r>
               <a:rPr lang="en-US" b="1" dirty="0"/>
-              <a:t>` as s</a:t>
+              <a:t>` as meta</a:t>
             </a:r>
           </a:p>
           <a:p>
@@ -4710,7 +4741,7 @@
             </a:r>
             <a:r>
               <a:rPr lang="en-US" b="1" dirty="0" err="1"/>
-              <a:t>s.attributes</a:t>
+              <a:t>meta.attributes</a:t>
             </a:r>
             <a:r>
               <a:rPr lang="en-US" b="1" dirty="0"/>
@@ -4723,19 +4754,11 @@
             </a:pPr>
             <a:r>
               <a:rPr lang="en-US" dirty="0"/>
-              <a:t>The </a:t>
+              <a:t>The unnest function is allowing us to search the key ‘</a:t>
             </a:r>
             <a:r>
               <a:rPr lang="en-US" dirty="0" err="1"/>
-              <a:t>unnest</a:t>
-            </a:r>
-            <a:r>
-              <a:rPr lang="en-US" dirty="0"/>
-              <a:t> function is allowing us to search the key ‘</a:t>
-            </a:r>
-            <a:r>
-              <a:rPr lang="en-US" dirty="0" err="1"/>
-              <a:t>body_side_sam</a:t>
+              <a:t>body_site_sam</a:t>
             </a:r>
             <a:r>
               <a:rPr lang="en-US" dirty="0"/>
@@ -4746,10 +4769,10 @@
       </p:sp>
       <p:pic>
         <p:nvPicPr>
-          <p:cNvPr id="5" name="Picture 4" descr="The query editor with the query described in the text entered.">
+          <p:cNvPr id="8" name="Picture 7">
             <a:extLst>
               <a:ext uri="{FF2B5EF4-FFF2-40B4-BE49-F238E27FC236}">
-                <a16:creationId xmlns:a16="http://schemas.microsoft.com/office/drawing/2014/main" id="{665FB976-7781-46F7-AA48-68CC0ECDEA0C}"/>
+                <a16:creationId xmlns:a16="http://schemas.microsoft.com/office/drawing/2014/main" id="{1ED6D390-9165-4469-A2ED-1D46C73657D8}"/>
               </a:ext>
             </a:extLst>
           </p:cNvPr>
@@ -4766,8 +4789,8 @@
         </p:blipFill>
         <p:spPr>
           <a:xfrm>
-            <a:off x="6096000" y="1301912"/>
-            <a:ext cx="5779483" cy="4254176"/>
+            <a:off x="7096125" y="1169843"/>
+            <a:ext cx="4257675" cy="2924175"/>
           </a:xfrm>
           <a:prstGeom prst="rect">
             <a:avLst/>
@@ -6085,8 +6108,50 @@
           <a:p>
             <a:r>
               <a:rPr lang="en-US" dirty="0"/>
+              <a:t>NCBI Cloud Data &amp; Tools YouTube playlist </a:t>
+            </a:r>
+            <a:r>
+              <a:rPr lang="en-US" dirty="0">
+                <a:hlinkClick r:id="rId2"/>
+              </a:rPr>
+              <a:t>https://www.youtube.com/playlist?list=PLH-TjWpFfWrt5MNqU7Jvsk73QefO3ADwD</a:t>
+            </a:r>
+            <a:endParaRPr lang="en-US" dirty="0"/>
+          </a:p>
+          <a:p>
+            <a:r>
+              <a:rPr lang="en-US" sz="2800" dirty="0"/>
+              <a:t>STAT Description </a:t>
+            </a:r>
+            <a:r>
+              <a:rPr lang="en-US" sz="2800" dirty="0">
+                <a:hlinkClick r:id="rId3"/>
+              </a:rPr>
+              <a:t>https://www.ncbi.nlm.nih.gov/sra/docs/sra-taxonomy-analysis-tool/</a:t>
+            </a:r>
+            <a:endParaRPr lang="en-US" sz="2800" dirty="0"/>
+          </a:p>
+          <a:p>
+            <a:r>
+              <a:rPr lang="en-US" dirty="0"/>
+              <a:t>The NIH STRIDES training website </a:t>
+            </a:r>
+            <a:r>
+              <a:rPr lang="en-US" dirty="0">
+                <a:hlinkClick r:id="rId4"/>
+              </a:rPr>
               <a:t>https://cloud.nih.gov/training/</a:t>
             </a:r>
+            <a:endParaRPr lang="en-US" dirty="0"/>
+          </a:p>
+          <a:p>
+            <a:endParaRPr lang="en-US" sz="2800" dirty="0"/>
+          </a:p>
+          <a:p>
+            <a:endParaRPr lang="en-US" dirty="0"/>
+          </a:p>
+          <a:p>
+            <a:endParaRPr lang="en-US" dirty="0"/>
           </a:p>
         </p:txBody>
       </p:sp>
@@ -6173,20 +6238,36 @@
           <a:p>
             <a:r>
               <a:rPr lang="en-US" sz="2400" dirty="0"/>
-              <a:t>STAT Description </a:t>
+              <a:t>Additional Examples for SRA Searches in </a:t>
+            </a:r>
+            <a:r>
+              <a:rPr lang="en-US" sz="2400" dirty="0" err="1"/>
+              <a:t>BigQuery</a:t>
+            </a:r>
+            <a:r>
+              <a:rPr lang="en-US" sz="2400" dirty="0"/>
+              <a:t> </a:t>
             </a:r>
             <a:r>
               <a:rPr lang="en-US" sz="2400" dirty="0">
                 <a:hlinkClick r:id="rId2"/>
               </a:rPr>
-              <a:t>https://www.ncbi.nlm.nih.gov/sra/docs/sra-taxonomy-analysis-tool/</a:t>
+              <a:t>https://www.ncbi.nlm.nih.gov/sra/docs/sra-bigquery-examples/</a:t>
             </a:r>
             <a:endParaRPr lang="en-US" sz="2400" dirty="0"/>
           </a:p>
           <a:p>
             <a:r>
               <a:rPr lang="en-US" sz="2400" dirty="0"/>
-              <a:t>Additional Examples for SRA Searches in </a:t>
+              <a:t>Google </a:t>
+            </a:r>
+            <a:r>
+              <a:rPr lang="en-US" sz="2400" dirty="0" err="1"/>
+              <a:t>Quickstart</a:t>
+            </a:r>
+            <a:r>
+              <a:rPr lang="en-US" sz="2400" dirty="0"/>
+              <a:t> for </a:t>
             </a:r>
             <a:r>
               <a:rPr lang="en-US" sz="2400" dirty="0" err="1"/>
@@ -6200,22 +6281,14 @@
               <a:rPr lang="en-US" sz="2400" dirty="0">
                 <a:hlinkClick r:id="rId3"/>
               </a:rPr>
-              <a:t>https://www.ncbi.nlm.nih.gov/sra/docs/sra-bigquery-examples/</a:t>
+              <a:t>https://cloud.google.com/bigquery/docs/quickstarts/quickstart-web-ui</a:t>
             </a:r>
             <a:endParaRPr lang="en-US" sz="2400" dirty="0"/>
           </a:p>
           <a:p>
             <a:r>
               <a:rPr lang="en-US" sz="2400" dirty="0"/>
-              <a:t>Google </a:t>
-            </a:r>
-            <a:r>
-              <a:rPr lang="en-US" sz="2400" dirty="0" err="1"/>
-              <a:t>Quickstart</a:t>
-            </a:r>
-            <a:r>
-              <a:rPr lang="en-US" sz="2400" dirty="0"/>
-              <a:t> for </a:t>
+              <a:t>A video from Google that looks at nested data in </a:t>
             </a:r>
             <a:r>
               <a:rPr lang="en-US" sz="2400" dirty="0" err="1"/>
@@ -6228,27 +6301,6 @@
             <a:r>
               <a:rPr lang="en-US" sz="2400" dirty="0">
                 <a:hlinkClick r:id="rId4"/>
-              </a:rPr>
-              <a:t>https://cloud.google.com/bigquery/docs/quickstarts/quickstart-web-ui</a:t>
-            </a:r>
-            <a:endParaRPr lang="en-US" sz="2400" dirty="0"/>
-          </a:p>
-          <a:p>
-            <a:r>
-              <a:rPr lang="en-US" sz="2400" dirty="0"/>
-              <a:t>A video from Google that looks at nested data in </a:t>
-            </a:r>
-            <a:r>
-              <a:rPr lang="en-US" sz="2400" dirty="0" err="1"/>
-              <a:t>BigQuery</a:t>
-            </a:r>
-            <a:r>
-              <a:rPr lang="en-US" sz="2400" dirty="0"/>
-              <a:t> </a:t>
-            </a:r>
-            <a:r>
-              <a:rPr lang="en-US" sz="2400" dirty="0">
-                <a:hlinkClick r:id="rId5"/>
               </a:rPr>
               <a:t>https://www.youtube.com/watch?v=STo98QUKDS8</a:t>
             </a:r>
@@ -6263,6 +6315,230 @@
     <p:extLst>
       <p:ext uri="{BB962C8B-B14F-4D97-AF65-F5344CB8AC3E}">
         <p14:creationId xmlns:p14="http://schemas.microsoft.com/office/powerpoint/2010/main" val="2930822108"/>
+      </p:ext>
+    </p:extLst>
+  </p:cSld>
+  <p:clrMapOvr>
+    <a:masterClrMapping/>
+  </p:clrMapOvr>
+</p:sld>
+</file>
+
+<file path=ppt/slides/slide24.xml><?xml version="1.0" encoding="utf-8"?>
+<p:sld xmlns:a="http://schemas.openxmlformats.org/drawingml/2006/main" xmlns:r="http://schemas.openxmlformats.org/officeDocument/2006/relationships" xmlns:p="http://schemas.openxmlformats.org/presentationml/2006/main">
+  <p:cSld>
+    <p:spTree>
+      <p:nvGrpSpPr>
+        <p:cNvPr id="1" name=""/>
+        <p:cNvGrpSpPr/>
+        <p:nvPr/>
+      </p:nvGrpSpPr>
+      <p:grpSpPr>
+        <a:xfrm>
+          <a:off x="0" y="0"/>
+          <a:ext cx="0" cy="0"/>
+          <a:chOff x="0" y="0"/>
+          <a:chExt cx="0" cy="0"/>
+        </a:xfrm>
+      </p:grpSpPr>
+      <p:sp>
+        <p:nvSpPr>
+          <p:cNvPr id="2" name="Title 1">
+            <a:extLst>
+              <a:ext uri="{FF2B5EF4-FFF2-40B4-BE49-F238E27FC236}">
+                <a16:creationId xmlns:a16="http://schemas.microsoft.com/office/drawing/2014/main" id="{AADC7350-55FC-4057-8016-EC5D2DC03B16}"/>
+              </a:ext>
+            </a:extLst>
+          </p:cNvPr>
+          <p:cNvSpPr>
+            <a:spLocks noGrp="1"/>
+          </p:cNvSpPr>
+          <p:nvPr>
+            <p:ph type="title"/>
+          </p:nvPr>
+        </p:nvSpPr>
+        <p:spPr/>
+        <p:txBody>
+          <a:bodyPr>
+            <a:normAutofit/>
+          </a:bodyPr>
+          <a:lstStyle/>
+          <a:p>
+            <a:r>
+              <a:rPr lang="en-US" dirty="0"/>
+              <a:t>Thank You</a:t>
+            </a:r>
+          </a:p>
+        </p:txBody>
+      </p:sp>
+      <p:sp>
+        <p:nvSpPr>
+          <p:cNvPr id="3" name="Text Placeholder 2">
+            <a:extLst>
+              <a:ext uri="{FF2B5EF4-FFF2-40B4-BE49-F238E27FC236}">
+                <a16:creationId xmlns:a16="http://schemas.microsoft.com/office/drawing/2014/main" id="{086A3D39-7505-4EB6-85AC-58CBA09ADDB1}"/>
+              </a:ext>
+            </a:extLst>
+          </p:cNvPr>
+          <p:cNvSpPr>
+            <a:spLocks noGrp="1"/>
+          </p:cNvSpPr>
+          <p:nvPr>
+            <p:ph type="body" sz="quarter" idx="11"/>
+          </p:nvPr>
+        </p:nvSpPr>
+        <p:spPr/>
+        <p:txBody>
+          <a:bodyPr/>
+          <a:lstStyle/>
+          <a:p>
+            <a:r>
+              <a:rPr lang="en-US" dirty="0"/>
+              <a:t>Adelaide Rhodes</a:t>
+            </a:r>
+          </a:p>
+          <a:p>
+            <a:r>
+              <a:rPr lang="en-US" dirty="0"/>
+              <a:t>Ravinder Eskandary</a:t>
+            </a:r>
+          </a:p>
+        </p:txBody>
+      </p:sp>
+      <p:sp>
+        <p:nvSpPr>
+          <p:cNvPr id="4" name="Text Placeholder 3">
+            <a:extLst>
+              <a:ext uri="{FF2B5EF4-FFF2-40B4-BE49-F238E27FC236}">
+                <a16:creationId xmlns:a16="http://schemas.microsoft.com/office/drawing/2014/main" id="{27E32C5D-B074-428C-B932-EEE82560F224}"/>
+              </a:ext>
+            </a:extLst>
+          </p:cNvPr>
+          <p:cNvSpPr>
+            <a:spLocks noGrp="1"/>
+          </p:cNvSpPr>
+          <p:nvPr>
+            <p:ph type="body" sz="quarter" idx="13"/>
+          </p:nvPr>
+        </p:nvSpPr>
+        <p:spPr/>
+        <p:txBody>
+          <a:bodyPr/>
+          <a:lstStyle/>
+          <a:p>
+            <a:r>
+              <a:rPr lang="en-US" dirty="0"/>
+              <a:t>Michael Kimelman</a:t>
+            </a:r>
+          </a:p>
+          <a:p>
+            <a:r>
+              <a:rPr lang="en-US" dirty="0"/>
+              <a:t>Vadim Zalunin</a:t>
+            </a:r>
+          </a:p>
+          <a:p>
+            <a:endParaRPr lang="en-US" dirty="0"/>
+          </a:p>
+        </p:txBody>
+      </p:sp>
+      <p:sp>
+        <p:nvSpPr>
+          <p:cNvPr id="5" name="Text Placeholder 4">
+            <a:extLst>
+              <a:ext uri="{FF2B5EF4-FFF2-40B4-BE49-F238E27FC236}">
+                <a16:creationId xmlns:a16="http://schemas.microsoft.com/office/drawing/2014/main" id="{8EB83059-2AE4-468F-BB89-7A86C9ADE4A5}"/>
+              </a:ext>
+            </a:extLst>
+          </p:cNvPr>
+          <p:cNvSpPr>
+            <a:spLocks noGrp="1"/>
+          </p:cNvSpPr>
+          <p:nvPr>
+            <p:ph type="body" sz="quarter" idx="14"/>
+          </p:nvPr>
+        </p:nvSpPr>
+        <p:spPr/>
+        <p:txBody>
+          <a:bodyPr/>
+          <a:lstStyle/>
+          <a:p>
+            <a:r>
+              <a:rPr lang="en-US" dirty="0"/>
+              <a:t>Chris O’Sullivan</a:t>
+            </a:r>
+          </a:p>
+          <a:p>
+            <a:r>
+              <a:rPr lang="en-US" dirty="0"/>
+              <a:t>Jon Trow</a:t>
+            </a:r>
+          </a:p>
+          <a:p>
+            <a:r>
+              <a:rPr lang="en-US" dirty="0"/>
+              <a:t>Yuriy Skripchenko</a:t>
+            </a:r>
+          </a:p>
+          <a:p>
+            <a:endParaRPr lang="en-US" dirty="0"/>
+          </a:p>
+        </p:txBody>
+      </p:sp>
+      <p:sp>
+        <p:nvSpPr>
+          <p:cNvPr id="6" name="Text Placeholder 5">
+            <a:extLst>
+              <a:ext uri="{FF2B5EF4-FFF2-40B4-BE49-F238E27FC236}">
+                <a16:creationId xmlns:a16="http://schemas.microsoft.com/office/drawing/2014/main" id="{23602E4B-DD4B-490F-9BB8-A69A0CD0F0D0}"/>
+              </a:ext>
+            </a:extLst>
+          </p:cNvPr>
+          <p:cNvSpPr>
+            <a:spLocks noGrp="1"/>
+          </p:cNvSpPr>
+          <p:nvPr>
+            <p:ph type="body" sz="quarter" idx="15"/>
+          </p:nvPr>
+        </p:nvSpPr>
+        <p:spPr/>
+        <p:txBody>
+          <a:bodyPr/>
+          <a:lstStyle/>
+          <a:p>
+            <a:endParaRPr lang="en-US" dirty="0"/>
+          </a:p>
+        </p:txBody>
+      </p:sp>
+      <p:sp>
+        <p:nvSpPr>
+          <p:cNvPr id="7" name="Text Placeholder 6">
+            <a:extLst>
+              <a:ext uri="{FF2B5EF4-FFF2-40B4-BE49-F238E27FC236}">
+                <a16:creationId xmlns:a16="http://schemas.microsoft.com/office/drawing/2014/main" id="{779F4EEA-2DD3-4A33-9FDC-B5778132C4EE}"/>
+              </a:ext>
+            </a:extLst>
+          </p:cNvPr>
+          <p:cNvSpPr>
+            <a:spLocks noGrp="1"/>
+          </p:cNvSpPr>
+          <p:nvPr>
+            <p:ph type="body" sz="quarter" idx="16"/>
+          </p:nvPr>
+        </p:nvSpPr>
+        <p:spPr/>
+        <p:txBody>
+          <a:bodyPr/>
+          <a:lstStyle/>
+          <a:p>
+            <a:endParaRPr lang="en-US"/>
+          </a:p>
+        </p:txBody>
+      </p:sp>
+    </p:spTree>
+    <p:extLst>
+      <p:ext uri="{BB962C8B-B14F-4D97-AF65-F5344CB8AC3E}">
+        <p14:creationId xmlns:p14="http://schemas.microsoft.com/office/powerpoint/2010/main" val="3217156933"/>
       </p:ext>
     </p:extLst>
   </p:cSld>
@@ -6507,7 +6783,7 @@
           <p:cNvPr id="2" name="Title 1">
             <a:extLst>
               <a:ext uri="{FF2B5EF4-FFF2-40B4-BE49-F238E27FC236}">
-                <a16:creationId xmlns:a16="http://schemas.microsoft.com/office/drawing/2014/main" id="{8CE57AA9-40A4-4E2E-9E58-B5FF5743F864}"/>
+                <a16:creationId xmlns:a16="http://schemas.microsoft.com/office/drawing/2014/main" id="{B779252C-A87D-4F50-8401-5C14415F1040}"/>
               </a:ext>
             </a:extLst>
           </p:cNvPr>
@@ -6520,22 +6796,24 @@
         </p:nvSpPr>
         <p:spPr/>
         <p:txBody>
-          <a:bodyPr/>
+          <a:bodyPr>
+            <a:normAutofit/>
+          </a:bodyPr>
           <a:lstStyle/>
           <a:p>
             <a:r>
               <a:rPr lang="en-US" dirty="0"/>
-              <a:t>STRIDES</a:t>
-            </a:r>
-          </a:p>
-        </p:txBody>
-      </p:sp>
-      <p:sp>
-        <p:nvSpPr>
-          <p:cNvPr id="3" name="Content Placeholder 2">
+              <a:t>Yes/No Question</a:t>
+            </a:r>
+          </a:p>
+        </p:txBody>
+      </p:sp>
+      <p:sp>
+        <p:nvSpPr>
+          <p:cNvPr id="3" name="Text Placeholder 2">
             <a:extLst>
               <a:ext uri="{FF2B5EF4-FFF2-40B4-BE49-F238E27FC236}">
-                <a16:creationId xmlns:a16="http://schemas.microsoft.com/office/drawing/2014/main" id="{B40BAB35-7A96-4ACF-9B0F-A221D7A618B5}"/>
+                <a16:creationId xmlns:a16="http://schemas.microsoft.com/office/drawing/2014/main" id="{E67820A5-6E26-488B-82FF-A2D6D0E10642}"/>
               </a:ext>
             </a:extLst>
           </p:cNvPr>
@@ -6543,66 +6821,25 @@
             <a:spLocks noGrp="1"/>
           </p:cNvSpPr>
           <p:nvPr>
-            <p:ph idx="1"/>
+            <p:ph type="body" sz="quarter" idx="10"/>
           </p:nvPr>
         </p:nvSpPr>
         <p:spPr/>
         <p:txBody>
-          <a:bodyPr>
-            <a:normAutofit lnSpcReduction="10000"/>
-          </a:bodyPr>
+          <a:bodyPr/>
           <a:lstStyle/>
           <a:p>
-            <a:pPr marL="0" indent="0">
-              <a:buNone/>
-            </a:pPr>
-            <a:r>
-              <a:rPr lang="en-US" dirty="0"/>
-              <a:t>The NIH STRIDES Initiative is a partnership with commercial cloud providers to make accessing compute and storage resources easier for biomedical researchers.</a:t>
-            </a:r>
-          </a:p>
-          <a:p>
-            <a:pPr marL="0" indent="0">
-              <a:buNone/>
-            </a:pPr>
-            <a:r>
-              <a:rPr lang="en-US" dirty="0"/>
-              <a:t>Any NIH Institute, Center or Office (ICO) or NIH-funded researcher is eligible to take part in the STRIDES Initiative.</a:t>
-            </a:r>
-          </a:p>
-          <a:p>
-            <a:pPr marL="0" indent="0">
-              <a:buNone/>
-            </a:pPr>
-            <a:r>
-              <a:rPr lang="en-US" dirty="0"/>
-              <a:t>The STRIDES website provides information on enrollment to gain access to discounts and funding through STRIDES as well as training and educational resources.</a:t>
-            </a:r>
-          </a:p>
-          <a:p>
-            <a:pPr marL="0" indent="0">
-              <a:buNone/>
-            </a:pPr>
-            <a:r>
-              <a:rPr lang="en-US" dirty="0">
-                <a:hlinkClick r:id="rId2"/>
-              </a:rPr>
-              <a:t>https://cloud.nih.gov</a:t>
-            </a:r>
-            <a:endParaRPr lang="en-US" dirty="0"/>
-          </a:p>
-          <a:p>
-            <a:pPr marL="0" indent="0">
-              <a:buNone/>
-            </a:pPr>
-            <a:endParaRPr lang="en-US" dirty="0"/>
+            <a:r>
+              <a:rPr lang="en-US" dirty="0"/>
+              <a:t>I have used a cloud platform like AWS or GCP in the past?</a:t>
+            </a:r>
           </a:p>
         </p:txBody>
       </p:sp>
     </p:spTree>
     <p:extLst>
       <p:ext uri="{BB962C8B-B14F-4D97-AF65-F5344CB8AC3E}">
-        <p14:creationId xmlns:p14="http://schemas.microsoft.com/office/powerpoint/2010/main" val="2935120880"/>
+        <p14:creationId xmlns:p14="http://schemas.microsoft.com/office/powerpoint/2010/main" val="730357622"/>
       </p:ext>
     </p:extLst>
   </p:cSld>
@@ -6634,7 +6871,7 @@
           <p:cNvPr id="2" name="Title 1">
             <a:extLst>
               <a:ext uri="{FF2B5EF4-FFF2-40B4-BE49-F238E27FC236}">
-                <a16:creationId xmlns:a16="http://schemas.microsoft.com/office/drawing/2014/main" id="{B779252C-A87D-4F50-8401-5C14415F1040}"/>
+                <a16:creationId xmlns:a16="http://schemas.microsoft.com/office/drawing/2014/main" id="{97CA2036-EB55-4BE4-95D8-65315829EC4C}"/>
               </a:ext>
             </a:extLst>
           </p:cNvPr>
@@ -6647,24 +6884,22 @@
         </p:nvSpPr>
         <p:spPr/>
         <p:txBody>
-          <a:bodyPr>
-            <a:normAutofit/>
-          </a:bodyPr>
+          <a:bodyPr/>
           <a:lstStyle/>
           <a:p>
             <a:r>
               <a:rPr lang="en-US" dirty="0"/>
-              <a:t>Yes/No Question</a:t>
-            </a:r>
-          </a:p>
-        </p:txBody>
-      </p:sp>
-      <p:sp>
-        <p:nvSpPr>
-          <p:cNvPr id="3" name="Text Placeholder 2">
+              <a:t>Why do I want to use the cloud?</a:t>
+            </a:r>
+          </a:p>
+        </p:txBody>
+      </p:sp>
+      <p:sp>
+        <p:nvSpPr>
+          <p:cNvPr id="3" name="Content Placeholder 2">
             <a:extLst>
               <a:ext uri="{FF2B5EF4-FFF2-40B4-BE49-F238E27FC236}">
-                <a16:creationId xmlns:a16="http://schemas.microsoft.com/office/drawing/2014/main" id="{E67820A5-6E26-488B-82FF-A2D6D0E10642}"/>
+                <a16:creationId xmlns:a16="http://schemas.microsoft.com/office/drawing/2014/main" id="{B30181B5-95C7-4CAF-BB33-30AE82E5ECF6}"/>
               </a:ext>
             </a:extLst>
           </p:cNvPr>
@@ -6672,25 +6907,48 @@
             <a:spLocks noGrp="1"/>
           </p:cNvSpPr>
           <p:nvPr>
-            <p:ph type="body" sz="quarter" idx="10"/>
+            <p:ph idx="1"/>
           </p:nvPr>
         </p:nvSpPr>
         <p:spPr/>
         <p:txBody>
-          <a:bodyPr/>
+          <a:bodyPr>
+            <a:normAutofit lnSpcReduction="10000"/>
+          </a:bodyPr>
           <a:lstStyle/>
           <a:p>
             <a:r>
               <a:rPr lang="en-US" dirty="0"/>
-              <a:t>I have used a cloud platform like AWS or GCP in the past?</a:t>
-            </a:r>
+              <a:t>Speed – High Performance Computing (HPC) resources may not be available to you normally or access may be limited.</a:t>
+            </a:r>
+          </a:p>
+          <a:p>
+            <a:r>
+              <a:rPr lang="en-US" dirty="0"/>
+              <a:t>Cost – Buying and supporting computing and storage resources can be costly and time consuming.</a:t>
+            </a:r>
+          </a:p>
+          <a:p>
+            <a:r>
+              <a:rPr lang="en-US" dirty="0"/>
+              <a:t>Features – New features and opportunities for automation are available using the cloud providers.</a:t>
+            </a:r>
+          </a:p>
+          <a:p>
+            <a:r>
+              <a:rPr lang="en-US" dirty="0"/>
+              <a:t>Gap Filling – You can keep using all the existing on-site resources while using cloud resources to test or for short term needs.</a:t>
+            </a:r>
+          </a:p>
+          <a:p>
+            <a:endParaRPr lang="en-US" dirty="0"/>
           </a:p>
         </p:txBody>
       </p:sp>
     </p:spTree>
     <p:extLst>
       <p:ext uri="{BB962C8B-B14F-4D97-AF65-F5344CB8AC3E}">
-        <p14:creationId xmlns:p14="http://schemas.microsoft.com/office/powerpoint/2010/main" val="730357622"/>
+        <p14:creationId xmlns:p14="http://schemas.microsoft.com/office/powerpoint/2010/main" val="1518787323"/>
       </p:ext>
     </p:extLst>
   </p:cSld>
@@ -6722,7 +6980,7 @@
           <p:cNvPr id="2" name="Title 1">
             <a:extLst>
               <a:ext uri="{FF2B5EF4-FFF2-40B4-BE49-F238E27FC236}">
-                <a16:creationId xmlns:a16="http://schemas.microsoft.com/office/drawing/2014/main" id="{97CA2036-EB55-4BE4-95D8-65315829EC4C}"/>
+                <a16:creationId xmlns:a16="http://schemas.microsoft.com/office/drawing/2014/main" id="{8CE57AA9-40A4-4E2E-9E58-B5FF5743F864}"/>
               </a:ext>
             </a:extLst>
           </p:cNvPr>
@@ -6740,7 +6998,7 @@
           <a:p>
             <a:r>
               <a:rPr lang="en-US" dirty="0"/>
-              <a:t>Why do I want to use the cloud?</a:t>
+              <a:t>STRIDES</a:t>
             </a:r>
           </a:p>
         </p:txBody>
@@ -6750,7 +7008,7 @@
           <p:cNvPr id="3" name="Content Placeholder 2">
             <a:extLst>
               <a:ext uri="{FF2B5EF4-FFF2-40B4-BE49-F238E27FC236}">
-                <a16:creationId xmlns:a16="http://schemas.microsoft.com/office/drawing/2014/main" id="{B30181B5-95C7-4CAF-BB33-30AE82E5ECF6}"/>
+                <a16:creationId xmlns:a16="http://schemas.microsoft.com/office/drawing/2014/main" id="{B40BAB35-7A96-4ACF-9B0F-A221D7A618B5}"/>
               </a:ext>
             </a:extLst>
           </p:cNvPr>
@@ -6763,27 +7021,48 @@
         </p:nvSpPr>
         <p:spPr/>
         <p:txBody>
-          <a:bodyPr/>
+          <a:bodyPr>
+            <a:normAutofit/>
+          </a:bodyPr>
           <a:lstStyle/>
           <a:p>
-            <a:r>
-              <a:rPr lang="en-US" dirty="0"/>
-              <a:t>Speed – High Performance Computing (HPC) resources may not be available to you normally or access may be limited.</a:t>
-            </a:r>
-          </a:p>
-          <a:p>
-            <a:r>
-              <a:rPr lang="en-US" dirty="0"/>
-              <a:t>Cost – Buying and supporting computing and storage resources can be more costly and time-consuming than expected.</a:t>
-            </a:r>
-          </a:p>
-          <a:p>
-            <a:r>
-              <a:rPr lang="en-US" dirty="0"/>
-              <a:t>Features – New features and opportunities for automation are available using the cloud providers.</a:t>
-            </a:r>
-          </a:p>
-          <a:p>
+            <a:pPr marL="0" indent="0">
+              <a:buNone/>
+            </a:pPr>
+            <a:r>
+              <a:rPr lang="en-US" dirty="0"/>
+              <a:t>The NIH STRIDES Initiative is a partnership with commercial cloud providers to make accessing compute and storage resources easier for biomedical researchers.</a:t>
+            </a:r>
+          </a:p>
+          <a:p>
+            <a:pPr marL="0" indent="0">
+              <a:buNone/>
+            </a:pPr>
+            <a:r>
+              <a:rPr lang="en-US" dirty="0"/>
+              <a:t>Any NIH Institute, Center or Office (ICO) or NIH-funded researcher is eligible to take part in the STRIDES Initiative.</a:t>
+            </a:r>
+          </a:p>
+          <a:p>
+            <a:pPr marL="0" indent="0">
+              <a:buNone/>
+            </a:pPr>
+            <a:r>
+              <a:rPr lang="en-US" dirty="0"/>
+              <a:t>Researchers with NIH grants or at institutions with NIH funding may want to check the STRIDES website to learn if they are eligible for discounts or credits for one of the cloud providers. </a:t>
+            </a:r>
+            <a:r>
+              <a:rPr lang="en-US" dirty="0">
+                <a:hlinkClick r:id="rId2"/>
+              </a:rPr>
+              <a:t>https://cloud.nih.gov</a:t>
+            </a:r>
+            <a:endParaRPr lang="en-US" dirty="0"/>
+          </a:p>
+          <a:p>
+            <a:pPr marL="0" indent="0">
+              <a:buNone/>
+            </a:pPr>
             <a:endParaRPr lang="en-US" dirty="0"/>
           </a:p>
         </p:txBody>
@@ -6791,7 +7070,7 @@
     </p:spTree>
     <p:extLst>
       <p:ext uri="{BB962C8B-B14F-4D97-AF65-F5344CB8AC3E}">
-        <p14:creationId xmlns:p14="http://schemas.microsoft.com/office/powerpoint/2010/main" val="1518787323"/>
+        <p14:creationId xmlns:p14="http://schemas.microsoft.com/office/powerpoint/2010/main" val="2935120880"/>
       </p:ext>
     </p:extLst>
   </p:cSld>
@@ -7063,7 +7342,7 @@
         </p:spPr>
         <p:txBody>
           <a:bodyPr>
-            <a:normAutofit fontScale="92500" lnSpcReduction="10000"/>
+            <a:normAutofit/>
           </a:bodyPr>
           <a:lstStyle/>
           <a:p>
@@ -7072,7 +7351,7 @@
             </a:pPr>
             <a:r>
               <a:rPr lang="en-US" dirty="0"/>
-              <a:t>You can either use the ‘</a:t>
+              <a:t>You can use the ‘</a:t>
             </a:r>
             <a:r>
               <a:rPr lang="en-US" dirty="0" err="1"/>
@@ -7089,16 +7368,7 @@
             </a:pPr>
             <a:r>
               <a:rPr lang="en-US" dirty="0"/>
-              <a:t>For this seminar I will show you how you would setup a query in the GCP console.  </a:t>
-            </a:r>
-          </a:p>
-          <a:p>
-            <a:pPr marL="0" indent="0">
-              <a:buNone/>
-            </a:pPr>
-            <a:r>
-              <a:rPr lang="en-US" dirty="0"/>
-              <a:t>We will be using </a:t>
+              <a:t>Today we will be using </a:t>
             </a:r>
             <a:r>
               <a:rPr lang="en-US" dirty="0" err="1"/>
@@ -7106,7 +7376,15 @@
             </a:r>
             <a:r>
               <a:rPr lang="en-US" dirty="0"/>
-              <a:t> to make demonstration easier.</a:t>
+              <a:t> to make demonstration easier. The queries will be using the </a:t>
+            </a:r>
+            <a:r>
+              <a:rPr lang="en-US" dirty="0" err="1"/>
+              <a:t>bq</a:t>
+            </a:r>
+            <a:r>
+              <a:rPr lang="en-US" dirty="0"/>
+              <a:t> client.</a:t>
             </a:r>
           </a:p>
         </p:txBody>

--- a/Interactive_ASHG.pptx
+++ b/Interactive_ASHG.pptx
@@ -5,33 +5,25 @@
     <p:sldMasterId id="2147483648" r:id="rId1"/>
   </p:sldMasterIdLst>
   <p:notesMasterIdLst>
-    <p:notesMasterId r:id="rId26"/>
+    <p:notesMasterId r:id="rId18"/>
   </p:notesMasterIdLst>
   <p:sldIdLst>
     <p:sldId id="260" r:id="rId2"/>
-    <p:sldId id="268" r:id="rId3"/>
-    <p:sldId id="277" r:id="rId4"/>
-    <p:sldId id="272" r:id="rId5"/>
-    <p:sldId id="284" r:id="rId6"/>
-    <p:sldId id="299" r:id="rId7"/>
-    <p:sldId id="267" r:id="rId8"/>
-    <p:sldId id="257" r:id="rId9"/>
-    <p:sldId id="258" r:id="rId10"/>
-    <p:sldId id="263" r:id="rId11"/>
-    <p:sldId id="261" r:id="rId12"/>
-    <p:sldId id="264" r:id="rId13"/>
-    <p:sldId id="298" r:id="rId14"/>
-    <p:sldId id="287" r:id="rId15"/>
-    <p:sldId id="289" r:id="rId16"/>
-    <p:sldId id="290" r:id="rId17"/>
-    <p:sldId id="291" r:id="rId18"/>
-    <p:sldId id="292" r:id="rId19"/>
-    <p:sldId id="293" r:id="rId20"/>
-    <p:sldId id="294" r:id="rId21"/>
-    <p:sldId id="295" r:id="rId22"/>
-    <p:sldId id="270" r:id="rId23"/>
-    <p:sldId id="296" r:id="rId24"/>
-    <p:sldId id="300" r:id="rId25"/>
+    <p:sldId id="284" r:id="rId3"/>
+    <p:sldId id="299" r:id="rId4"/>
+    <p:sldId id="267" r:id="rId5"/>
+    <p:sldId id="257" r:id="rId6"/>
+    <p:sldId id="263" r:id="rId7"/>
+    <p:sldId id="258" r:id="rId8"/>
+    <p:sldId id="261" r:id="rId9"/>
+    <p:sldId id="264" r:id="rId10"/>
+    <p:sldId id="298" r:id="rId11"/>
+    <p:sldId id="293" r:id="rId12"/>
+    <p:sldId id="289" r:id="rId13"/>
+    <p:sldId id="287" r:id="rId14"/>
+    <p:sldId id="294" r:id="rId15"/>
+    <p:sldId id="270" r:id="rId16"/>
+    <p:sldId id="300" r:id="rId17"/>
   </p:sldIdLst>
   <p:sldSz cx="12192000" cy="6858000"/>
   <p:notesSz cx="6858000" cy="9144000"/>
@@ -220,7 +212,7 @@
           <a:p>
             <a:fld id="{4CA2426E-871E-6048-897D-C00DFFEC19B5}" type="datetimeFigureOut">
               <a:rPr lang="en-US" smtClean="0"/>
-              <a:t>8/22/2021</a:t>
+              <a:t>9/11/2021</a:t>
             </a:fld>
             <a:endParaRPr lang="en-US"/>
           </a:p>
@@ -3648,13 +3640,13 @@
         <p:spPr/>
         <p:txBody>
           <a:bodyPr>
-            <a:normAutofit/>
+            <a:normAutofit fontScale="90000"/>
           </a:bodyPr>
           <a:lstStyle/>
           <a:p>
             <a:r>
               <a:rPr lang="en-US" dirty="0"/>
-              <a:t>Title</a:t>
+              <a:t>Enhanced Search Capabilities and Ease of Use of NCBI SRA Data on the Cloud</a:t>
             </a:r>
           </a:p>
         </p:txBody>
@@ -3716,7 +3708,7 @@
           <p:cNvPr id="2" name="Title 1">
             <a:extLst>
               <a:ext uri="{FF2B5EF4-FFF2-40B4-BE49-F238E27FC236}">
-                <a16:creationId xmlns:a16="http://schemas.microsoft.com/office/drawing/2014/main" id="{A8D2EB25-2394-41DE-9169-76A6435AC990}"/>
+                <a16:creationId xmlns:a16="http://schemas.microsoft.com/office/drawing/2014/main" id="{A81BB78B-3FEF-4DE2-8021-D398791CFA76}"/>
               </a:ext>
             </a:extLst>
           </p:cNvPr>
@@ -3729,24 +3721,22 @@
         </p:nvSpPr>
         <p:spPr/>
         <p:txBody>
-          <a:bodyPr>
-            <a:normAutofit/>
-          </a:bodyPr>
+          <a:bodyPr/>
           <a:lstStyle/>
           <a:p>
             <a:r>
               <a:rPr lang="en-US" dirty="0"/>
-              <a:t>Yes/No Question</a:t>
-            </a:r>
-          </a:p>
-        </p:txBody>
-      </p:sp>
-      <p:sp>
-        <p:nvSpPr>
-          <p:cNvPr id="3" name="Subtitle 2">
+              <a:t>What Columns are in the Database?</a:t>
+            </a:r>
+          </a:p>
+        </p:txBody>
+      </p:sp>
+      <p:sp>
+        <p:nvSpPr>
+          <p:cNvPr id="3" name="Content Placeholder 2">
             <a:extLst>
               <a:ext uri="{FF2B5EF4-FFF2-40B4-BE49-F238E27FC236}">
-                <a16:creationId xmlns:a16="http://schemas.microsoft.com/office/drawing/2014/main" id="{BE42D68A-C7A5-4FB6-9E44-F12822EC7D43}"/>
+                <a16:creationId xmlns:a16="http://schemas.microsoft.com/office/drawing/2014/main" id="{41EA55F5-FDD9-450E-9776-D2CD2D1E5C47}"/>
               </a:ext>
             </a:extLst>
           </p:cNvPr>
@@ -3754,25 +3744,142 @@
             <a:spLocks noGrp="1"/>
           </p:cNvSpPr>
           <p:nvPr>
-            <p:ph type="body" sz="quarter" idx="10"/>
-          </p:nvPr>
-        </p:nvSpPr>
-        <p:spPr/>
+            <p:ph idx="1"/>
+          </p:nvPr>
+        </p:nvSpPr>
+        <p:spPr>
+          <a:xfrm>
+            <a:off x="838200" y="1825625"/>
+            <a:ext cx="6001011" cy="3532981"/>
+          </a:xfrm>
+        </p:spPr>
         <p:txBody>
           <a:bodyPr/>
           <a:lstStyle/>
           <a:p>
-            <a:r>
-              <a:rPr lang="en-US" dirty="0"/>
-              <a:t>I feel comfortable writing basic queries in SQL.</a:t>
-            </a:r>
+            <a:pPr marL="0" indent="0">
+              <a:buNone/>
+            </a:pPr>
+            <a:r>
+              <a:rPr lang="en-US" dirty="0"/>
+              <a:t>The SRA documentation page includes:</a:t>
+            </a:r>
+          </a:p>
+          <a:p>
+            <a:pPr marL="0" indent="0">
+              <a:buNone/>
+            </a:pPr>
+            <a:r>
+              <a:rPr lang="en-US" dirty="0"/>
+              <a:t>	Available Tables List </a:t>
+            </a:r>
+          </a:p>
+          <a:p>
+            <a:pPr marL="0" indent="0">
+              <a:buNone/>
+            </a:pPr>
+            <a:r>
+              <a:rPr lang="en-US" dirty="0"/>
+              <a:t>	Column Descriptions</a:t>
+            </a:r>
+          </a:p>
+          <a:p>
+            <a:pPr marL="0" indent="0">
+              <a:buNone/>
+            </a:pPr>
+            <a:r>
+              <a:rPr lang="en-US" dirty="0"/>
+              <a:t>	Additional Example Queries </a:t>
+            </a:r>
+          </a:p>
+          <a:p>
+            <a:pPr marL="0" indent="0">
+              <a:buNone/>
+            </a:pPr>
+            <a:endParaRPr lang="en-US" dirty="0"/>
+          </a:p>
+        </p:txBody>
+      </p:sp>
+      <p:pic>
+        <p:nvPicPr>
+          <p:cNvPr id="4" name="Content Placeholder 4">
+            <a:extLst>
+              <a:ext uri="{FF2B5EF4-FFF2-40B4-BE49-F238E27FC236}">
+                <a16:creationId xmlns:a16="http://schemas.microsoft.com/office/drawing/2014/main" id="{F823DD48-9BDA-4AD1-BE4F-1ECFC5D9BD11}"/>
+              </a:ext>
+            </a:extLst>
+          </p:cNvPr>
+          <p:cNvPicPr>
+            <a:picLocks noChangeAspect="1"/>
+          </p:cNvPicPr>
+          <p:nvPr/>
+        </p:nvPicPr>
+        <p:blipFill>
+          <a:blip r:embed="rId2"/>
+          <a:stretch>
+            <a:fillRect/>
+          </a:stretch>
+        </p:blipFill>
+        <p:spPr>
+          <a:xfrm>
+            <a:off x="6839211" y="1499393"/>
+            <a:ext cx="4748219" cy="3859213"/>
+          </a:xfrm>
+          <a:prstGeom prst="rect">
+            <a:avLst/>
+          </a:prstGeom>
+        </p:spPr>
+      </p:pic>
+      <p:sp>
+        <p:nvSpPr>
+          <p:cNvPr id="5" name="TextBox 4">
+            <a:extLst>
+              <a:ext uri="{FF2B5EF4-FFF2-40B4-BE49-F238E27FC236}">
+                <a16:creationId xmlns:a16="http://schemas.microsoft.com/office/drawing/2014/main" id="{4107140E-0FBB-43CA-9AD6-ACD995BABB7A}"/>
+              </a:ext>
+            </a:extLst>
+          </p:cNvPr>
+          <p:cNvSpPr txBox="1"/>
+          <p:nvPr/>
+        </p:nvSpPr>
+        <p:spPr>
+          <a:xfrm>
+            <a:off x="1281829" y="5358606"/>
+            <a:ext cx="10196187" cy="738664"/>
+          </a:xfrm>
+          <a:prstGeom prst="rect">
+            <a:avLst/>
+          </a:prstGeom>
+          <a:noFill/>
+        </p:spPr>
+        <p:txBody>
+          <a:bodyPr wrap="square" rtlCol="0">
+            <a:spAutoFit/>
+          </a:bodyPr>
+          <a:lstStyle/>
+          <a:p>
+            <a:r>
+              <a:rPr lang="en-US" sz="2400" dirty="0">
+                <a:latin typeface="Helvetica" panose="020B0604020202020204" pitchFamily="34" charset="0"/>
+                <a:cs typeface="Helvetica" panose="020B0604020202020204" pitchFamily="34" charset="0"/>
+                <a:hlinkClick r:id="rId3"/>
+              </a:rPr>
+              <a:t>https://www.ncbi.nlm.nih.gov/sra/docs/sra-cloud-based-examples/</a:t>
+            </a:r>
+            <a:endParaRPr lang="en-US" sz="2400" dirty="0">
+              <a:latin typeface="Helvetica" panose="020B0604020202020204" pitchFamily="34" charset="0"/>
+              <a:cs typeface="Helvetica" panose="020B0604020202020204" pitchFamily="34" charset="0"/>
+            </a:endParaRPr>
+          </a:p>
+          <a:p>
+            <a:endParaRPr lang="en-US" dirty="0"/>
           </a:p>
         </p:txBody>
       </p:sp>
     </p:spTree>
     <p:extLst>
       <p:ext uri="{BB962C8B-B14F-4D97-AF65-F5344CB8AC3E}">
-        <p14:creationId xmlns:p14="http://schemas.microsoft.com/office/powerpoint/2010/main" val="3226148419"/>
+        <p14:creationId xmlns:p14="http://schemas.microsoft.com/office/powerpoint/2010/main" val="3563595517"/>
       </p:ext>
     </p:extLst>
   </p:cSld>
@@ -3804,1552 +3911,6 @@
           <p:cNvPr id="2" name="Title 1">
             <a:extLst>
               <a:ext uri="{FF2B5EF4-FFF2-40B4-BE49-F238E27FC236}">
-                <a16:creationId xmlns:a16="http://schemas.microsoft.com/office/drawing/2014/main" id="{F98F8C80-A7E3-476E-8930-90035AB66BBB}"/>
-              </a:ext>
-            </a:extLst>
-          </p:cNvPr>
-          <p:cNvSpPr>
-            <a:spLocks noGrp="1"/>
-          </p:cNvSpPr>
-          <p:nvPr>
-            <p:ph type="title"/>
-          </p:nvPr>
-        </p:nvSpPr>
-        <p:spPr/>
-        <p:txBody>
-          <a:bodyPr/>
-          <a:lstStyle/>
-          <a:p>
-            <a:r>
-              <a:rPr lang="en-US" dirty="0"/>
-              <a:t>Simple SQL Queries</a:t>
-            </a:r>
-          </a:p>
-        </p:txBody>
-      </p:sp>
-      <p:sp>
-        <p:nvSpPr>
-          <p:cNvPr id="4" name="Text Placeholder 3">
-            <a:extLst>
-              <a:ext uri="{FF2B5EF4-FFF2-40B4-BE49-F238E27FC236}">
-                <a16:creationId xmlns:a16="http://schemas.microsoft.com/office/drawing/2014/main" id="{187D5DA7-A995-48FF-91C3-C5BECB4A3DC6}"/>
-              </a:ext>
-            </a:extLst>
-          </p:cNvPr>
-          <p:cNvSpPr>
-            <a:spLocks noGrp="1"/>
-          </p:cNvSpPr>
-          <p:nvPr>
-            <p:ph idx="1"/>
-          </p:nvPr>
-        </p:nvSpPr>
-        <p:spPr/>
-        <p:txBody>
-          <a:bodyPr>
-            <a:normAutofit lnSpcReduction="10000"/>
-          </a:bodyPr>
-          <a:lstStyle/>
-          <a:p>
-            <a:pPr marL="0" indent="0">
-              <a:buNone/>
-            </a:pPr>
-            <a:r>
-              <a:rPr lang="en-US" dirty="0"/>
-              <a:t>A very basic overview of SQL queries.</a:t>
-            </a:r>
-          </a:p>
-          <a:p>
-            <a:pPr marL="0" indent="0">
-              <a:buNone/>
-            </a:pPr>
-            <a:r>
-              <a:rPr lang="en-US" dirty="0"/>
-              <a:t>SELECT – command to extract data from a table.</a:t>
-            </a:r>
-          </a:p>
-          <a:p>
-            <a:pPr marL="0" indent="0">
-              <a:buNone/>
-            </a:pPr>
-            <a:r>
-              <a:rPr lang="en-US" dirty="0"/>
-              <a:t>FROM – specify which tables to extract data from</a:t>
-            </a:r>
-          </a:p>
-          <a:p>
-            <a:pPr marL="0" indent="0">
-              <a:buNone/>
-            </a:pPr>
-            <a:r>
-              <a:rPr lang="en-US" dirty="0"/>
-              <a:t>WHERE – filters the data</a:t>
-            </a:r>
-          </a:p>
-          <a:p>
-            <a:pPr marL="0" indent="0">
-              <a:buNone/>
-            </a:pPr>
-            <a:r>
-              <a:rPr lang="en-US" dirty="0"/>
-              <a:t>ORDER BY – order the results by specified column(s)</a:t>
-            </a:r>
-          </a:p>
-          <a:p>
-            <a:pPr marL="0" indent="0">
-              <a:buNone/>
-            </a:pPr>
-            <a:endParaRPr lang="en-US" dirty="0"/>
-          </a:p>
-          <a:p>
-            <a:pPr marL="0" indent="0">
-              <a:buNone/>
-            </a:pPr>
-            <a:r>
-              <a:rPr lang="en-US" dirty="0">
-                <a:hlinkClick r:id="rId2"/>
-              </a:rPr>
-              <a:t>https://cloud.google.com/bigquery/docs/reference/standard-sql/query-syntax</a:t>
-            </a:r>
-            <a:endParaRPr lang="en-US" dirty="0"/>
-          </a:p>
-          <a:p>
-            <a:pPr marL="0" indent="0">
-              <a:buNone/>
-            </a:pPr>
-            <a:endParaRPr lang="en-US" dirty="0"/>
-          </a:p>
-        </p:txBody>
-      </p:sp>
-    </p:spTree>
-    <p:extLst>
-      <p:ext uri="{BB962C8B-B14F-4D97-AF65-F5344CB8AC3E}">
-        <p14:creationId xmlns:p14="http://schemas.microsoft.com/office/powerpoint/2010/main" val="2216777302"/>
-      </p:ext>
-    </p:extLst>
-  </p:cSld>
-  <p:clrMapOvr>
-    <a:masterClrMapping/>
-  </p:clrMapOvr>
-</p:sld>
-</file>
-
-<file path=ppt/slides/slide12.xml><?xml version="1.0" encoding="utf-8"?>
-<p:sld xmlns:a="http://schemas.openxmlformats.org/drawingml/2006/main" xmlns:r="http://schemas.openxmlformats.org/officeDocument/2006/relationships" xmlns:p="http://schemas.openxmlformats.org/presentationml/2006/main">
-  <p:cSld>
-    <p:spTree>
-      <p:nvGrpSpPr>
-        <p:cNvPr id="1" name=""/>
-        <p:cNvGrpSpPr/>
-        <p:nvPr/>
-      </p:nvGrpSpPr>
-      <p:grpSpPr>
-        <a:xfrm>
-          <a:off x="0" y="0"/>
-          <a:ext cx="0" cy="0"/>
-          <a:chOff x="0" y="0"/>
-          <a:chExt cx="0" cy="0"/>
-        </a:xfrm>
-      </p:grpSpPr>
-      <p:sp>
-        <p:nvSpPr>
-          <p:cNvPr id="2" name="Title 1">
-            <a:extLst>
-              <a:ext uri="{FF2B5EF4-FFF2-40B4-BE49-F238E27FC236}">
-                <a16:creationId xmlns:a16="http://schemas.microsoft.com/office/drawing/2014/main" id="{A6983692-CD55-45B6-94BB-639C7C923640}"/>
-              </a:ext>
-            </a:extLst>
-          </p:cNvPr>
-          <p:cNvSpPr>
-            <a:spLocks noGrp="1"/>
-          </p:cNvSpPr>
-          <p:nvPr>
-            <p:ph type="title"/>
-          </p:nvPr>
-        </p:nvSpPr>
-        <p:spPr/>
-        <p:txBody>
-          <a:bodyPr/>
-          <a:lstStyle/>
-          <a:p>
-            <a:r>
-              <a:rPr lang="en-US" dirty="0"/>
-              <a:t>Searching in </a:t>
-            </a:r>
-            <a:r>
-              <a:rPr lang="en-US" dirty="0" err="1"/>
-              <a:t>BigQuery</a:t>
-            </a:r>
-            <a:endParaRPr lang="en-US" dirty="0"/>
-          </a:p>
-        </p:txBody>
-      </p:sp>
-      <p:sp>
-        <p:nvSpPr>
-          <p:cNvPr id="4" name="Text Placeholder 3">
-            <a:extLst>
-              <a:ext uri="{FF2B5EF4-FFF2-40B4-BE49-F238E27FC236}">
-                <a16:creationId xmlns:a16="http://schemas.microsoft.com/office/drawing/2014/main" id="{C3BEA01D-03A2-47AF-AAEC-EE452CA29AFC}"/>
-              </a:ext>
-            </a:extLst>
-          </p:cNvPr>
-          <p:cNvSpPr>
-            <a:spLocks noGrp="1"/>
-          </p:cNvSpPr>
-          <p:nvPr>
-            <p:ph idx="1"/>
-          </p:nvPr>
-        </p:nvSpPr>
-        <p:spPr>
-          <a:xfrm>
-            <a:off x="838200" y="1825625"/>
-            <a:ext cx="3933825" cy="3858895"/>
-          </a:xfrm>
-        </p:spPr>
-        <p:txBody>
-          <a:bodyPr>
-            <a:normAutofit fontScale="92500" lnSpcReduction="10000"/>
-          </a:bodyPr>
-          <a:lstStyle/>
-          <a:p>
-            <a:pPr marL="0" indent="0">
-              <a:buNone/>
-            </a:pPr>
-            <a:r>
-              <a:rPr lang="en-US" dirty="0"/>
-              <a:t>Here is an example search for the SRA Data.</a:t>
-            </a:r>
-          </a:p>
-          <a:p>
-            <a:pPr marL="0" indent="0">
-              <a:buNone/>
-            </a:pPr>
-            <a:r>
-              <a:rPr lang="en-US" dirty="0"/>
-              <a:t>This query will search in the metadata table that is part of the SRA dataset contained in the </a:t>
-            </a:r>
-            <a:r>
-              <a:rPr lang="en-US" dirty="0" err="1"/>
-              <a:t>nih</a:t>
-            </a:r>
-            <a:r>
-              <a:rPr lang="en-US" dirty="0"/>
-              <a:t>-sra-datastore project.</a:t>
-            </a:r>
-          </a:p>
-          <a:p>
-            <a:pPr marL="0" indent="0">
-              <a:buNone/>
-            </a:pPr>
-            <a:r>
-              <a:rPr lang="en-US" dirty="0"/>
-              <a:t>The query will look for all (Select *) records with ‘Homo sapiens’ in the organism column.</a:t>
-            </a:r>
-          </a:p>
-        </p:txBody>
-      </p:sp>
-      <p:pic>
-        <p:nvPicPr>
-          <p:cNvPr id="8" name="Picture 7">
-            <a:extLst>
-              <a:ext uri="{FF2B5EF4-FFF2-40B4-BE49-F238E27FC236}">
-                <a16:creationId xmlns:a16="http://schemas.microsoft.com/office/drawing/2014/main" id="{D1EA0E17-5926-41D4-AEDA-76632D9C5E52}"/>
-              </a:ext>
-            </a:extLst>
-          </p:cNvPr>
-          <p:cNvPicPr>
-            <a:picLocks noChangeAspect="1"/>
-          </p:cNvPicPr>
-          <p:nvPr/>
-        </p:nvPicPr>
-        <p:blipFill>
-          <a:blip r:embed="rId2"/>
-          <a:stretch>
-            <a:fillRect/>
-          </a:stretch>
-        </p:blipFill>
-        <p:spPr>
-          <a:xfrm>
-            <a:off x="4934864" y="1825625"/>
-            <a:ext cx="6869937" cy="1559295"/>
-          </a:xfrm>
-          <a:prstGeom prst="rect">
-            <a:avLst/>
-          </a:prstGeom>
-        </p:spPr>
-      </p:pic>
-    </p:spTree>
-    <p:extLst>
-      <p:ext uri="{BB962C8B-B14F-4D97-AF65-F5344CB8AC3E}">
-        <p14:creationId xmlns:p14="http://schemas.microsoft.com/office/powerpoint/2010/main" val="185677247"/>
-      </p:ext>
-    </p:extLst>
-  </p:cSld>
-  <p:clrMapOvr>
-    <a:masterClrMapping/>
-  </p:clrMapOvr>
-</p:sld>
-</file>
-
-<file path=ppt/slides/slide13.xml><?xml version="1.0" encoding="utf-8"?>
-<p:sld xmlns:a="http://schemas.openxmlformats.org/drawingml/2006/main" xmlns:r="http://schemas.openxmlformats.org/officeDocument/2006/relationships" xmlns:p="http://schemas.openxmlformats.org/presentationml/2006/main">
-  <p:cSld>
-    <p:spTree>
-      <p:nvGrpSpPr>
-        <p:cNvPr id="1" name=""/>
-        <p:cNvGrpSpPr/>
-        <p:nvPr/>
-      </p:nvGrpSpPr>
-      <p:grpSpPr>
-        <a:xfrm>
-          <a:off x="0" y="0"/>
-          <a:ext cx="0" cy="0"/>
-          <a:chOff x="0" y="0"/>
-          <a:chExt cx="0" cy="0"/>
-        </a:xfrm>
-      </p:grpSpPr>
-      <p:sp>
-        <p:nvSpPr>
-          <p:cNvPr id="2" name="Title 1">
-            <a:extLst>
-              <a:ext uri="{FF2B5EF4-FFF2-40B4-BE49-F238E27FC236}">
-                <a16:creationId xmlns:a16="http://schemas.microsoft.com/office/drawing/2014/main" id="{A81BB78B-3FEF-4DE2-8021-D398791CFA76}"/>
-              </a:ext>
-            </a:extLst>
-          </p:cNvPr>
-          <p:cNvSpPr>
-            <a:spLocks noGrp="1"/>
-          </p:cNvSpPr>
-          <p:nvPr>
-            <p:ph type="title"/>
-          </p:nvPr>
-        </p:nvSpPr>
-        <p:spPr/>
-        <p:txBody>
-          <a:bodyPr/>
-          <a:lstStyle/>
-          <a:p>
-            <a:r>
-              <a:rPr lang="en-US" dirty="0"/>
-              <a:t>What Columns are in the Database?</a:t>
-            </a:r>
-          </a:p>
-        </p:txBody>
-      </p:sp>
-      <p:sp>
-        <p:nvSpPr>
-          <p:cNvPr id="3" name="Content Placeholder 2">
-            <a:extLst>
-              <a:ext uri="{FF2B5EF4-FFF2-40B4-BE49-F238E27FC236}">
-                <a16:creationId xmlns:a16="http://schemas.microsoft.com/office/drawing/2014/main" id="{41EA55F5-FDD9-450E-9776-D2CD2D1E5C47}"/>
-              </a:ext>
-            </a:extLst>
-          </p:cNvPr>
-          <p:cNvSpPr>
-            <a:spLocks noGrp="1"/>
-          </p:cNvSpPr>
-          <p:nvPr>
-            <p:ph idx="1"/>
-          </p:nvPr>
-        </p:nvSpPr>
-        <p:spPr>
-          <a:xfrm>
-            <a:off x="838200" y="1825625"/>
-            <a:ext cx="6001011" cy="3532981"/>
-          </a:xfrm>
-        </p:spPr>
-        <p:txBody>
-          <a:bodyPr/>
-          <a:lstStyle/>
-          <a:p>
-            <a:pPr marL="0" indent="0">
-              <a:buNone/>
-            </a:pPr>
-            <a:r>
-              <a:rPr lang="en-US" dirty="0"/>
-              <a:t>The SRA documentation page includes:</a:t>
-            </a:r>
-          </a:p>
-          <a:p>
-            <a:pPr marL="0" indent="0">
-              <a:buNone/>
-            </a:pPr>
-            <a:r>
-              <a:rPr lang="en-US" dirty="0"/>
-              <a:t>	Available Tables List </a:t>
-            </a:r>
-          </a:p>
-          <a:p>
-            <a:pPr marL="0" indent="0">
-              <a:buNone/>
-            </a:pPr>
-            <a:r>
-              <a:rPr lang="en-US" dirty="0"/>
-              <a:t>	Column Descriptions</a:t>
-            </a:r>
-          </a:p>
-          <a:p>
-            <a:pPr marL="0" indent="0">
-              <a:buNone/>
-            </a:pPr>
-            <a:r>
-              <a:rPr lang="en-US" dirty="0"/>
-              <a:t>	Additional Example Queries </a:t>
-            </a:r>
-          </a:p>
-          <a:p>
-            <a:pPr marL="0" indent="0">
-              <a:buNone/>
-            </a:pPr>
-            <a:endParaRPr lang="en-US" dirty="0"/>
-          </a:p>
-        </p:txBody>
-      </p:sp>
-      <p:pic>
-        <p:nvPicPr>
-          <p:cNvPr id="4" name="Content Placeholder 4">
-            <a:extLst>
-              <a:ext uri="{FF2B5EF4-FFF2-40B4-BE49-F238E27FC236}">
-                <a16:creationId xmlns:a16="http://schemas.microsoft.com/office/drawing/2014/main" id="{F823DD48-9BDA-4AD1-BE4F-1ECFC5D9BD11}"/>
-              </a:ext>
-            </a:extLst>
-          </p:cNvPr>
-          <p:cNvPicPr>
-            <a:picLocks noChangeAspect="1"/>
-          </p:cNvPicPr>
-          <p:nvPr/>
-        </p:nvPicPr>
-        <p:blipFill>
-          <a:blip r:embed="rId2"/>
-          <a:stretch>
-            <a:fillRect/>
-          </a:stretch>
-        </p:blipFill>
-        <p:spPr>
-          <a:xfrm>
-            <a:off x="6839211" y="1499393"/>
-            <a:ext cx="4748219" cy="3859213"/>
-          </a:xfrm>
-          <a:prstGeom prst="rect">
-            <a:avLst/>
-          </a:prstGeom>
-        </p:spPr>
-      </p:pic>
-      <p:sp>
-        <p:nvSpPr>
-          <p:cNvPr id="5" name="TextBox 4">
-            <a:extLst>
-              <a:ext uri="{FF2B5EF4-FFF2-40B4-BE49-F238E27FC236}">
-                <a16:creationId xmlns:a16="http://schemas.microsoft.com/office/drawing/2014/main" id="{4107140E-0FBB-43CA-9AD6-ACD995BABB7A}"/>
-              </a:ext>
-            </a:extLst>
-          </p:cNvPr>
-          <p:cNvSpPr txBox="1"/>
-          <p:nvPr/>
-        </p:nvSpPr>
-        <p:spPr>
-          <a:xfrm>
-            <a:off x="1281829" y="5358606"/>
-            <a:ext cx="10196187" cy="738664"/>
-          </a:xfrm>
-          <a:prstGeom prst="rect">
-            <a:avLst/>
-          </a:prstGeom>
-          <a:noFill/>
-        </p:spPr>
-        <p:txBody>
-          <a:bodyPr wrap="square" rtlCol="0">
-            <a:spAutoFit/>
-          </a:bodyPr>
-          <a:lstStyle/>
-          <a:p>
-            <a:r>
-              <a:rPr lang="en-US" sz="2400" dirty="0">
-                <a:latin typeface="Helvetica" panose="020B0604020202020204" pitchFamily="34" charset="0"/>
-                <a:cs typeface="Helvetica" panose="020B0604020202020204" pitchFamily="34" charset="0"/>
-                <a:hlinkClick r:id="rId3"/>
-              </a:rPr>
-              <a:t>https://www.ncbi.nlm.nih.gov/sra/docs/sra-cloud-based-examples/</a:t>
-            </a:r>
-            <a:endParaRPr lang="en-US" sz="2400" dirty="0">
-              <a:latin typeface="Helvetica" panose="020B0604020202020204" pitchFamily="34" charset="0"/>
-              <a:cs typeface="Helvetica" panose="020B0604020202020204" pitchFamily="34" charset="0"/>
-            </a:endParaRPr>
-          </a:p>
-          <a:p>
-            <a:endParaRPr lang="en-US" dirty="0"/>
-          </a:p>
-        </p:txBody>
-      </p:sp>
-    </p:spTree>
-    <p:extLst>
-      <p:ext uri="{BB962C8B-B14F-4D97-AF65-F5344CB8AC3E}">
-        <p14:creationId xmlns:p14="http://schemas.microsoft.com/office/powerpoint/2010/main" val="3563595517"/>
-      </p:ext>
-    </p:extLst>
-  </p:cSld>
-  <p:clrMapOvr>
-    <a:masterClrMapping/>
-  </p:clrMapOvr>
-</p:sld>
-</file>
-
-<file path=ppt/slides/slide14.xml><?xml version="1.0" encoding="utf-8"?>
-<p:sld xmlns:a="http://schemas.openxmlformats.org/drawingml/2006/main" xmlns:r="http://schemas.openxmlformats.org/officeDocument/2006/relationships" xmlns:p="http://schemas.openxmlformats.org/presentationml/2006/main">
-  <p:cSld>
-    <p:spTree>
-      <p:nvGrpSpPr>
-        <p:cNvPr id="1" name=""/>
-        <p:cNvGrpSpPr/>
-        <p:nvPr/>
-      </p:nvGrpSpPr>
-      <p:grpSpPr>
-        <a:xfrm>
-          <a:off x="0" y="0"/>
-          <a:ext cx="0" cy="0"/>
-          <a:chOff x="0" y="0"/>
-          <a:chExt cx="0" cy="0"/>
-        </a:xfrm>
-      </p:grpSpPr>
-      <p:sp>
-        <p:nvSpPr>
-          <p:cNvPr id="2" name="Title 1">
-            <a:extLst>
-              <a:ext uri="{FF2B5EF4-FFF2-40B4-BE49-F238E27FC236}">
-                <a16:creationId xmlns:a16="http://schemas.microsoft.com/office/drawing/2014/main" id="{697905AA-A9BE-42F3-9E40-CC5832C208E4}"/>
-              </a:ext>
-            </a:extLst>
-          </p:cNvPr>
-          <p:cNvSpPr>
-            <a:spLocks noGrp="1"/>
-          </p:cNvSpPr>
-          <p:nvPr>
-            <p:ph type="title"/>
-          </p:nvPr>
-        </p:nvSpPr>
-        <p:spPr>
-          <a:xfrm>
-            <a:off x="838200" y="365125"/>
-            <a:ext cx="7166956" cy="1325563"/>
-          </a:xfrm>
-        </p:spPr>
-        <p:txBody>
-          <a:bodyPr/>
-          <a:lstStyle/>
-          <a:p>
-            <a:r>
-              <a:rPr lang="en-US" dirty="0" err="1"/>
-              <a:t>BigQuery</a:t>
-            </a:r>
-            <a:r>
-              <a:rPr lang="en-US" dirty="0"/>
-              <a:t> Charges</a:t>
-            </a:r>
-          </a:p>
-        </p:txBody>
-      </p:sp>
-      <p:sp>
-        <p:nvSpPr>
-          <p:cNvPr id="4" name="Text Placeholder 3">
-            <a:extLst>
-              <a:ext uri="{FF2B5EF4-FFF2-40B4-BE49-F238E27FC236}">
-                <a16:creationId xmlns:a16="http://schemas.microsoft.com/office/drawing/2014/main" id="{01C3BE83-AB86-474C-973A-26F29C33D95F}"/>
-              </a:ext>
-            </a:extLst>
-          </p:cNvPr>
-          <p:cNvSpPr>
-            <a:spLocks noGrp="1"/>
-          </p:cNvSpPr>
-          <p:nvPr>
-            <p:ph idx="1"/>
-          </p:nvPr>
-        </p:nvSpPr>
-        <p:spPr>
-          <a:xfrm>
-            <a:off x="838200" y="1499948"/>
-            <a:ext cx="10522907" cy="4292542"/>
-          </a:xfrm>
-        </p:spPr>
-        <p:txBody>
-          <a:bodyPr>
-            <a:normAutofit/>
-          </a:bodyPr>
-          <a:lstStyle/>
-          <a:p>
-            <a:pPr marL="0" indent="0">
-              <a:buNone/>
-            </a:pPr>
-            <a:r>
-              <a:rPr lang="en-US" dirty="0"/>
-              <a:t>Our example query will look through ~20 GB of data to get a result.</a:t>
-            </a:r>
-          </a:p>
-          <a:p>
-            <a:pPr marL="0" indent="0">
-              <a:buNone/>
-            </a:pPr>
-            <a:r>
-              <a:rPr lang="en-US" dirty="0"/>
-              <a:t>This is one of the ways you generate cost in </a:t>
-            </a:r>
-            <a:r>
-              <a:rPr lang="en-US" dirty="0" err="1"/>
-              <a:t>BigQuery</a:t>
-            </a:r>
-            <a:endParaRPr lang="en-US" dirty="0"/>
-          </a:p>
-          <a:p>
-            <a:pPr marL="0" indent="0">
-              <a:buNone/>
-            </a:pPr>
-            <a:r>
-              <a:rPr lang="en-US" dirty="0">
-                <a:hlinkClick r:id="rId2"/>
-              </a:rPr>
-              <a:t>https://cloud.google.com/bigquery/pricing</a:t>
-            </a:r>
-            <a:endParaRPr lang="en-US" dirty="0"/>
-          </a:p>
-          <a:p>
-            <a:pPr marL="0" indent="0">
-              <a:buNone/>
-            </a:pPr>
-            <a:r>
-              <a:rPr lang="en-US" dirty="0"/>
-              <a:t>Our example is an on-demand query which currently costs $5.00 per TB searched.</a:t>
-            </a:r>
-          </a:p>
-          <a:p>
-            <a:pPr marL="0" indent="0">
-              <a:buNone/>
-            </a:pPr>
-            <a:r>
-              <a:rPr lang="en-US" dirty="0"/>
-              <a:t>This query would be ~$0.10 to run </a:t>
-            </a:r>
-          </a:p>
-          <a:p>
-            <a:pPr marL="0" indent="0">
-              <a:buNone/>
-            </a:pPr>
-            <a:r>
-              <a:rPr lang="en-US" dirty="0"/>
-              <a:t>The first 1 TB each month is free. </a:t>
-            </a:r>
-          </a:p>
-        </p:txBody>
-      </p:sp>
-    </p:spTree>
-    <p:extLst>
-      <p:ext uri="{BB962C8B-B14F-4D97-AF65-F5344CB8AC3E}">
-        <p14:creationId xmlns:p14="http://schemas.microsoft.com/office/powerpoint/2010/main" val="3804410893"/>
-      </p:ext>
-    </p:extLst>
-  </p:cSld>
-  <p:clrMapOvr>
-    <a:masterClrMapping/>
-  </p:clrMapOvr>
-</p:sld>
-</file>
-
-<file path=ppt/slides/slide15.xml><?xml version="1.0" encoding="utf-8"?>
-<p:sld xmlns:a="http://schemas.openxmlformats.org/drawingml/2006/main" xmlns:r="http://schemas.openxmlformats.org/officeDocument/2006/relationships" xmlns:p="http://schemas.openxmlformats.org/presentationml/2006/main">
-  <p:cSld>
-    <p:spTree>
-      <p:nvGrpSpPr>
-        <p:cNvPr id="1" name=""/>
-        <p:cNvGrpSpPr/>
-        <p:nvPr/>
-      </p:nvGrpSpPr>
-      <p:grpSpPr>
-        <a:xfrm>
-          <a:off x="0" y="0"/>
-          <a:ext cx="0" cy="0"/>
-          <a:chOff x="0" y="0"/>
-          <a:chExt cx="0" cy="0"/>
-        </a:xfrm>
-      </p:grpSpPr>
-      <p:sp>
-        <p:nvSpPr>
-          <p:cNvPr id="2" name="Title 1">
-            <a:extLst>
-              <a:ext uri="{FF2B5EF4-FFF2-40B4-BE49-F238E27FC236}">
-                <a16:creationId xmlns:a16="http://schemas.microsoft.com/office/drawing/2014/main" id="{E5096A7D-E46C-4C91-882C-0D87126C5707}"/>
-              </a:ext>
-            </a:extLst>
-          </p:cNvPr>
-          <p:cNvSpPr>
-            <a:spLocks noGrp="1"/>
-          </p:cNvSpPr>
-          <p:nvPr>
-            <p:ph type="title"/>
-          </p:nvPr>
-        </p:nvSpPr>
-        <p:spPr/>
-        <p:txBody>
-          <a:bodyPr/>
-          <a:lstStyle/>
-          <a:p>
-            <a:r>
-              <a:rPr lang="en-US" dirty="0" err="1"/>
-              <a:t>BigQuery</a:t>
-            </a:r>
-            <a:r>
-              <a:rPr lang="en-US" dirty="0"/>
-              <a:t> Arrays</a:t>
-            </a:r>
-          </a:p>
-        </p:txBody>
-      </p:sp>
-      <p:sp>
-        <p:nvSpPr>
-          <p:cNvPr id="4" name="Text Placeholder 3">
-            <a:extLst>
-              <a:ext uri="{FF2B5EF4-FFF2-40B4-BE49-F238E27FC236}">
-                <a16:creationId xmlns:a16="http://schemas.microsoft.com/office/drawing/2014/main" id="{3344F769-C38A-42E4-8903-8C33431C12A7}"/>
-              </a:ext>
-            </a:extLst>
-          </p:cNvPr>
-          <p:cNvSpPr>
-            <a:spLocks noGrp="1"/>
-          </p:cNvSpPr>
-          <p:nvPr>
-            <p:ph idx="1"/>
-          </p:nvPr>
-        </p:nvSpPr>
-        <p:spPr>
-          <a:xfrm>
-            <a:off x="971204" y="3429000"/>
-            <a:ext cx="9311640" cy="2031480"/>
-          </a:xfrm>
-        </p:spPr>
-        <p:txBody>
-          <a:bodyPr>
-            <a:normAutofit/>
-          </a:bodyPr>
-          <a:lstStyle/>
-          <a:p>
-            <a:pPr marL="0" indent="0">
-              <a:buNone/>
-            </a:pPr>
-            <a:r>
-              <a:rPr lang="en-US" dirty="0"/>
-              <a:t>Arrays are a feature of </a:t>
-            </a:r>
-            <a:r>
-              <a:rPr lang="en-US" dirty="0" err="1"/>
-              <a:t>BigQuery</a:t>
-            </a:r>
-            <a:r>
-              <a:rPr lang="en-US" dirty="0"/>
-              <a:t> that allows for storage of multiple values in a single field or a data structure.</a:t>
-            </a:r>
-          </a:p>
-          <a:p>
-            <a:pPr marL="0" indent="0">
-              <a:buNone/>
-            </a:pPr>
-            <a:r>
-              <a:rPr lang="en-US" dirty="0"/>
-              <a:t>SRA Metadata uses both arrays and key-value pairs to store metadata in records.</a:t>
-            </a:r>
-          </a:p>
-          <a:p>
-            <a:pPr marL="0" indent="0">
-              <a:buNone/>
-            </a:pPr>
-            <a:endParaRPr lang="en-US" dirty="0"/>
-          </a:p>
-        </p:txBody>
-      </p:sp>
-      <p:pic>
-        <p:nvPicPr>
-          <p:cNvPr id="8" name="Picture 7">
-            <a:extLst>
-              <a:ext uri="{FF2B5EF4-FFF2-40B4-BE49-F238E27FC236}">
-                <a16:creationId xmlns:a16="http://schemas.microsoft.com/office/drawing/2014/main" id="{3E0C08C3-993C-4004-99D9-6DB4FF1616BF}"/>
-              </a:ext>
-            </a:extLst>
-          </p:cNvPr>
-          <p:cNvPicPr>
-            <a:picLocks noChangeAspect="1"/>
-          </p:cNvPicPr>
-          <p:nvPr/>
-        </p:nvPicPr>
-        <p:blipFill>
-          <a:blip r:embed="rId2"/>
-          <a:stretch>
-            <a:fillRect/>
-          </a:stretch>
-        </p:blipFill>
-        <p:spPr>
-          <a:xfrm>
-            <a:off x="1893224" y="1572865"/>
-            <a:ext cx="7467600" cy="1685925"/>
-          </a:xfrm>
-          <a:prstGeom prst="rect">
-            <a:avLst/>
-          </a:prstGeom>
-        </p:spPr>
-      </p:pic>
-    </p:spTree>
-    <p:extLst>
-      <p:ext uri="{BB962C8B-B14F-4D97-AF65-F5344CB8AC3E}">
-        <p14:creationId xmlns:p14="http://schemas.microsoft.com/office/powerpoint/2010/main" val="1218587916"/>
-      </p:ext>
-    </p:extLst>
-  </p:cSld>
-  <p:clrMapOvr>
-    <a:masterClrMapping/>
-  </p:clrMapOvr>
-</p:sld>
-</file>
-
-<file path=ppt/slides/slide16.xml><?xml version="1.0" encoding="utf-8"?>
-<p:sld xmlns:a="http://schemas.openxmlformats.org/drawingml/2006/main" xmlns:r="http://schemas.openxmlformats.org/officeDocument/2006/relationships" xmlns:p="http://schemas.openxmlformats.org/presentationml/2006/main">
-  <p:cSld>
-    <p:spTree>
-      <p:nvGrpSpPr>
-        <p:cNvPr id="1" name=""/>
-        <p:cNvGrpSpPr/>
-        <p:nvPr/>
-      </p:nvGrpSpPr>
-      <p:grpSpPr>
-        <a:xfrm>
-          <a:off x="0" y="0"/>
-          <a:ext cx="0" cy="0"/>
-          <a:chOff x="0" y="0"/>
-          <a:chExt cx="0" cy="0"/>
-        </a:xfrm>
-      </p:grpSpPr>
-      <p:sp>
-        <p:nvSpPr>
-          <p:cNvPr id="2" name="Title 1">
-            <a:extLst>
-              <a:ext uri="{FF2B5EF4-FFF2-40B4-BE49-F238E27FC236}">
-                <a16:creationId xmlns:a16="http://schemas.microsoft.com/office/drawing/2014/main" id="{72B84329-D722-4B6F-9F0A-EEA24D30A061}"/>
-              </a:ext>
-            </a:extLst>
-          </p:cNvPr>
-          <p:cNvSpPr>
-            <a:spLocks noGrp="1"/>
-          </p:cNvSpPr>
-          <p:nvPr>
-            <p:ph type="title"/>
-          </p:nvPr>
-        </p:nvSpPr>
-        <p:spPr/>
-        <p:txBody>
-          <a:bodyPr/>
-          <a:lstStyle/>
-          <a:p>
-            <a:r>
-              <a:rPr lang="en-US" dirty="0" err="1"/>
-              <a:t>Unnesting</a:t>
-            </a:r>
-            <a:r>
-              <a:rPr lang="en-US" dirty="0"/>
-              <a:t> Arrays</a:t>
-            </a:r>
-          </a:p>
-        </p:txBody>
-      </p:sp>
-      <p:sp>
-        <p:nvSpPr>
-          <p:cNvPr id="4" name="Text Placeholder 3">
-            <a:extLst>
-              <a:ext uri="{FF2B5EF4-FFF2-40B4-BE49-F238E27FC236}">
-                <a16:creationId xmlns:a16="http://schemas.microsoft.com/office/drawing/2014/main" id="{0DE1E66D-A5A0-438A-B724-01C573D28525}"/>
-              </a:ext>
-            </a:extLst>
-          </p:cNvPr>
-          <p:cNvSpPr>
-            <a:spLocks noGrp="1"/>
-          </p:cNvSpPr>
-          <p:nvPr>
-            <p:ph idx="1"/>
-          </p:nvPr>
-        </p:nvSpPr>
-        <p:spPr>
-          <a:xfrm>
-            <a:off x="838200" y="1825625"/>
-            <a:ext cx="5257800" cy="3858895"/>
-          </a:xfrm>
-        </p:spPr>
-        <p:txBody>
-          <a:bodyPr>
-            <a:normAutofit fontScale="77500" lnSpcReduction="20000"/>
-          </a:bodyPr>
-          <a:lstStyle/>
-          <a:p>
-            <a:pPr marL="0" indent="0">
-              <a:buNone/>
-            </a:pPr>
-            <a:r>
-              <a:rPr lang="en-US" dirty="0"/>
-              <a:t>Here is a search that will filter for an array value.</a:t>
-            </a:r>
-          </a:p>
-          <a:p>
-            <a:pPr marL="0" indent="0">
-              <a:buNone/>
-            </a:pPr>
-            <a:r>
-              <a:rPr lang="en-US" b="1" dirty="0"/>
-              <a:t>SELECT *</a:t>
-            </a:r>
-          </a:p>
-          <a:p>
-            <a:pPr marL="0" indent="0">
-              <a:buNone/>
-            </a:pPr>
-            <a:r>
-              <a:rPr lang="en-US" b="1" dirty="0"/>
-              <a:t>FROM `</a:t>
-            </a:r>
-            <a:r>
-              <a:rPr lang="en-US" b="1" dirty="0" err="1"/>
-              <a:t>nih</a:t>
-            </a:r>
-            <a:r>
-              <a:rPr lang="en-US" b="1" dirty="0"/>
-              <a:t>-sra-</a:t>
-            </a:r>
-            <a:r>
-              <a:rPr lang="en-US" b="1" dirty="0" err="1"/>
-              <a:t>datastore.sra.metadata</a:t>
-            </a:r>
-            <a:r>
-              <a:rPr lang="en-US" b="1" dirty="0"/>
-              <a:t>` as meta</a:t>
-            </a:r>
-          </a:p>
-          <a:p>
-            <a:pPr marL="0" indent="0">
-              <a:buNone/>
-            </a:pPr>
-            <a:r>
-              <a:rPr lang="en-US" b="1" dirty="0"/>
-              <a:t>WHERE organism = 'Homo sapiens' and ( ('</a:t>
-            </a:r>
-            <a:r>
-              <a:rPr lang="en-US" b="1" dirty="0" err="1"/>
-              <a:t>body_site_sam</a:t>
-            </a:r>
-            <a:r>
-              <a:rPr lang="en-US" b="1" dirty="0"/>
-              <a:t>', 'peripheral blood granulocytes') in UNNEST(</a:t>
-            </a:r>
-            <a:r>
-              <a:rPr lang="en-US" b="1" dirty="0" err="1"/>
-              <a:t>meta.attributes</a:t>
-            </a:r>
-            <a:r>
-              <a:rPr lang="en-US" b="1" dirty="0"/>
-              <a:t>) )</a:t>
-            </a:r>
-          </a:p>
-          <a:p>
-            <a:pPr marL="0" indent="0">
-              <a:buNone/>
-            </a:pPr>
-            <a:r>
-              <a:rPr lang="en-US" dirty="0"/>
-              <a:t>The unnest function is allowing us to search the key ‘</a:t>
-            </a:r>
-            <a:r>
-              <a:rPr lang="en-US" dirty="0" err="1"/>
-              <a:t>body_site_sam</a:t>
-            </a:r>
-            <a:r>
-              <a:rPr lang="en-US" dirty="0"/>
-              <a:t>’ and find only records with the value ‘peripheral blood granulocytes’</a:t>
-            </a:r>
-          </a:p>
-        </p:txBody>
-      </p:sp>
-      <p:pic>
-        <p:nvPicPr>
-          <p:cNvPr id="8" name="Picture 7">
-            <a:extLst>
-              <a:ext uri="{FF2B5EF4-FFF2-40B4-BE49-F238E27FC236}">
-                <a16:creationId xmlns:a16="http://schemas.microsoft.com/office/drawing/2014/main" id="{1ED6D390-9165-4469-A2ED-1D46C73657D8}"/>
-              </a:ext>
-            </a:extLst>
-          </p:cNvPr>
-          <p:cNvPicPr>
-            <a:picLocks noChangeAspect="1"/>
-          </p:cNvPicPr>
-          <p:nvPr/>
-        </p:nvPicPr>
-        <p:blipFill>
-          <a:blip r:embed="rId2"/>
-          <a:stretch>
-            <a:fillRect/>
-          </a:stretch>
-        </p:blipFill>
-        <p:spPr>
-          <a:xfrm>
-            <a:off x="7096125" y="1169843"/>
-            <a:ext cx="4257675" cy="2924175"/>
-          </a:xfrm>
-          <a:prstGeom prst="rect">
-            <a:avLst/>
-          </a:prstGeom>
-        </p:spPr>
-      </p:pic>
-    </p:spTree>
-    <p:extLst>
-      <p:ext uri="{BB962C8B-B14F-4D97-AF65-F5344CB8AC3E}">
-        <p14:creationId xmlns:p14="http://schemas.microsoft.com/office/powerpoint/2010/main" val="328858245"/>
-      </p:ext>
-    </p:extLst>
-  </p:cSld>
-  <p:clrMapOvr>
-    <a:masterClrMapping/>
-  </p:clrMapOvr>
-</p:sld>
-</file>
-
-<file path=ppt/slides/slide17.xml><?xml version="1.0" encoding="utf-8"?>
-<p:sld xmlns:a="http://schemas.openxmlformats.org/drawingml/2006/main" xmlns:r="http://schemas.openxmlformats.org/officeDocument/2006/relationships" xmlns:p="http://schemas.openxmlformats.org/presentationml/2006/main">
-  <p:cSld>
-    <p:spTree>
-      <p:nvGrpSpPr>
-        <p:cNvPr id="1" name=""/>
-        <p:cNvGrpSpPr/>
-        <p:nvPr/>
-      </p:nvGrpSpPr>
-      <p:grpSpPr>
-        <a:xfrm>
-          <a:off x="0" y="0"/>
-          <a:ext cx="0" cy="0"/>
-          <a:chOff x="0" y="0"/>
-          <a:chExt cx="0" cy="0"/>
-        </a:xfrm>
-      </p:grpSpPr>
-      <p:sp>
-        <p:nvSpPr>
-          <p:cNvPr id="2" name="Title 1">
-            <a:extLst>
-              <a:ext uri="{FF2B5EF4-FFF2-40B4-BE49-F238E27FC236}">
-                <a16:creationId xmlns:a16="http://schemas.microsoft.com/office/drawing/2014/main" id="{E91B48F4-FB56-42E1-A6DB-F50665023B02}"/>
-              </a:ext>
-            </a:extLst>
-          </p:cNvPr>
-          <p:cNvSpPr>
-            <a:spLocks noGrp="1"/>
-          </p:cNvSpPr>
-          <p:nvPr>
-            <p:ph type="title"/>
-          </p:nvPr>
-        </p:nvSpPr>
-        <p:spPr/>
-        <p:txBody>
-          <a:bodyPr/>
-          <a:lstStyle/>
-          <a:p>
-            <a:r>
-              <a:rPr lang="en-US" dirty="0"/>
-              <a:t>Taxonomy Data</a:t>
-            </a:r>
-          </a:p>
-        </p:txBody>
-      </p:sp>
-      <p:sp>
-        <p:nvSpPr>
-          <p:cNvPr id="4" name="Text Placeholder 3">
-            <a:extLst>
-              <a:ext uri="{FF2B5EF4-FFF2-40B4-BE49-F238E27FC236}">
-                <a16:creationId xmlns:a16="http://schemas.microsoft.com/office/drawing/2014/main" id="{EAB0B1AE-46E8-4988-9409-97E47F232448}"/>
-              </a:ext>
-            </a:extLst>
-          </p:cNvPr>
-          <p:cNvSpPr>
-            <a:spLocks noGrp="1"/>
-          </p:cNvSpPr>
-          <p:nvPr>
-            <p:ph idx="1"/>
-          </p:nvPr>
-        </p:nvSpPr>
-        <p:spPr/>
-        <p:txBody>
-          <a:bodyPr>
-            <a:normAutofit fontScale="85000" lnSpcReduction="20000"/>
-          </a:bodyPr>
-          <a:lstStyle/>
-          <a:p>
-            <a:pPr marL="0" indent="0">
-              <a:buNone/>
-            </a:pPr>
-            <a:r>
-              <a:rPr lang="en-US" dirty="0"/>
-              <a:t>In addition to metadata from the SRA database, there is also the </a:t>
-            </a:r>
-            <a:r>
-              <a:rPr lang="en-US" dirty="0" err="1"/>
-              <a:t>sra_tax_analysis_tool</a:t>
-            </a:r>
-            <a:r>
-              <a:rPr lang="en-US" dirty="0"/>
-              <a:t> dataset.</a:t>
-            </a:r>
-          </a:p>
-          <a:p>
-            <a:pPr marL="0" indent="0">
-              <a:buNone/>
-            </a:pPr>
-            <a:r>
-              <a:rPr lang="en-US" dirty="0"/>
-              <a:t>There are four tables in this dataset:</a:t>
-            </a:r>
-          </a:p>
-          <a:p>
-            <a:r>
-              <a:rPr lang="en-US" dirty="0" err="1"/>
-              <a:t>tax_analysis_info</a:t>
-            </a:r>
-            <a:r>
-              <a:rPr lang="en-US" dirty="0"/>
-              <a:t>: a summary table for the results of the STAT tool</a:t>
-            </a:r>
-          </a:p>
-          <a:p>
-            <a:r>
-              <a:rPr lang="en-US" dirty="0" err="1"/>
-              <a:t>tax_analysis</a:t>
-            </a:r>
-            <a:r>
-              <a:rPr lang="en-US" dirty="0"/>
-              <a:t>: use the taxonomy analysis table to locate any number of runs based on </a:t>
-            </a:r>
-            <a:r>
-              <a:rPr lang="en-US" dirty="0" err="1"/>
-              <a:t>kmer</a:t>
-            </a:r>
-            <a:r>
-              <a:rPr lang="en-US" dirty="0"/>
-              <a:t> hits to a particular organism or branch in a taxonomic tree.</a:t>
-            </a:r>
-          </a:p>
-          <a:p>
-            <a:r>
-              <a:rPr lang="en-US" dirty="0"/>
-              <a:t>taxonomy: NCBI Taxonomy database where you can locate the </a:t>
-            </a:r>
-            <a:r>
-              <a:rPr lang="en-US" dirty="0" err="1"/>
-              <a:t>taxid</a:t>
-            </a:r>
-            <a:r>
-              <a:rPr lang="en-US" dirty="0"/>
-              <a:t> based on organism names.</a:t>
-            </a:r>
-          </a:p>
-          <a:p>
-            <a:r>
-              <a:rPr lang="en-US" dirty="0" err="1"/>
-              <a:t>kmer</a:t>
-            </a:r>
-            <a:r>
-              <a:rPr lang="en-US" dirty="0"/>
-              <a:t>: contains </a:t>
-            </a:r>
-            <a:r>
-              <a:rPr lang="en-US" dirty="0" err="1"/>
-              <a:t>kmers</a:t>
-            </a:r>
-            <a:r>
-              <a:rPr lang="en-US" dirty="0"/>
-              <a:t> mapped to a particular organism and allows you to continue exploring organismal content further. You can use </a:t>
-            </a:r>
-            <a:r>
-              <a:rPr lang="en-US" dirty="0" err="1"/>
-              <a:t>kmer</a:t>
-            </a:r>
-            <a:r>
-              <a:rPr lang="en-US" dirty="0"/>
-              <a:t> tables in your downstream analysis by building custom </a:t>
-            </a:r>
-            <a:r>
-              <a:rPr lang="en-US" dirty="0" err="1"/>
-              <a:t>kmer</a:t>
-            </a:r>
-            <a:r>
-              <a:rPr lang="en-US" dirty="0"/>
-              <a:t> libraries.</a:t>
-            </a:r>
-          </a:p>
-          <a:p>
-            <a:endParaRPr lang="en-US" dirty="0"/>
-          </a:p>
-        </p:txBody>
-      </p:sp>
-    </p:spTree>
-    <p:extLst>
-      <p:ext uri="{BB962C8B-B14F-4D97-AF65-F5344CB8AC3E}">
-        <p14:creationId xmlns:p14="http://schemas.microsoft.com/office/powerpoint/2010/main" val="3928652278"/>
-      </p:ext>
-    </p:extLst>
-  </p:cSld>
-  <p:clrMapOvr>
-    <a:masterClrMapping/>
-  </p:clrMapOvr>
-</p:sld>
-</file>
-
-<file path=ppt/slides/slide18.xml><?xml version="1.0" encoding="utf-8"?>
-<p:sld xmlns:a="http://schemas.openxmlformats.org/drawingml/2006/main" xmlns:r="http://schemas.openxmlformats.org/officeDocument/2006/relationships" xmlns:p="http://schemas.openxmlformats.org/presentationml/2006/main">
-  <p:cSld>
-    <p:spTree>
-      <p:nvGrpSpPr>
-        <p:cNvPr id="1" name=""/>
-        <p:cNvGrpSpPr/>
-        <p:nvPr/>
-      </p:nvGrpSpPr>
-      <p:grpSpPr>
-        <a:xfrm>
-          <a:off x="0" y="0"/>
-          <a:ext cx="0" cy="0"/>
-          <a:chOff x="0" y="0"/>
-          <a:chExt cx="0" cy="0"/>
-        </a:xfrm>
-      </p:grpSpPr>
-      <p:sp>
-        <p:nvSpPr>
-          <p:cNvPr id="4" name="Title 3">
-            <a:extLst>
-              <a:ext uri="{FF2B5EF4-FFF2-40B4-BE49-F238E27FC236}">
-                <a16:creationId xmlns:a16="http://schemas.microsoft.com/office/drawing/2014/main" id="{89300BE4-AA59-49B4-9EE3-824D27F62F91}"/>
-              </a:ext>
-            </a:extLst>
-          </p:cNvPr>
-          <p:cNvSpPr>
-            <a:spLocks noGrp="1"/>
-          </p:cNvSpPr>
-          <p:nvPr>
-            <p:ph type="title"/>
-          </p:nvPr>
-        </p:nvSpPr>
-        <p:spPr/>
-        <p:txBody>
-          <a:bodyPr/>
-          <a:lstStyle/>
-          <a:p>
-            <a:r>
-              <a:rPr lang="en-US" dirty="0"/>
-              <a:t>Searching Taxonomy in </a:t>
-            </a:r>
-            <a:r>
-              <a:rPr lang="en-US" dirty="0" err="1"/>
-              <a:t>BigQuery</a:t>
-            </a:r>
-            <a:endParaRPr lang="en-US" dirty="0"/>
-          </a:p>
-        </p:txBody>
-      </p:sp>
-      <p:sp>
-        <p:nvSpPr>
-          <p:cNvPr id="6" name="Text Placeholder 5">
-            <a:extLst>
-              <a:ext uri="{FF2B5EF4-FFF2-40B4-BE49-F238E27FC236}">
-                <a16:creationId xmlns:a16="http://schemas.microsoft.com/office/drawing/2014/main" id="{17D85DAE-53A8-45AD-8BE6-078FB3E44A82}"/>
-              </a:ext>
-            </a:extLst>
-          </p:cNvPr>
-          <p:cNvSpPr>
-            <a:spLocks noGrp="1"/>
-          </p:cNvSpPr>
-          <p:nvPr>
-            <p:ph idx="1"/>
-          </p:nvPr>
-        </p:nvSpPr>
-        <p:spPr/>
-        <p:txBody>
-          <a:bodyPr>
-            <a:normAutofit fontScale="92500"/>
-          </a:bodyPr>
-          <a:lstStyle/>
-          <a:p>
-            <a:pPr marL="0" indent="0">
-              <a:buNone/>
-            </a:pPr>
-            <a:r>
-              <a:rPr lang="en-US" dirty="0"/>
-              <a:t>We can join the metadata and the taxonomy data and to search for sequence data in SRA that is from the </a:t>
-            </a:r>
-            <a:r>
-              <a:rPr lang="en-US" dirty="0" err="1"/>
-              <a:t>coronaviridae</a:t>
-            </a:r>
-            <a:r>
-              <a:rPr lang="en-US" dirty="0"/>
-              <a:t> family.</a:t>
-            </a:r>
-          </a:p>
-          <a:p>
-            <a:pPr marL="0" indent="0">
-              <a:buNone/>
-            </a:pPr>
-            <a:r>
-              <a:rPr lang="en-US" sz="2200" b="1" dirty="0">
-                <a:solidFill>
-                  <a:schemeClr val="accent5"/>
-                </a:solidFill>
-              </a:rPr>
-              <a:t>SELECT</a:t>
-            </a:r>
-            <a:r>
-              <a:rPr lang="en-US" sz="2200" b="1" dirty="0"/>
-              <a:t> </a:t>
-            </a:r>
-            <a:r>
-              <a:rPr lang="en-US" sz="2200" b="1" dirty="0" err="1"/>
-              <a:t>m.bioproject</a:t>
-            </a:r>
-            <a:r>
-              <a:rPr lang="en-US" sz="2200" b="1" dirty="0"/>
-              <a:t>, </a:t>
-            </a:r>
-            <a:r>
-              <a:rPr lang="en-US" sz="2200" b="1" dirty="0" err="1"/>
-              <a:t>m.biosample</a:t>
-            </a:r>
-            <a:r>
-              <a:rPr lang="en-US" sz="2200" b="1" dirty="0"/>
-              <a:t>, </a:t>
-            </a:r>
-            <a:r>
-              <a:rPr lang="en-US" sz="2200" b="1" dirty="0" err="1"/>
-              <a:t>m.acc</a:t>
-            </a:r>
-            <a:r>
-              <a:rPr lang="en-US" sz="2200" b="1" dirty="0"/>
-              <a:t>, </a:t>
-            </a:r>
-            <a:r>
-              <a:rPr lang="en-US" sz="2200" b="1" dirty="0" err="1"/>
-              <a:t>m.collection_date_sam</a:t>
-            </a:r>
-            <a:r>
-              <a:rPr lang="en-US" sz="2200" b="1" dirty="0"/>
-              <a:t>, </a:t>
-            </a:r>
-            <a:r>
-              <a:rPr lang="en-US" sz="2200" b="1" dirty="0" err="1"/>
-              <a:t>m.geo_loc_name_sam</a:t>
-            </a:r>
-            <a:r>
-              <a:rPr lang="en-US" sz="2200" b="1" dirty="0"/>
-              <a:t>, </a:t>
-            </a:r>
-          </a:p>
-          <a:p>
-            <a:pPr marL="0" indent="0">
-              <a:buNone/>
-            </a:pPr>
-            <a:r>
-              <a:rPr lang="en-US" sz="2200" b="1" dirty="0"/>
-              <a:t>(select v from </a:t>
-            </a:r>
-            <a:r>
-              <a:rPr lang="en-US" sz="2200" b="1" dirty="0" err="1"/>
-              <a:t>unnest</a:t>
-            </a:r>
-            <a:r>
-              <a:rPr lang="en-US" sz="2200" b="1" dirty="0"/>
-              <a:t>(</a:t>
-            </a:r>
-            <a:r>
-              <a:rPr lang="en-US" sz="2200" b="1" dirty="0" err="1"/>
-              <a:t>m.attributes</a:t>
-            </a:r>
-            <a:r>
-              <a:rPr lang="en-US" sz="2200" b="1" dirty="0"/>
-              <a:t>) where k = '</a:t>
-            </a:r>
-            <a:r>
-              <a:rPr lang="en-US" sz="2200" b="1" dirty="0" err="1"/>
-              <a:t>collected_by_sam</a:t>
-            </a:r>
-            <a:r>
-              <a:rPr lang="en-US" sz="2200" b="1" dirty="0"/>
-              <a:t>') as </a:t>
-            </a:r>
-            <a:r>
-              <a:rPr lang="en-US" sz="2200" b="1" dirty="0" err="1"/>
-              <a:t>collected_by</a:t>
-            </a:r>
-            <a:r>
-              <a:rPr lang="en-US" sz="2200" b="1" dirty="0"/>
-              <a:t>,</a:t>
-            </a:r>
-          </a:p>
-          <a:p>
-            <a:pPr marL="0" indent="0">
-              <a:buNone/>
-            </a:pPr>
-            <a:r>
-              <a:rPr lang="en-US" sz="2200" b="1" dirty="0"/>
-              <a:t>(select v from </a:t>
-            </a:r>
-            <a:r>
-              <a:rPr lang="en-US" sz="2200" b="1" dirty="0" err="1"/>
-              <a:t>unnest</a:t>
-            </a:r>
-            <a:r>
-              <a:rPr lang="en-US" sz="2200" b="1" dirty="0"/>
-              <a:t>(</a:t>
-            </a:r>
-            <a:r>
-              <a:rPr lang="en-US" sz="2200" b="1" dirty="0" err="1"/>
-              <a:t>m.attributes</a:t>
-            </a:r>
-            <a:r>
-              <a:rPr lang="en-US" sz="2200" b="1" dirty="0"/>
-              <a:t>) where k = '</a:t>
-            </a:r>
-            <a:r>
-              <a:rPr lang="en-US" sz="2200" b="1" dirty="0" err="1"/>
-              <a:t>host_sam</a:t>
-            </a:r>
-            <a:r>
-              <a:rPr lang="en-US" sz="2200" b="1" dirty="0"/>
-              <a:t>') as host</a:t>
-            </a:r>
-          </a:p>
-          <a:p>
-            <a:pPr marL="0" indent="0">
-              <a:buNone/>
-            </a:pPr>
-            <a:r>
-              <a:rPr lang="en-US" sz="2200" b="1" dirty="0">
-                <a:solidFill>
-                  <a:schemeClr val="accent5"/>
-                </a:solidFill>
-              </a:rPr>
-              <a:t>FROM</a:t>
-            </a:r>
-            <a:r>
-              <a:rPr lang="en-US" sz="2200" b="1" dirty="0"/>
-              <a:t> `</a:t>
-            </a:r>
-            <a:r>
-              <a:rPr lang="en-US" sz="2200" b="1" dirty="0" err="1"/>
-              <a:t>nih</a:t>
-            </a:r>
-            <a:r>
-              <a:rPr lang="en-US" sz="2200" b="1" dirty="0"/>
-              <a:t>-sra-</a:t>
-            </a:r>
-            <a:r>
-              <a:rPr lang="en-US" sz="2200" b="1" dirty="0" err="1"/>
-              <a:t>datastore.sra.metadata</a:t>
-            </a:r>
-            <a:r>
-              <a:rPr lang="en-US" sz="2200" b="1" dirty="0"/>
-              <a:t>` m , `</a:t>
-            </a:r>
-            <a:r>
-              <a:rPr lang="en-US" sz="2200" b="1" dirty="0" err="1"/>
-              <a:t>nih</a:t>
-            </a:r>
-            <a:r>
-              <a:rPr lang="en-US" sz="2200" b="1" dirty="0"/>
-              <a:t>-sra-</a:t>
-            </a:r>
-            <a:r>
-              <a:rPr lang="en-US" sz="2200" b="1" dirty="0" err="1"/>
-              <a:t>datastore.sra_tax_analysis_tool.tax_analysis</a:t>
-            </a:r>
-            <a:r>
-              <a:rPr lang="en-US" sz="2200" b="1" dirty="0"/>
-              <a:t>` tax</a:t>
-            </a:r>
-          </a:p>
-          <a:p>
-            <a:pPr marL="0" indent="0">
-              <a:buNone/>
-            </a:pPr>
-            <a:r>
-              <a:rPr lang="en-US" sz="2200" b="1" dirty="0">
-                <a:solidFill>
-                  <a:schemeClr val="accent5"/>
-                </a:solidFill>
-              </a:rPr>
-              <a:t>WHERE</a:t>
-            </a:r>
-            <a:r>
-              <a:rPr lang="en-US" sz="2200" b="1" dirty="0"/>
-              <a:t> </a:t>
-            </a:r>
-            <a:r>
-              <a:rPr lang="en-US" sz="2200" b="1" dirty="0" err="1"/>
-              <a:t>m.acc</a:t>
-            </a:r>
-            <a:r>
-              <a:rPr lang="en-US" sz="2200" b="1" dirty="0"/>
-              <a:t> = </a:t>
-            </a:r>
-            <a:r>
-              <a:rPr lang="en-US" sz="2200" b="1" dirty="0" err="1"/>
-              <a:t>tax.acc</a:t>
-            </a:r>
-            <a:endParaRPr lang="en-US" sz="2200" b="1" dirty="0"/>
-          </a:p>
-          <a:p>
-            <a:pPr marL="0" indent="0">
-              <a:buNone/>
-            </a:pPr>
-            <a:r>
-              <a:rPr lang="en-US" sz="2200" b="1" dirty="0"/>
-              <a:t>and tax.name = '</a:t>
-            </a:r>
-            <a:r>
-              <a:rPr lang="en-US" sz="2200" b="1" dirty="0" err="1"/>
-              <a:t>Coronaviridae</a:t>
-            </a:r>
-            <a:r>
-              <a:rPr lang="en-US" sz="2200" b="1" dirty="0"/>
-              <a:t>'</a:t>
-            </a:r>
-          </a:p>
-        </p:txBody>
-      </p:sp>
-    </p:spTree>
-    <p:extLst>
-      <p:ext uri="{BB962C8B-B14F-4D97-AF65-F5344CB8AC3E}">
-        <p14:creationId xmlns:p14="http://schemas.microsoft.com/office/powerpoint/2010/main" val="1041287095"/>
-      </p:ext>
-    </p:extLst>
-  </p:cSld>
-  <p:clrMapOvr>
-    <a:masterClrMapping/>
-  </p:clrMapOvr>
-</p:sld>
-</file>
-
-<file path=ppt/slides/slide19.xml><?xml version="1.0" encoding="utf-8"?>
-<p:sld xmlns:a="http://schemas.openxmlformats.org/drawingml/2006/main" xmlns:r="http://schemas.openxmlformats.org/officeDocument/2006/relationships" xmlns:p="http://schemas.openxmlformats.org/presentationml/2006/main">
-  <p:cSld>
-    <p:spTree>
-      <p:nvGrpSpPr>
-        <p:cNvPr id="1" name=""/>
-        <p:cNvGrpSpPr/>
-        <p:nvPr/>
-      </p:nvGrpSpPr>
-      <p:grpSpPr>
-        <a:xfrm>
-          <a:off x="0" y="0"/>
-          <a:ext cx="0" cy="0"/>
-          <a:chOff x="0" y="0"/>
-          <a:chExt cx="0" cy="0"/>
-        </a:xfrm>
-      </p:grpSpPr>
-      <p:sp>
-        <p:nvSpPr>
-          <p:cNvPr id="2" name="Title 1">
-            <a:extLst>
-              <a:ext uri="{FF2B5EF4-FFF2-40B4-BE49-F238E27FC236}">
                 <a16:creationId xmlns:a16="http://schemas.microsoft.com/office/drawing/2014/main" id="{D6B74727-C848-4647-87B4-3EEAA56E50C9}"/>
               </a:ext>
             </a:extLst>
@@ -5368,13 +3929,8 @@
           <a:p>
             <a:r>
               <a:rPr lang="en-US" dirty="0"/>
-              <a:t>Searching in </a:t>
-            </a:r>
-            <a:r>
-              <a:rPr lang="en-US" dirty="0" err="1"/>
-              <a:t>BigQuery</a:t>
-            </a:r>
-            <a:endParaRPr lang="en-US" dirty="0"/>
+              <a:t>Submitter Provided Metadata</a:t>
+            </a:r>
           </a:p>
         </p:txBody>
       </p:sp>
@@ -5402,7 +3958,7 @@
         </p:spPr>
         <p:txBody>
           <a:bodyPr>
-            <a:normAutofit fontScale="77500" lnSpcReduction="20000"/>
+            <a:normAutofit/>
           </a:bodyPr>
           <a:lstStyle/>
           <a:p>
@@ -5411,25 +3967,7 @@
             </a:pPr>
             <a:r>
               <a:rPr lang="en-US" dirty="0"/>
-              <a:t>This query includes the project, sample, and run accessions for all the data we found.  It also shows submitter supplied metadata for date, location, host, and collected by fields.</a:t>
-            </a:r>
-          </a:p>
-          <a:p>
-            <a:pPr marL="0" indent="0">
-              <a:buNone/>
-            </a:pPr>
-            <a:r>
-              <a:rPr lang="en-US" dirty="0"/>
               <a:t>Note that some of this metadata might not have been provided by the submitter so the presence of certain metadata on one record does not imply it will be present on all records.</a:t>
-            </a:r>
-          </a:p>
-          <a:p>
-            <a:pPr marL="0" indent="0">
-              <a:buNone/>
-            </a:pPr>
-            <a:r>
-              <a:rPr lang="en-US" dirty="0"/>
-              <a:t>Keep that in mind when writing queries.</a:t>
             </a:r>
           </a:p>
           <a:p>
@@ -5615,6 +4153,862 @@
 </p:sld>
 </file>
 
+<file path=ppt/slides/slide12.xml><?xml version="1.0" encoding="utf-8"?>
+<p:sld xmlns:a="http://schemas.openxmlformats.org/drawingml/2006/main" xmlns:r="http://schemas.openxmlformats.org/officeDocument/2006/relationships" xmlns:p="http://schemas.openxmlformats.org/presentationml/2006/main">
+  <p:cSld>
+    <p:spTree>
+      <p:nvGrpSpPr>
+        <p:cNvPr id="1" name=""/>
+        <p:cNvGrpSpPr/>
+        <p:nvPr/>
+      </p:nvGrpSpPr>
+      <p:grpSpPr>
+        <a:xfrm>
+          <a:off x="0" y="0"/>
+          <a:ext cx="0" cy="0"/>
+          <a:chOff x="0" y="0"/>
+          <a:chExt cx="0" cy="0"/>
+        </a:xfrm>
+      </p:grpSpPr>
+      <p:sp>
+        <p:nvSpPr>
+          <p:cNvPr id="2" name="Title 1">
+            <a:extLst>
+              <a:ext uri="{FF2B5EF4-FFF2-40B4-BE49-F238E27FC236}">
+                <a16:creationId xmlns:a16="http://schemas.microsoft.com/office/drawing/2014/main" id="{E5096A7D-E46C-4C91-882C-0D87126C5707}"/>
+              </a:ext>
+            </a:extLst>
+          </p:cNvPr>
+          <p:cNvSpPr>
+            <a:spLocks noGrp="1"/>
+          </p:cNvSpPr>
+          <p:nvPr>
+            <p:ph type="title"/>
+          </p:nvPr>
+        </p:nvSpPr>
+        <p:spPr/>
+        <p:txBody>
+          <a:bodyPr/>
+          <a:lstStyle/>
+          <a:p>
+            <a:r>
+              <a:rPr lang="en-US" dirty="0" err="1"/>
+              <a:t>BigQuery</a:t>
+            </a:r>
+            <a:r>
+              <a:rPr lang="en-US" dirty="0"/>
+              <a:t> Arrays</a:t>
+            </a:r>
+          </a:p>
+        </p:txBody>
+      </p:sp>
+      <p:sp>
+        <p:nvSpPr>
+          <p:cNvPr id="4" name="Text Placeholder 3">
+            <a:extLst>
+              <a:ext uri="{FF2B5EF4-FFF2-40B4-BE49-F238E27FC236}">
+                <a16:creationId xmlns:a16="http://schemas.microsoft.com/office/drawing/2014/main" id="{3344F769-C38A-42E4-8903-8C33431C12A7}"/>
+              </a:ext>
+            </a:extLst>
+          </p:cNvPr>
+          <p:cNvSpPr>
+            <a:spLocks noGrp="1"/>
+          </p:cNvSpPr>
+          <p:nvPr>
+            <p:ph idx="1"/>
+          </p:nvPr>
+        </p:nvSpPr>
+        <p:spPr>
+          <a:xfrm>
+            <a:off x="971204" y="3429000"/>
+            <a:ext cx="9311640" cy="2031480"/>
+          </a:xfrm>
+        </p:spPr>
+        <p:txBody>
+          <a:bodyPr>
+            <a:normAutofit/>
+          </a:bodyPr>
+          <a:lstStyle/>
+          <a:p>
+            <a:pPr marL="0" indent="0">
+              <a:buNone/>
+            </a:pPr>
+            <a:r>
+              <a:rPr lang="en-US" dirty="0"/>
+              <a:t>Arrays are a feature of </a:t>
+            </a:r>
+            <a:r>
+              <a:rPr lang="en-US" dirty="0" err="1"/>
+              <a:t>BigQuery</a:t>
+            </a:r>
+            <a:r>
+              <a:rPr lang="en-US" dirty="0"/>
+              <a:t> that allows for storage of multiple values in a single field or a data structure.</a:t>
+            </a:r>
+          </a:p>
+          <a:p>
+            <a:pPr marL="0" indent="0">
+              <a:buNone/>
+            </a:pPr>
+            <a:r>
+              <a:rPr lang="en-US" dirty="0"/>
+              <a:t>SRA Metadata uses both arrays and key-value pair structs to store metadata in records.</a:t>
+            </a:r>
+          </a:p>
+          <a:p>
+            <a:pPr marL="0" indent="0">
+              <a:buNone/>
+            </a:pPr>
+            <a:endParaRPr lang="en-US" dirty="0"/>
+          </a:p>
+        </p:txBody>
+      </p:sp>
+      <p:pic>
+        <p:nvPicPr>
+          <p:cNvPr id="8" name="Picture 7">
+            <a:extLst>
+              <a:ext uri="{FF2B5EF4-FFF2-40B4-BE49-F238E27FC236}">
+                <a16:creationId xmlns:a16="http://schemas.microsoft.com/office/drawing/2014/main" id="{3E0C08C3-993C-4004-99D9-6DB4FF1616BF}"/>
+              </a:ext>
+            </a:extLst>
+          </p:cNvPr>
+          <p:cNvPicPr>
+            <a:picLocks noChangeAspect="1"/>
+          </p:cNvPicPr>
+          <p:nvPr/>
+        </p:nvPicPr>
+        <p:blipFill>
+          <a:blip r:embed="rId2"/>
+          <a:stretch>
+            <a:fillRect/>
+          </a:stretch>
+        </p:blipFill>
+        <p:spPr>
+          <a:xfrm>
+            <a:off x="1893224" y="1572865"/>
+            <a:ext cx="7467600" cy="1685925"/>
+          </a:xfrm>
+          <a:prstGeom prst="rect">
+            <a:avLst/>
+          </a:prstGeom>
+        </p:spPr>
+      </p:pic>
+    </p:spTree>
+    <p:extLst>
+      <p:ext uri="{BB962C8B-B14F-4D97-AF65-F5344CB8AC3E}">
+        <p14:creationId xmlns:p14="http://schemas.microsoft.com/office/powerpoint/2010/main" val="1218587916"/>
+      </p:ext>
+    </p:extLst>
+  </p:cSld>
+  <p:clrMapOvr>
+    <a:masterClrMapping/>
+  </p:clrMapOvr>
+</p:sld>
+</file>
+
+<file path=ppt/slides/slide13.xml><?xml version="1.0" encoding="utf-8"?>
+<p:sld xmlns:a="http://schemas.openxmlformats.org/drawingml/2006/main" xmlns:r="http://schemas.openxmlformats.org/officeDocument/2006/relationships" xmlns:p="http://schemas.openxmlformats.org/presentationml/2006/main">
+  <p:cSld>
+    <p:spTree>
+      <p:nvGrpSpPr>
+        <p:cNvPr id="1" name=""/>
+        <p:cNvGrpSpPr/>
+        <p:nvPr/>
+      </p:nvGrpSpPr>
+      <p:grpSpPr>
+        <a:xfrm>
+          <a:off x="0" y="0"/>
+          <a:ext cx="0" cy="0"/>
+          <a:chOff x="0" y="0"/>
+          <a:chExt cx="0" cy="0"/>
+        </a:xfrm>
+      </p:grpSpPr>
+      <p:sp>
+        <p:nvSpPr>
+          <p:cNvPr id="2" name="Title 1">
+            <a:extLst>
+              <a:ext uri="{FF2B5EF4-FFF2-40B4-BE49-F238E27FC236}">
+                <a16:creationId xmlns:a16="http://schemas.microsoft.com/office/drawing/2014/main" id="{697905AA-A9BE-42F3-9E40-CC5832C208E4}"/>
+              </a:ext>
+            </a:extLst>
+          </p:cNvPr>
+          <p:cNvSpPr>
+            <a:spLocks noGrp="1"/>
+          </p:cNvSpPr>
+          <p:nvPr>
+            <p:ph type="title"/>
+          </p:nvPr>
+        </p:nvSpPr>
+        <p:spPr>
+          <a:xfrm>
+            <a:off x="838200" y="365125"/>
+            <a:ext cx="7166956" cy="1325563"/>
+          </a:xfrm>
+        </p:spPr>
+        <p:txBody>
+          <a:bodyPr/>
+          <a:lstStyle/>
+          <a:p>
+            <a:r>
+              <a:rPr lang="en-US" dirty="0" err="1"/>
+              <a:t>BigQuery</a:t>
+            </a:r>
+            <a:r>
+              <a:rPr lang="en-US" dirty="0"/>
+              <a:t> Charges</a:t>
+            </a:r>
+          </a:p>
+        </p:txBody>
+      </p:sp>
+      <p:sp>
+        <p:nvSpPr>
+          <p:cNvPr id="4" name="Text Placeholder 3">
+            <a:extLst>
+              <a:ext uri="{FF2B5EF4-FFF2-40B4-BE49-F238E27FC236}">
+                <a16:creationId xmlns:a16="http://schemas.microsoft.com/office/drawing/2014/main" id="{01C3BE83-AB86-474C-973A-26F29C33D95F}"/>
+              </a:ext>
+            </a:extLst>
+          </p:cNvPr>
+          <p:cNvSpPr>
+            <a:spLocks noGrp="1"/>
+          </p:cNvSpPr>
+          <p:nvPr>
+            <p:ph idx="1"/>
+          </p:nvPr>
+        </p:nvSpPr>
+        <p:spPr>
+          <a:xfrm>
+            <a:off x="838200" y="1499948"/>
+            <a:ext cx="10522907" cy="4292542"/>
+          </a:xfrm>
+        </p:spPr>
+        <p:txBody>
+          <a:bodyPr>
+            <a:normAutofit/>
+          </a:bodyPr>
+          <a:lstStyle/>
+          <a:p>
+            <a:pPr marL="0" indent="0">
+              <a:buNone/>
+            </a:pPr>
+            <a:r>
+              <a:rPr lang="en-US" dirty="0"/>
+              <a:t>Our first example query will read through the full metadata table (~20 GB) to get a result.</a:t>
+            </a:r>
+          </a:p>
+          <a:p>
+            <a:pPr marL="0" indent="0">
+              <a:buNone/>
+            </a:pPr>
+            <a:r>
+              <a:rPr lang="en-US" dirty="0">
+                <a:hlinkClick r:id="rId2"/>
+              </a:rPr>
+              <a:t>https://cloud.google.com/bigquery/pricing</a:t>
+            </a:r>
+            <a:endParaRPr lang="en-US" dirty="0"/>
+          </a:p>
+          <a:p>
+            <a:pPr marL="0" indent="0">
+              <a:buNone/>
+            </a:pPr>
+            <a:r>
+              <a:rPr lang="en-US" dirty="0"/>
+              <a:t>Our example is an on-demand query which currently costs $5.00 per TB searched.</a:t>
+            </a:r>
+          </a:p>
+          <a:p>
+            <a:pPr marL="0" indent="0">
+              <a:buNone/>
+            </a:pPr>
+            <a:r>
+              <a:rPr lang="en-US" dirty="0"/>
+              <a:t>This query would be ~$0.10 to run but the first 1 TB each month is free. </a:t>
+            </a:r>
+          </a:p>
+          <a:p>
+            <a:pPr marL="0" indent="0">
+              <a:buNone/>
+            </a:pPr>
+            <a:r>
+              <a:rPr lang="en-US" dirty="0" err="1"/>
+              <a:t>BigQuery</a:t>
+            </a:r>
+            <a:r>
+              <a:rPr lang="en-US" dirty="0"/>
+              <a:t> Sandbox available for existing GCP users.</a:t>
+            </a:r>
+          </a:p>
+          <a:p>
+            <a:pPr marL="0" indent="0">
+              <a:buNone/>
+            </a:pPr>
+            <a:r>
+              <a:rPr lang="en-US" dirty="0">
+                <a:hlinkClick r:id="rId3"/>
+              </a:rPr>
+              <a:t>https://cloud.google.com/bigquery/docs/sandbox</a:t>
+            </a:r>
+            <a:endParaRPr lang="en-US" dirty="0"/>
+          </a:p>
+          <a:p>
+            <a:pPr marL="0" indent="0">
+              <a:buNone/>
+            </a:pPr>
+            <a:endParaRPr lang="en-US" dirty="0"/>
+          </a:p>
+        </p:txBody>
+      </p:sp>
+    </p:spTree>
+    <p:extLst>
+      <p:ext uri="{BB962C8B-B14F-4D97-AF65-F5344CB8AC3E}">
+        <p14:creationId xmlns:p14="http://schemas.microsoft.com/office/powerpoint/2010/main" val="3804410893"/>
+      </p:ext>
+    </p:extLst>
+  </p:cSld>
+  <p:clrMapOvr>
+    <a:masterClrMapping/>
+  </p:clrMapOvr>
+</p:sld>
+</file>
+
+<file path=ppt/slides/slide14.xml><?xml version="1.0" encoding="utf-8"?>
+<p:sld xmlns:a="http://schemas.openxmlformats.org/drawingml/2006/main" xmlns:r="http://schemas.openxmlformats.org/officeDocument/2006/relationships" xmlns:p="http://schemas.openxmlformats.org/presentationml/2006/main">
+  <p:cSld>
+    <p:spTree>
+      <p:nvGrpSpPr>
+        <p:cNvPr id="1" name=""/>
+        <p:cNvGrpSpPr/>
+        <p:nvPr/>
+      </p:nvGrpSpPr>
+      <p:grpSpPr>
+        <a:xfrm>
+          <a:off x="0" y="0"/>
+          <a:ext cx="0" cy="0"/>
+          <a:chOff x="0" y="0"/>
+          <a:chExt cx="0" cy="0"/>
+        </a:xfrm>
+      </p:grpSpPr>
+      <p:sp>
+        <p:nvSpPr>
+          <p:cNvPr id="2" name="Title 1">
+            <a:extLst>
+              <a:ext uri="{FF2B5EF4-FFF2-40B4-BE49-F238E27FC236}">
+                <a16:creationId xmlns:a16="http://schemas.microsoft.com/office/drawing/2014/main" id="{7AF327E2-2DC1-4454-9B9A-A2C66B75D0D7}"/>
+              </a:ext>
+            </a:extLst>
+          </p:cNvPr>
+          <p:cNvSpPr>
+            <a:spLocks noGrp="1"/>
+          </p:cNvSpPr>
+          <p:nvPr>
+            <p:ph type="title"/>
+          </p:nvPr>
+        </p:nvSpPr>
+        <p:spPr/>
+        <p:txBody>
+          <a:bodyPr/>
+          <a:lstStyle/>
+          <a:p>
+            <a:r>
+              <a:rPr lang="en-US" dirty="0"/>
+              <a:t>Addition </a:t>
+            </a:r>
+            <a:r>
+              <a:rPr lang="en-US" dirty="0" err="1"/>
+              <a:t>BigQuery</a:t>
+            </a:r>
+            <a:r>
+              <a:rPr lang="en-US" dirty="0"/>
+              <a:t> Webinars</a:t>
+            </a:r>
+          </a:p>
+        </p:txBody>
+      </p:sp>
+      <p:sp>
+        <p:nvSpPr>
+          <p:cNvPr id="4" name="Text Placeholder 3">
+            <a:extLst>
+              <a:ext uri="{FF2B5EF4-FFF2-40B4-BE49-F238E27FC236}">
+                <a16:creationId xmlns:a16="http://schemas.microsoft.com/office/drawing/2014/main" id="{4B193414-6822-4DF2-B6E0-E96F2360C0A2}"/>
+              </a:ext>
+            </a:extLst>
+          </p:cNvPr>
+          <p:cNvSpPr>
+            <a:spLocks noGrp="1"/>
+          </p:cNvSpPr>
+          <p:nvPr>
+            <p:ph idx="1"/>
+          </p:nvPr>
+        </p:nvSpPr>
+        <p:spPr/>
+        <p:txBody>
+          <a:bodyPr/>
+          <a:lstStyle/>
+          <a:p>
+            <a:r>
+              <a:rPr lang="en-US" dirty="0"/>
+              <a:t>We have an “NCBI Minute” webinar on using </a:t>
+            </a:r>
+            <a:r>
+              <a:rPr lang="en-US" dirty="0" err="1"/>
+              <a:t>BigQuery</a:t>
+            </a:r>
+            <a:r>
+              <a:rPr lang="en-US" dirty="0"/>
+              <a:t> </a:t>
+            </a:r>
+            <a:r>
+              <a:rPr lang="en-US" dirty="0">
+                <a:hlinkClick r:id="rId2"/>
+              </a:rPr>
+              <a:t>https://www.youtube.com/watch?v=DkNz-RCCm-M</a:t>
+            </a:r>
+            <a:endParaRPr lang="en-US" dirty="0"/>
+          </a:p>
+          <a:p>
+            <a:r>
+              <a:rPr lang="en-US" dirty="0"/>
+              <a:t>NCBI Cloud Data &amp; Tools YouTube playlist </a:t>
+            </a:r>
+            <a:r>
+              <a:rPr lang="en-US" dirty="0">
+                <a:hlinkClick r:id="rId3"/>
+              </a:rPr>
+              <a:t>https://www.youtube.com/playlist?list=PLH-TjWpFfWrt5MNqU7Jvsk73QefO3ADwD</a:t>
+            </a:r>
+            <a:endParaRPr lang="en-US" dirty="0"/>
+          </a:p>
+          <a:p>
+            <a:r>
+              <a:rPr lang="en-US" sz="2800" dirty="0"/>
+              <a:t>A video from Google that looks at nested data in </a:t>
+            </a:r>
+            <a:r>
+              <a:rPr lang="en-US" sz="2800" dirty="0" err="1"/>
+              <a:t>BigQuery</a:t>
+            </a:r>
+            <a:r>
+              <a:rPr lang="en-US" sz="2800" dirty="0"/>
+              <a:t> </a:t>
+            </a:r>
+            <a:r>
+              <a:rPr lang="en-US" sz="2800" dirty="0">
+                <a:hlinkClick r:id="rId4"/>
+              </a:rPr>
+              <a:t>https://www.youtube.com/watch?v=STo98QUKDS8</a:t>
+            </a:r>
+            <a:endParaRPr lang="en-US" sz="2800" dirty="0"/>
+          </a:p>
+          <a:p>
+            <a:endParaRPr lang="en-US" dirty="0"/>
+          </a:p>
+        </p:txBody>
+      </p:sp>
+    </p:spTree>
+    <p:extLst>
+      <p:ext uri="{BB962C8B-B14F-4D97-AF65-F5344CB8AC3E}">
+        <p14:creationId xmlns:p14="http://schemas.microsoft.com/office/powerpoint/2010/main" val="2181701193"/>
+      </p:ext>
+    </p:extLst>
+  </p:cSld>
+  <p:clrMapOvr>
+    <a:masterClrMapping/>
+  </p:clrMapOvr>
+</p:sld>
+</file>
+
+<file path=ppt/slides/slide15.xml><?xml version="1.0" encoding="utf-8"?>
+<p:sld xmlns:a="http://schemas.openxmlformats.org/drawingml/2006/main" xmlns:r="http://schemas.openxmlformats.org/officeDocument/2006/relationships" xmlns:p="http://schemas.openxmlformats.org/presentationml/2006/main">
+  <p:cSld>
+    <p:spTree>
+      <p:nvGrpSpPr>
+        <p:cNvPr id="1" name=""/>
+        <p:cNvGrpSpPr/>
+        <p:nvPr/>
+      </p:nvGrpSpPr>
+      <p:grpSpPr>
+        <a:xfrm>
+          <a:off x="0" y="0"/>
+          <a:ext cx="0" cy="0"/>
+          <a:chOff x="0" y="0"/>
+          <a:chExt cx="0" cy="0"/>
+        </a:xfrm>
+      </p:grpSpPr>
+      <p:sp>
+        <p:nvSpPr>
+          <p:cNvPr id="2" name="Title 1">
+            <a:extLst>
+              <a:ext uri="{FF2B5EF4-FFF2-40B4-BE49-F238E27FC236}">
+                <a16:creationId xmlns:a16="http://schemas.microsoft.com/office/drawing/2014/main" id="{76716913-4E44-454E-A565-1AF3FECAD7E8}"/>
+              </a:ext>
+            </a:extLst>
+          </p:cNvPr>
+          <p:cNvSpPr>
+            <a:spLocks noGrp="1"/>
+          </p:cNvSpPr>
+          <p:nvPr>
+            <p:ph type="title"/>
+          </p:nvPr>
+        </p:nvSpPr>
+        <p:spPr/>
+        <p:txBody>
+          <a:bodyPr/>
+          <a:lstStyle/>
+          <a:p>
+            <a:r>
+              <a:rPr lang="en-US" dirty="0"/>
+              <a:t>Additional Resources</a:t>
+            </a:r>
+          </a:p>
+        </p:txBody>
+      </p:sp>
+      <p:sp>
+        <p:nvSpPr>
+          <p:cNvPr id="3" name="Content Placeholder 2">
+            <a:extLst>
+              <a:ext uri="{FF2B5EF4-FFF2-40B4-BE49-F238E27FC236}">
+                <a16:creationId xmlns:a16="http://schemas.microsoft.com/office/drawing/2014/main" id="{A09B542F-7769-4746-9A6C-DD6D5B641818}"/>
+              </a:ext>
+            </a:extLst>
+          </p:cNvPr>
+          <p:cNvSpPr>
+            <a:spLocks noGrp="1"/>
+          </p:cNvSpPr>
+          <p:nvPr>
+            <p:ph idx="1"/>
+          </p:nvPr>
+        </p:nvSpPr>
+        <p:spPr/>
+        <p:txBody>
+          <a:bodyPr>
+            <a:normAutofit lnSpcReduction="10000"/>
+          </a:bodyPr>
+          <a:lstStyle/>
+          <a:p>
+            <a:r>
+              <a:rPr lang="en-US" sz="2800" dirty="0"/>
+              <a:t>Additional Examples for SRA Searches in </a:t>
+            </a:r>
+            <a:r>
+              <a:rPr lang="en-US" sz="2800" dirty="0" err="1"/>
+              <a:t>BigQuery</a:t>
+            </a:r>
+            <a:r>
+              <a:rPr lang="en-US" sz="2800" dirty="0"/>
+              <a:t> </a:t>
+            </a:r>
+            <a:r>
+              <a:rPr lang="en-US" sz="2800" dirty="0">
+                <a:hlinkClick r:id="rId2"/>
+              </a:rPr>
+              <a:t>https://www.ncbi.nlm.nih.gov/sra/docs/sra-bigquery-examples/</a:t>
+            </a:r>
+            <a:endParaRPr lang="en-US" sz="2800" dirty="0"/>
+          </a:p>
+          <a:p>
+            <a:r>
+              <a:rPr lang="en-US" sz="2800" dirty="0"/>
+              <a:t>STAT Description </a:t>
+            </a:r>
+            <a:r>
+              <a:rPr lang="en-US" sz="2800" dirty="0">
+                <a:hlinkClick r:id="rId3"/>
+              </a:rPr>
+              <a:t>https://www.ncbi.nlm.nih.gov/sra/docs/sra-taxonomy-analysis-tool/</a:t>
+            </a:r>
+            <a:endParaRPr lang="en-US" sz="2800" dirty="0"/>
+          </a:p>
+          <a:p>
+            <a:r>
+              <a:rPr lang="en-US" dirty="0"/>
+              <a:t>The NIH STRIDES training website </a:t>
+            </a:r>
+            <a:r>
+              <a:rPr lang="en-US" dirty="0">
+                <a:hlinkClick r:id="rId4"/>
+              </a:rPr>
+              <a:t>https://cloud.nih.gov/training/</a:t>
+            </a:r>
+            <a:endParaRPr lang="en-US" dirty="0"/>
+          </a:p>
+          <a:p>
+            <a:r>
+              <a:rPr lang="en-US" sz="2800" dirty="0"/>
+              <a:t>Google </a:t>
+            </a:r>
+            <a:r>
+              <a:rPr lang="en-US" sz="2800" dirty="0" err="1"/>
+              <a:t>Quickstart</a:t>
+            </a:r>
+            <a:r>
+              <a:rPr lang="en-US" sz="2800" dirty="0"/>
+              <a:t> for </a:t>
+            </a:r>
+            <a:r>
+              <a:rPr lang="en-US" sz="2800" dirty="0" err="1"/>
+              <a:t>BigQuery</a:t>
+            </a:r>
+            <a:r>
+              <a:rPr lang="en-US" sz="2800" dirty="0"/>
+              <a:t> </a:t>
+            </a:r>
+            <a:r>
+              <a:rPr lang="en-US" sz="2800" dirty="0">
+                <a:hlinkClick r:id="rId5"/>
+              </a:rPr>
+              <a:t>https://cloud.google.com/bigquery/docs/quickstarts/quickstart-web-ui</a:t>
+            </a:r>
+            <a:endParaRPr lang="en-US" sz="2800" dirty="0"/>
+          </a:p>
+          <a:p>
+            <a:endParaRPr lang="en-US" sz="2800" dirty="0"/>
+          </a:p>
+          <a:p>
+            <a:endParaRPr lang="en-US" dirty="0"/>
+          </a:p>
+          <a:p>
+            <a:endParaRPr lang="en-US" dirty="0"/>
+          </a:p>
+        </p:txBody>
+      </p:sp>
+    </p:spTree>
+    <p:extLst>
+      <p:ext uri="{BB962C8B-B14F-4D97-AF65-F5344CB8AC3E}">
+        <p14:creationId xmlns:p14="http://schemas.microsoft.com/office/powerpoint/2010/main" val="445920824"/>
+      </p:ext>
+    </p:extLst>
+  </p:cSld>
+  <p:clrMapOvr>
+    <a:masterClrMapping/>
+  </p:clrMapOvr>
+</p:sld>
+</file>
+
+<file path=ppt/slides/slide16.xml><?xml version="1.0" encoding="utf-8"?>
+<p:sld xmlns:a="http://schemas.openxmlformats.org/drawingml/2006/main" xmlns:r="http://schemas.openxmlformats.org/officeDocument/2006/relationships" xmlns:p="http://schemas.openxmlformats.org/presentationml/2006/main">
+  <p:cSld>
+    <p:spTree>
+      <p:nvGrpSpPr>
+        <p:cNvPr id="1" name=""/>
+        <p:cNvGrpSpPr/>
+        <p:nvPr/>
+      </p:nvGrpSpPr>
+      <p:grpSpPr>
+        <a:xfrm>
+          <a:off x="0" y="0"/>
+          <a:ext cx="0" cy="0"/>
+          <a:chOff x="0" y="0"/>
+          <a:chExt cx="0" cy="0"/>
+        </a:xfrm>
+      </p:grpSpPr>
+      <p:sp>
+        <p:nvSpPr>
+          <p:cNvPr id="2" name="Title 1">
+            <a:extLst>
+              <a:ext uri="{FF2B5EF4-FFF2-40B4-BE49-F238E27FC236}">
+                <a16:creationId xmlns:a16="http://schemas.microsoft.com/office/drawing/2014/main" id="{AADC7350-55FC-4057-8016-EC5D2DC03B16}"/>
+              </a:ext>
+            </a:extLst>
+          </p:cNvPr>
+          <p:cNvSpPr>
+            <a:spLocks noGrp="1"/>
+          </p:cNvSpPr>
+          <p:nvPr>
+            <p:ph type="title"/>
+          </p:nvPr>
+        </p:nvSpPr>
+        <p:spPr/>
+        <p:txBody>
+          <a:bodyPr>
+            <a:normAutofit/>
+          </a:bodyPr>
+          <a:lstStyle/>
+          <a:p>
+            <a:r>
+              <a:rPr lang="en-US" dirty="0"/>
+              <a:t>Thank You</a:t>
+            </a:r>
+          </a:p>
+        </p:txBody>
+      </p:sp>
+      <p:sp>
+        <p:nvSpPr>
+          <p:cNvPr id="3" name="Text Placeholder 2">
+            <a:extLst>
+              <a:ext uri="{FF2B5EF4-FFF2-40B4-BE49-F238E27FC236}">
+                <a16:creationId xmlns:a16="http://schemas.microsoft.com/office/drawing/2014/main" id="{086A3D39-7505-4EB6-85AC-58CBA09ADDB1}"/>
+              </a:ext>
+            </a:extLst>
+          </p:cNvPr>
+          <p:cNvSpPr>
+            <a:spLocks noGrp="1"/>
+          </p:cNvSpPr>
+          <p:nvPr>
+            <p:ph type="body" sz="quarter" idx="11"/>
+          </p:nvPr>
+        </p:nvSpPr>
+        <p:spPr/>
+        <p:txBody>
+          <a:bodyPr/>
+          <a:lstStyle/>
+          <a:p>
+            <a:r>
+              <a:rPr lang="en-US" dirty="0"/>
+              <a:t>Adelaide Rhodes</a:t>
+            </a:r>
+          </a:p>
+          <a:p>
+            <a:r>
+              <a:rPr lang="en-US" dirty="0"/>
+              <a:t>Ravinder Eskandary</a:t>
+            </a:r>
+          </a:p>
+        </p:txBody>
+      </p:sp>
+      <p:sp>
+        <p:nvSpPr>
+          <p:cNvPr id="4" name="Text Placeholder 3">
+            <a:extLst>
+              <a:ext uri="{FF2B5EF4-FFF2-40B4-BE49-F238E27FC236}">
+                <a16:creationId xmlns:a16="http://schemas.microsoft.com/office/drawing/2014/main" id="{27E32C5D-B074-428C-B932-EEE82560F224}"/>
+              </a:ext>
+            </a:extLst>
+          </p:cNvPr>
+          <p:cNvSpPr>
+            <a:spLocks noGrp="1"/>
+          </p:cNvSpPr>
+          <p:nvPr>
+            <p:ph type="body" sz="quarter" idx="13"/>
+          </p:nvPr>
+        </p:nvSpPr>
+        <p:spPr/>
+        <p:txBody>
+          <a:bodyPr/>
+          <a:lstStyle/>
+          <a:p>
+            <a:r>
+              <a:rPr lang="en-US" dirty="0"/>
+              <a:t>Michael Kimelman</a:t>
+            </a:r>
+          </a:p>
+          <a:p>
+            <a:r>
+              <a:rPr lang="en-US" dirty="0"/>
+              <a:t>Vadim Zalunin</a:t>
+            </a:r>
+          </a:p>
+          <a:p>
+            <a:endParaRPr lang="en-US" dirty="0"/>
+          </a:p>
+        </p:txBody>
+      </p:sp>
+      <p:sp>
+        <p:nvSpPr>
+          <p:cNvPr id="5" name="Text Placeholder 4">
+            <a:extLst>
+              <a:ext uri="{FF2B5EF4-FFF2-40B4-BE49-F238E27FC236}">
+                <a16:creationId xmlns:a16="http://schemas.microsoft.com/office/drawing/2014/main" id="{8EB83059-2AE4-468F-BB89-7A86C9ADE4A5}"/>
+              </a:ext>
+            </a:extLst>
+          </p:cNvPr>
+          <p:cNvSpPr>
+            <a:spLocks noGrp="1"/>
+          </p:cNvSpPr>
+          <p:nvPr>
+            <p:ph type="body" sz="quarter" idx="14"/>
+          </p:nvPr>
+        </p:nvSpPr>
+        <p:spPr/>
+        <p:txBody>
+          <a:bodyPr/>
+          <a:lstStyle/>
+          <a:p>
+            <a:r>
+              <a:rPr lang="en-US" dirty="0"/>
+              <a:t>Chris O’Sullivan</a:t>
+            </a:r>
+          </a:p>
+          <a:p>
+            <a:r>
+              <a:rPr lang="en-US" dirty="0"/>
+              <a:t>Jon Trow</a:t>
+            </a:r>
+          </a:p>
+          <a:p>
+            <a:r>
+              <a:rPr lang="en-US" dirty="0"/>
+              <a:t>Yuriy Skripchenko</a:t>
+            </a:r>
+          </a:p>
+          <a:p>
+            <a:endParaRPr lang="en-US" dirty="0"/>
+          </a:p>
+        </p:txBody>
+      </p:sp>
+      <p:sp>
+        <p:nvSpPr>
+          <p:cNvPr id="6" name="Text Placeholder 5">
+            <a:extLst>
+              <a:ext uri="{FF2B5EF4-FFF2-40B4-BE49-F238E27FC236}">
+                <a16:creationId xmlns:a16="http://schemas.microsoft.com/office/drawing/2014/main" id="{23602E4B-DD4B-490F-9BB8-A69A0CD0F0D0}"/>
+              </a:ext>
+            </a:extLst>
+          </p:cNvPr>
+          <p:cNvSpPr>
+            <a:spLocks noGrp="1"/>
+          </p:cNvSpPr>
+          <p:nvPr>
+            <p:ph type="body" sz="quarter" idx="15"/>
+          </p:nvPr>
+        </p:nvSpPr>
+        <p:spPr/>
+        <p:txBody>
+          <a:bodyPr/>
+          <a:lstStyle/>
+          <a:p>
+            <a:endParaRPr lang="en-US" dirty="0"/>
+          </a:p>
+        </p:txBody>
+      </p:sp>
+      <p:sp>
+        <p:nvSpPr>
+          <p:cNvPr id="7" name="Text Placeholder 6">
+            <a:extLst>
+              <a:ext uri="{FF2B5EF4-FFF2-40B4-BE49-F238E27FC236}">
+                <a16:creationId xmlns:a16="http://schemas.microsoft.com/office/drawing/2014/main" id="{779F4EEA-2DD3-4A33-9FDC-B5778132C4EE}"/>
+              </a:ext>
+            </a:extLst>
+          </p:cNvPr>
+          <p:cNvSpPr>
+            <a:spLocks noGrp="1"/>
+          </p:cNvSpPr>
+          <p:nvPr>
+            <p:ph type="body" sz="quarter" idx="16"/>
+          </p:nvPr>
+        </p:nvSpPr>
+        <p:spPr/>
+        <p:txBody>
+          <a:bodyPr/>
+          <a:lstStyle/>
+          <a:p>
+            <a:endParaRPr lang="en-US"/>
+          </a:p>
+        </p:txBody>
+      </p:sp>
+    </p:spTree>
+    <p:extLst>
+      <p:ext uri="{BB962C8B-B14F-4D97-AF65-F5344CB8AC3E}">
+        <p14:creationId xmlns:p14="http://schemas.microsoft.com/office/powerpoint/2010/main" val="3217156933"/>
+      </p:ext>
+    </p:extLst>
+  </p:cSld>
+  <p:clrMapOvr>
+    <a:masterClrMapping/>
+  </p:clrMapOvr>
+</p:sld>
+</file>
+
 <file path=ppt/slides/slide2.xml><?xml version="1.0" encoding="utf-8"?>
 <p:sld xmlns:a="http://schemas.openxmlformats.org/drawingml/2006/main" xmlns:r="http://schemas.openxmlformats.org/officeDocument/2006/relationships" xmlns:p="http://schemas.openxmlformats.org/presentationml/2006/main">
   <p:cSld>
@@ -5634,10 +5028,10 @@
       </p:grpSpPr>
       <p:sp>
         <p:nvSpPr>
-          <p:cNvPr id="4" name="Title 3">
+          <p:cNvPr id="2" name="Title 1">
             <a:extLst>
               <a:ext uri="{FF2B5EF4-FFF2-40B4-BE49-F238E27FC236}">
-                <a16:creationId xmlns:a16="http://schemas.microsoft.com/office/drawing/2014/main" id="{02795414-16E8-41DF-9DA2-4EF0550F78BE}"/>
+                <a16:creationId xmlns:a16="http://schemas.microsoft.com/office/drawing/2014/main" id="{B779252C-A87D-4F50-8401-5C14415F1040}"/>
               </a:ext>
             </a:extLst>
           </p:cNvPr>
@@ -5646,34 +5040,6 @@
           </p:cNvSpPr>
           <p:nvPr>
             <p:ph type="title"/>
-          </p:nvPr>
-        </p:nvSpPr>
-        <p:spPr/>
-        <p:txBody>
-          <a:bodyPr/>
-          <a:lstStyle/>
-          <a:p>
-            <a:r>
-              <a:rPr lang="en-US" dirty="0"/>
-              <a:t>Adam Stine</a:t>
-            </a:r>
-          </a:p>
-        </p:txBody>
-      </p:sp>
-      <p:sp>
-        <p:nvSpPr>
-          <p:cNvPr id="5" name="Content Placeholder 4">
-            <a:extLst>
-              <a:ext uri="{FF2B5EF4-FFF2-40B4-BE49-F238E27FC236}">
-                <a16:creationId xmlns:a16="http://schemas.microsoft.com/office/drawing/2014/main" id="{10E33D25-EB0E-4F2B-99A3-5128E7E42ADD}"/>
-              </a:ext>
-            </a:extLst>
-          </p:cNvPr>
-          <p:cNvSpPr>
-            <a:spLocks noGrp="1"/>
-          </p:cNvSpPr>
-          <p:nvPr>
-            <p:ph idx="1"/>
           </p:nvPr>
         </p:nvSpPr>
         <p:spPr/>
@@ -5685,97 +5051,43 @@
           <a:p>
             <a:r>
               <a:rPr lang="en-US" dirty="0"/>
-              <a:t>Sequence Read Archive curator since 2009</a:t>
-            </a:r>
-          </a:p>
-          <a:p>
-            <a:r>
-              <a:rPr lang="en-US" dirty="0"/>
-              <a:t>Database Support</a:t>
-            </a:r>
-          </a:p>
-          <a:p>
-            <a:r>
-              <a:rPr lang="en-US" dirty="0"/>
-              <a:t>Sequencing Data ETL</a:t>
-            </a:r>
-          </a:p>
-          <a:p>
-            <a:r>
-              <a:rPr lang="en-US" dirty="0"/>
-              <a:t>Upload/Download Support</a:t>
-            </a:r>
-          </a:p>
-          <a:p>
-            <a:r>
-              <a:rPr lang="en-US" dirty="0"/>
-              <a:t>Mostly that means I use SQL, Unix (Bash), XML, Python, and some common packages like </a:t>
-            </a:r>
-            <a:r>
-              <a:rPr lang="en-US" dirty="0" err="1"/>
-              <a:t>samtools</a:t>
-            </a:r>
-            <a:endParaRPr lang="en-US" dirty="0"/>
-          </a:p>
-          <a:p>
-            <a:r>
-              <a:rPr lang="en-US" dirty="0"/>
-              <a:t>Teaching Cloud access</a:t>
-            </a:r>
-          </a:p>
-        </p:txBody>
-      </p:sp>
-      <p:pic>
-        <p:nvPicPr>
-          <p:cNvPr id="1026" name="Picture 2" descr="Image of Adam Stine">
+              <a:t>Yes/No Question</a:t>
+            </a:r>
+          </a:p>
+        </p:txBody>
+      </p:sp>
+      <p:sp>
+        <p:nvSpPr>
+          <p:cNvPr id="3" name="Text Placeholder 2">
             <a:extLst>
               <a:ext uri="{FF2B5EF4-FFF2-40B4-BE49-F238E27FC236}">
-                <a16:creationId xmlns:a16="http://schemas.microsoft.com/office/drawing/2014/main" id="{6BBC2BD8-685F-4824-89F3-3638A68FA03D}"/>
+                <a16:creationId xmlns:a16="http://schemas.microsoft.com/office/drawing/2014/main" id="{E67820A5-6E26-488B-82FF-A2D6D0E10642}"/>
               </a:ext>
             </a:extLst>
           </p:cNvPr>
-          <p:cNvPicPr>
-            <a:picLocks noChangeAspect="1" noChangeArrowheads="1"/>
-          </p:cNvPicPr>
-          <p:nvPr/>
-        </p:nvPicPr>
-        <p:blipFill>
-          <a:blip r:embed="rId2">
-            <a:extLst>
-              <a:ext uri="{28A0092B-C50C-407E-A947-70E740481C1C}">
-                <a14:useLocalDpi xmlns:a14="http://schemas.microsoft.com/office/drawing/2010/main" val="0"/>
-              </a:ext>
-            </a:extLst>
-          </a:blip>
-          <a:srcRect/>
-          <a:stretch>
-            <a:fillRect/>
-          </a:stretch>
-        </p:blipFill>
-        <p:spPr bwMode="auto">
-          <a:xfrm flipH="1">
-            <a:off x="609600" y="2468878"/>
-            <a:ext cx="2275679" cy="2842953"/>
-          </a:xfrm>
-          <a:prstGeom prst="rect">
-            <a:avLst/>
-          </a:prstGeom>
-          <a:noFill/>
-          <a:extLst>
-            <a:ext uri="{909E8E84-426E-40DD-AFC4-6F175D3DCCD1}">
-              <a14:hiddenFill xmlns:a14="http://schemas.microsoft.com/office/drawing/2010/main">
-                <a:solidFill>
-                  <a:srgbClr val="FFFFFF"/>
-                </a:solidFill>
-              </a14:hiddenFill>
-            </a:ext>
-          </a:extLst>
-        </p:spPr>
-      </p:pic>
+          <p:cNvSpPr>
+            <a:spLocks noGrp="1"/>
+          </p:cNvSpPr>
+          <p:nvPr>
+            <p:ph type="body" sz="quarter" idx="10"/>
+          </p:nvPr>
+        </p:nvSpPr>
+        <p:spPr/>
+        <p:txBody>
+          <a:bodyPr/>
+          <a:lstStyle/>
+          <a:p>
+            <a:r>
+              <a:rPr lang="en-US" dirty="0"/>
+              <a:t>I have used a cloud platform like AWS or GCP in the past?</a:t>
+            </a:r>
+          </a:p>
+        </p:txBody>
+      </p:sp>
     </p:spTree>
     <p:extLst>
       <p:ext uri="{BB962C8B-B14F-4D97-AF65-F5344CB8AC3E}">
-        <p14:creationId xmlns:p14="http://schemas.microsoft.com/office/powerpoint/2010/main" val="3339764748"/>
+        <p14:creationId xmlns:p14="http://schemas.microsoft.com/office/powerpoint/2010/main" val="730357622"/>
       </p:ext>
     </p:extLst>
   </p:cSld>
@@ -5785,7 +5097,7 @@
 </p:sld>
 </file>
 
-<file path=ppt/slides/slide20.xml><?xml version="1.0" encoding="utf-8"?>
+<file path=ppt/slides/slide3.xml><?xml version="1.0" encoding="utf-8"?>
 <p:sld xmlns:a="http://schemas.openxmlformats.org/drawingml/2006/main" xmlns:r="http://schemas.openxmlformats.org/officeDocument/2006/relationships" xmlns:p="http://schemas.openxmlformats.org/presentationml/2006/main">
   <p:cSld>
     <p:spTree>
@@ -5807,7 +5119,7 @@
           <p:cNvPr id="2" name="Title 1">
             <a:extLst>
               <a:ext uri="{FF2B5EF4-FFF2-40B4-BE49-F238E27FC236}">
-                <a16:creationId xmlns:a16="http://schemas.microsoft.com/office/drawing/2014/main" id="{7AF327E2-2DC1-4454-9B9A-A2C66B75D0D7}"/>
+                <a16:creationId xmlns:a16="http://schemas.microsoft.com/office/drawing/2014/main" id="{97CA2036-EB55-4BE4-95D8-65315829EC4C}"/>
               </a:ext>
             </a:extLst>
           </p:cNvPr>
@@ -5825,22 +5137,17 @@
           <a:p>
             <a:r>
               <a:rPr lang="en-US" dirty="0"/>
-              <a:t>Searching in </a:t>
-            </a:r>
-            <a:r>
-              <a:rPr lang="en-US" dirty="0" err="1"/>
-              <a:t>BigQuery</a:t>
-            </a:r>
-            <a:endParaRPr lang="en-US" dirty="0"/>
-          </a:p>
-        </p:txBody>
-      </p:sp>
-      <p:sp>
-        <p:nvSpPr>
-          <p:cNvPr id="4" name="Text Placeholder 3">
+              <a:t>Why do I want to use the cloud?</a:t>
+            </a:r>
+          </a:p>
+        </p:txBody>
+      </p:sp>
+      <p:sp>
+        <p:nvSpPr>
+          <p:cNvPr id="3" name="Content Placeholder 2">
             <a:extLst>
               <a:ext uri="{FF2B5EF4-FFF2-40B4-BE49-F238E27FC236}">
-                <a16:creationId xmlns:a16="http://schemas.microsoft.com/office/drawing/2014/main" id="{4B193414-6822-4DF2-B6E0-E96F2360C0A2}"/>
+                <a16:creationId xmlns:a16="http://schemas.microsoft.com/office/drawing/2014/main" id="{B30181B5-95C7-4CAF-BB33-30AE82E5ECF6}"/>
               </a:ext>
             </a:extLst>
           </p:cNvPr>
@@ -5853,60 +5160,33 @@
         </p:nvSpPr>
         <p:spPr/>
         <p:txBody>
-          <a:bodyPr/>
+          <a:bodyPr>
+            <a:normAutofit lnSpcReduction="10000"/>
+          </a:bodyPr>
           <a:lstStyle/>
           <a:p>
-            <a:pPr marL="0" indent="0">
-              <a:buNone/>
-            </a:pPr>
-            <a:r>
-              <a:rPr lang="en-US" dirty="0"/>
-              <a:t>The last query was part of this NCBI Minute webinar on using </a:t>
-            </a:r>
-            <a:r>
-              <a:rPr lang="en-US" dirty="0" err="1"/>
-              <a:t>BigQuery</a:t>
-            </a:r>
-            <a:endParaRPr lang="en-US" dirty="0"/>
-          </a:p>
-          <a:p>
-            <a:pPr marL="0" indent="0">
-              <a:buNone/>
-            </a:pPr>
-            <a:r>
-              <a:rPr lang="en-US" dirty="0">
-                <a:hlinkClick r:id="rId2"/>
-              </a:rPr>
-              <a:t>https://www.youtube.com/watch?v=DkNz-RCCm-M</a:t>
-            </a:r>
-            <a:endParaRPr lang="en-US" dirty="0"/>
-          </a:p>
-          <a:p>
-            <a:pPr marL="0" indent="0">
-              <a:buNone/>
-            </a:pPr>
-            <a:endParaRPr lang="en-US" dirty="0"/>
-          </a:p>
-          <a:p>
-            <a:pPr marL="0" indent="0">
-              <a:buNone/>
-            </a:pPr>
-            <a:r>
-              <a:rPr lang="en-US" dirty="0"/>
-              <a:t>The NCBI YouTube channel has additional videos on many topics that range in length from a few minutes to over an hour long.</a:t>
-            </a:r>
-          </a:p>
-          <a:p>
-            <a:pPr marL="0" indent="0">
-              <a:buNone/>
-            </a:pPr>
-            <a:r>
-              <a:rPr lang="en-US" dirty="0">
-                <a:hlinkClick r:id="rId3"/>
-              </a:rPr>
-              <a:t>https://www.youtube.com/channel/UCvJHVo5xGSKejBbBj0A5AyQ</a:t>
-            </a:r>
-            <a:endParaRPr lang="en-US" dirty="0"/>
+            <a:r>
+              <a:rPr lang="en-US" dirty="0"/>
+              <a:t>Speed – High Performance Computing (HPC) resources may not be available to you normally or access may be limited.</a:t>
+            </a:r>
+          </a:p>
+          <a:p>
+            <a:r>
+              <a:rPr lang="en-US" dirty="0"/>
+              <a:t>Cost – Buying and supporting computing and storage resources can be costly and time consuming.</a:t>
+            </a:r>
+          </a:p>
+          <a:p>
+            <a:r>
+              <a:rPr lang="en-US" dirty="0"/>
+              <a:t>Features – New features and opportunities for automation are available using the cloud providers.</a:t>
+            </a:r>
+          </a:p>
+          <a:p>
+            <a:r>
+              <a:rPr lang="en-US" dirty="0"/>
+              <a:t>Gap Filling – You can keep using all the existing on-site resources while using cloud resources to test or for short term needs.</a:t>
+            </a:r>
           </a:p>
           <a:p>
             <a:endParaRPr lang="en-US" dirty="0"/>
@@ -5916,7 +5196,7 @@
     </p:spTree>
     <p:extLst>
       <p:ext uri="{BB962C8B-B14F-4D97-AF65-F5344CB8AC3E}">
-        <p14:creationId xmlns:p14="http://schemas.microsoft.com/office/powerpoint/2010/main" val="2181701193"/>
+        <p14:creationId xmlns:p14="http://schemas.microsoft.com/office/powerpoint/2010/main" val="1518787323"/>
       </p:ext>
     </p:extLst>
   </p:cSld>
@@ -5926,7 +5206,7 @@
 </p:sld>
 </file>
 
-<file path=ppt/slides/slide21.xml><?xml version="1.0" encoding="utf-8"?>
+<file path=ppt/slides/slide4.xml><?xml version="1.0" encoding="utf-8"?>
 <p:sld xmlns:a="http://schemas.openxmlformats.org/drawingml/2006/main" xmlns:r="http://schemas.openxmlformats.org/officeDocument/2006/relationships" xmlns:p="http://schemas.openxmlformats.org/presentationml/2006/main">
   <p:cSld>
     <p:spTree>
@@ -5948,7 +5228,7 @@
           <p:cNvPr id="2" name="Title 1">
             <a:extLst>
               <a:ext uri="{FF2B5EF4-FFF2-40B4-BE49-F238E27FC236}">
-                <a16:creationId xmlns:a16="http://schemas.microsoft.com/office/drawing/2014/main" id="{941701D6-45C2-4F9D-99D7-6181AED3A748}"/>
+                <a16:creationId xmlns:a16="http://schemas.microsoft.com/office/drawing/2014/main" id="{8CE57AA9-40A4-4E2E-9E58-B5FF5743F864}"/>
               </a:ext>
             </a:extLst>
           </p:cNvPr>
@@ -5966,7 +5246,7 @@
           <a:p>
             <a:r>
               <a:rPr lang="en-US" dirty="0"/>
-              <a:t>Review</a:t>
+              <a:t>STRIDES</a:t>
             </a:r>
           </a:p>
         </p:txBody>
@@ -5976,119 +5256,7 @@
           <p:cNvPr id="3" name="Content Placeholder 2">
             <a:extLst>
               <a:ext uri="{FF2B5EF4-FFF2-40B4-BE49-F238E27FC236}">
-                <a16:creationId xmlns:a16="http://schemas.microsoft.com/office/drawing/2014/main" id="{60CF8D11-E6A4-4AF4-8A2B-DF3F2B12A92E}"/>
-              </a:ext>
-            </a:extLst>
-          </p:cNvPr>
-          <p:cNvSpPr>
-            <a:spLocks noGrp="1"/>
-          </p:cNvSpPr>
-          <p:nvPr>
-            <p:ph idx="1"/>
-          </p:nvPr>
-        </p:nvSpPr>
-        <p:spPr/>
-        <p:txBody>
-          <a:bodyPr/>
-          <a:lstStyle/>
-          <a:p>
-            <a:r>
-              <a:rPr lang="en-US" dirty="0" err="1"/>
-              <a:t>BigQuery</a:t>
-            </a:r>
-            <a:r>
-              <a:rPr lang="en-US" dirty="0"/>
-              <a:t> allows for SQL searches of large data sets quickly.</a:t>
-            </a:r>
-          </a:p>
-          <a:p>
-            <a:r>
-              <a:rPr lang="en-US" dirty="0" err="1"/>
-              <a:t>BigQuery</a:t>
-            </a:r>
-            <a:r>
-              <a:rPr lang="en-US" dirty="0"/>
-              <a:t> can be used to search the publicly accessible SRA metadata using SQL searches.</a:t>
-            </a:r>
-          </a:p>
-          <a:p>
-            <a:r>
-              <a:rPr lang="en-US" dirty="0"/>
-              <a:t>SRA has generated taxonomy data using the SRA Taxonomy Analysis Tool (STAT) that can be used to find the organism content of runs in SRA.</a:t>
-            </a:r>
-          </a:p>
-          <a:p>
-            <a:pPr marL="0" indent="0">
-              <a:buNone/>
-            </a:pPr>
-            <a:endParaRPr lang="en-US" dirty="0"/>
-          </a:p>
-        </p:txBody>
-      </p:sp>
-    </p:spTree>
-    <p:extLst>
-      <p:ext uri="{BB962C8B-B14F-4D97-AF65-F5344CB8AC3E}">
-        <p14:creationId xmlns:p14="http://schemas.microsoft.com/office/powerpoint/2010/main" val="1096524548"/>
-      </p:ext>
-    </p:extLst>
-  </p:cSld>
-  <p:clrMapOvr>
-    <a:masterClrMapping/>
-  </p:clrMapOvr>
-</p:sld>
-</file>
-
-<file path=ppt/slides/slide22.xml><?xml version="1.0" encoding="utf-8"?>
-<p:sld xmlns:a="http://schemas.openxmlformats.org/drawingml/2006/main" xmlns:r="http://schemas.openxmlformats.org/officeDocument/2006/relationships" xmlns:p="http://schemas.openxmlformats.org/presentationml/2006/main">
-  <p:cSld>
-    <p:spTree>
-      <p:nvGrpSpPr>
-        <p:cNvPr id="1" name=""/>
-        <p:cNvGrpSpPr/>
-        <p:nvPr/>
-      </p:nvGrpSpPr>
-      <p:grpSpPr>
-        <a:xfrm>
-          <a:off x="0" y="0"/>
-          <a:ext cx="0" cy="0"/>
-          <a:chOff x="0" y="0"/>
-          <a:chExt cx="0" cy="0"/>
-        </a:xfrm>
-      </p:grpSpPr>
-      <p:sp>
-        <p:nvSpPr>
-          <p:cNvPr id="2" name="Title 1">
-            <a:extLst>
-              <a:ext uri="{FF2B5EF4-FFF2-40B4-BE49-F238E27FC236}">
-                <a16:creationId xmlns:a16="http://schemas.microsoft.com/office/drawing/2014/main" id="{76716913-4E44-454E-A565-1AF3FECAD7E8}"/>
-              </a:ext>
-            </a:extLst>
-          </p:cNvPr>
-          <p:cNvSpPr>
-            <a:spLocks noGrp="1"/>
-          </p:cNvSpPr>
-          <p:nvPr>
-            <p:ph type="title"/>
-          </p:nvPr>
-        </p:nvSpPr>
-        <p:spPr/>
-        <p:txBody>
-          <a:bodyPr/>
-          <a:lstStyle/>
-          <a:p>
-            <a:r>
-              <a:rPr lang="en-US" dirty="0"/>
-              <a:t>Additional Resources</a:t>
-            </a:r>
-          </a:p>
-        </p:txBody>
-      </p:sp>
-      <p:sp>
-        <p:nvSpPr>
-          <p:cNvPr id="3" name="Content Placeholder 2">
-            <a:extLst>
-              <a:ext uri="{FF2B5EF4-FFF2-40B4-BE49-F238E27FC236}">
-                <a16:creationId xmlns:a16="http://schemas.microsoft.com/office/drawing/2014/main" id="{A09B542F-7769-4746-9A6C-DD6D5B641818}"/>
+                <a16:creationId xmlns:a16="http://schemas.microsoft.com/office/drawing/2014/main" id="{B40BAB35-7A96-4ACF-9B0F-A221D7A618B5}"/>
               </a:ext>
             </a:extLst>
           </p:cNvPr>
@@ -6106,652 +5274,81 @@
           </a:bodyPr>
           <a:lstStyle/>
           <a:p>
-            <a:r>
-              <a:rPr lang="en-US" dirty="0"/>
-              <a:t>NCBI Cloud Data &amp; Tools YouTube playlist </a:t>
+            <a:pPr marL="0" indent="0">
+              <a:buNone/>
+            </a:pPr>
+            <a:r>
+              <a:rPr lang="en-US" dirty="0"/>
+              <a:t>The NIH STRIDES Initiative is a partnership with commercial cloud providers to make accessing compute and storage resources easier for biomedical researchers.</a:t>
+            </a:r>
+          </a:p>
+          <a:p>
+            <a:pPr marL="0" indent="0">
+              <a:buNone/>
+            </a:pPr>
+            <a:r>
+              <a:rPr lang="en-US" dirty="0"/>
+              <a:t>Any NIH Institute, Center or Office (ICO) or NIH-funded researcher is eligible to take part in the STRIDES Initiative.</a:t>
+            </a:r>
+          </a:p>
+          <a:p>
+            <a:pPr marL="0" indent="0">
+              <a:buNone/>
+            </a:pPr>
+            <a:r>
+              <a:rPr lang="en-US" dirty="0"/>
+              <a:t>Researchers with NIH grants or at institutions with NIH funding may want to check the STRIDES website to learn if they are eligible for discounts or credits for one of the cloud providers. </a:t>
             </a:r>
             <a:r>
               <a:rPr lang="en-US" dirty="0">
                 <a:hlinkClick r:id="rId2"/>
               </a:rPr>
-              <a:t>https://www.youtube.com/playlist?list=PLH-TjWpFfWrt5MNqU7Jvsk73QefO3ADwD</a:t>
+              <a:t>https://cloud.nih.gov</a:t>
             </a:r>
             <a:endParaRPr lang="en-US" dirty="0"/>
           </a:p>
           <a:p>
-            <a:r>
-              <a:rPr lang="en-US" sz="2800" dirty="0"/>
-              <a:t>STAT Description </a:t>
-            </a:r>
-            <a:r>
-              <a:rPr lang="en-US" sz="2800" dirty="0">
-                <a:hlinkClick r:id="rId3"/>
-              </a:rPr>
-              <a:t>https://www.ncbi.nlm.nih.gov/sra/docs/sra-taxonomy-analysis-tool/</a:t>
-            </a:r>
-            <a:endParaRPr lang="en-US" sz="2800" dirty="0"/>
-          </a:p>
-          <a:p>
-            <a:r>
-              <a:rPr lang="en-US" dirty="0"/>
-              <a:t>The NIH STRIDES training website </a:t>
-            </a:r>
-            <a:r>
-              <a:rPr lang="en-US" dirty="0">
-                <a:hlinkClick r:id="rId4"/>
-              </a:rPr>
-              <a:t>https://cloud.nih.gov/training/</a:t>
-            </a:r>
+            <a:pPr marL="0" indent="0">
+              <a:buNone/>
+            </a:pPr>
             <a:endParaRPr lang="en-US" dirty="0"/>
           </a:p>
-          <a:p>
-            <a:endParaRPr lang="en-US" sz="2800" dirty="0"/>
-          </a:p>
-          <a:p>
-            <a:endParaRPr lang="en-US" dirty="0"/>
-          </a:p>
-          <a:p>
-            <a:endParaRPr lang="en-US" dirty="0"/>
-          </a:p>
-        </p:txBody>
-      </p:sp>
+        </p:txBody>
+      </p:sp>
+      <p:pic>
+        <p:nvPicPr>
+          <p:cNvPr id="5" name="Picture 4" descr="A picture containing laser, dome&#10;&#10;Description automatically generated">
+            <a:extLst>
+              <a:ext uri="{FF2B5EF4-FFF2-40B4-BE49-F238E27FC236}">
+                <a16:creationId xmlns:a16="http://schemas.microsoft.com/office/drawing/2014/main" id="{198281CE-C4CC-4526-9436-C36F11F65CF0}"/>
+              </a:ext>
+            </a:extLst>
+          </p:cNvPr>
+          <p:cNvPicPr>
+            <a:picLocks noChangeAspect="1"/>
+          </p:cNvPicPr>
+          <p:nvPr/>
+        </p:nvPicPr>
+        <p:blipFill>
+          <a:blip r:embed="rId3"/>
+          <a:stretch>
+            <a:fillRect/>
+          </a:stretch>
+        </p:blipFill>
+        <p:spPr>
+          <a:xfrm>
+            <a:off x="6878435" y="215900"/>
+            <a:ext cx="2857500" cy="1609725"/>
+          </a:xfrm>
+          <a:prstGeom prst="rect">
+            <a:avLst/>
+          </a:prstGeom>
+        </p:spPr>
+      </p:pic>
     </p:spTree>
     <p:extLst>
       <p:ext uri="{BB962C8B-B14F-4D97-AF65-F5344CB8AC3E}">
-        <p14:creationId xmlns:p14="http://schemas.microsoft.com/office/powerpoint/2010/main" val="445920824"/>
-      </p:ext>
-    </p:extLst>
-  </p:cSld>
-  <p:clrMapOvr>
-    <a:masterClrMapping/>
-  </p:clrMapOvr>
-</p:sld>
-</file>
-
-<file path=ppt/slides/slide23.xml><?xml version="1.0" encoding="utf-8"?>
-<p:sld xmlns:a="http://schemas.openxmlformats.org/drawingml/2006/main" xmlns:r="http://schemas.openxmlformats.org/officeDocument/2006/relationships" xmlns:p="http://schemas.openxmlformats.org/presentationml/2006/main">
-  <p:cSld>
-    <p:spTree>
-      <p:nvGrpSpPr>
-        <p:cNvPr id="1" name=""/>
-        <p:cNvGrpSpPr/>
-        <p:nvPr/>
-      </p:nvGrpSpPr>
-      <p:grpSpPr>
-        <a:xfrm>
-          <a:off x="0" y="0"/>
-          <a:ext cx="0" cy="0"/>
-          <a:chOff x="0" y="0"/>
-          <a:chExt cx="0" cy="0"/>
-        </a:xfrm>
-      </p:grpSpPr>
-      <p:sp>
-        <p:nvSpPr>
-          <p:cNvPr id="2" name="Title 1">
-            <a:extLst>
-              <a:ext uri="{FF2B5EF4-FFF2-40B4-BE49-F238E27FC236}">
-                <a16:creationId xmlns:a16="http://schemas.microsoft.com/office/drawing/2014/main" id="{31D3A431-1FCD-42B4-BFAE-50DEB8BF0BB8}"/>
-              </a:ext>
-            </a:extLst>
-          </p:cNvPr>
-          <p:cNvSpPr>
-            <a:spLocks noGrp="1"/>
-          </p:cNvSpPr>
-          <p:nvPr>
-            <p:ph type="title"/>
-          </p:nvPr>
-        </p:nvSpPr>
-        <p:spPr/>
-        <p:txBody>
-          <a:bodyPr/>
-          <a:lstStyle/>
-          <a:p>
-            <a:r>
-              <a:rPr lang="en-US" dirty="0"/>
-              <a:t>Additional Resources</a:t>
-            </a:r>
-          </a:p>
-        </p:txBody>
-      </p:sp>
-      <p:sp>
-        <p:nvSpPr>
-          <p:cNvPr id="3" name="Content Placeholder 2">
-            <a:extLst>
-              <a:ext uri="{FF2B5EF4-FFF2-40B4-BE49-F238E27FC236}">
-                <a16:creationId xmlns:a16="http://schemas.microsoft.com/office/drawing/2014/main" id="{DE747D40-1C83-49AB-A60D-506A9CA3701F}"/>
-              </a:ext>
-            </a:extLst>
-          </p:cNvPr>
-          <p:cNvSpPr>
-            <a:spLocks noGrp="1"/>
-          </p:cNvSpPr>
-          <p:nvPr>
-            <p:ph idx="1"/>
-          </p:nvPr>
-        </p:nvSpPr>
-        <p:spPr/>
-        <p:txBody>
-          <a:bodyPr>
-            <a:normAutofit/>
-          </a:bodyPr>
-          <a:lstStyle/>
-          <a:p>
-            <a:r>
-              <a:rPr lang="en-US" sz="2400" dirty="0"/>
-              <a:t>Additional Examples for SRA Searches in </a:t>
-            </a:r>
-            <a:r>
-              <a:rPr lang="en-US" sz="2400" dirty="0" err="1"/>
-              <a:t>BigQuery</a:t>
-            </a:r>
-            <a:r>
-              <a:rPr lang="en-US" sz="2400" dirty="0"/>
-              <a:t> </a:t>
-            </a:r>
-            <a:r>
-              <a:rPr lang="en-US" sz="2400" dirty="0">
-                <a:hlinkClick r:id="rId2"/>
-              </a:rPr>
-              <a:t>https://www.ncbi.nlm.nih.gov/sra/docs/sra-bigquery-examples/</a:t>
-            </a:r>
-            <a:endParaRPr lang="en-US" sz="2400" dirty="0"/>
-          </a:p>
-          <a:p>
-            <a:r>
-              <a:rPr lang="en-US" sz="2400" dirty="0"/>
-              <a:t>Google </a:t>
-            </a:r>
-            <a:r>
-              <a:rPr lang="en-US" sz="2400" dirty="0" err="1"/>
-              <a:t>Quickstart</a:t>
-            </a:r>
-            <a:r>
-              <a:rPr lang="en-US" sz="2400" dirty="0"/>
-              <a:t> for </a:t>
-            </a:r>
-            <a:r>
-              <a:rPr lang="en-US" sz="2400" dirty="0" err="1"/>
-              <a:t>BigQuery</a:t>
-            </a:r>
-            <a:r>
-              <a:rPr lang="en-US" sz="2400" dirty="0"/>
-              <a:t> </a:t>
-            </a:r>
-            <a:r>
-              <a:rPr lang="en-US" sz="2400" dirty="0">
-                <a:hlinkClick r:id="rId3"/>
-              </a:rPr>
-              <a:t>https://cloud.google.com/bigquery/docs/quickstarts/quickstart-web-ui</a:t>
-            </a:r>
-            <a:endParaRPr lang="en-US" sz="2400" dirty="0"/>
-          </a:p>
-          <a:p>
-            <a:r>
-              <a:rPr lang="en-US" sz="2400" dirty="0"/>
-              <a:t>A video from Google that looks at nested data in </a:t>
-            </a:r>
-            <a:r>
-              <a:rPr lang="en-US" sz="2400" dirty="0" err="1"/>
-              <a:t>BigQuery</a:t>
-            </a:r>
-            <a:r>
-              <a:rPr lang="en-US" sz="2400" dirty="0"/>
-              <a:t> </a:t>
-            </a:r>
-            <a:r>
-              <a:rPr lang="en-US" sz="2400" dirty="0">
-                <a:hlinkClick r:id="rId4"/>
-              </a:rPr>
-              <a:t>https://www.youtube.com/watch?v=STo98QUKDS8</a:t>
-            </a:r>
-            <a:endParaRPr lang="en-US" sz="2400" dirty="0"/>
-          </a:p>
-          <a:p>
-            <a:endParaRPr lang="en-US" dirty="0"/>
-          </a:p>
-        </p:txBody>
-      </p:sp>
-    </p:spTree>
-    <p:extLst>
-      <p:ext uri="{BB962C8B-B14F-4D97-AF65-F5344CB8AC3E}">
-        <p14:creationId xmlns:p14="http://schemas.microsoft.com/office/powerpoint/2010/main" val="2930822108"/>
-      </p:ext>
-    </p:extLst>
-  </p:cSld>
-  <p:clrMapOvr>
-    <a:masterClrMapping/>
-  </p:clrMapOvr>
-</p:sld>
-</file>
-
-<file path=ppt/slides/slide24.xml><?xml version="1.0" encoding="utf-8"?>
-<p:sld xmlns:a="http://schemas.openxmlformats.org/drawingml/2006/main" xmlns:r="http://schemas.openxmlformats.org/officeDocument/2006/relationships" xmlns:p="http://schemas.openxmlformats.org/presentationml/2006/main">
-  <p:cSld>
-    <p:spTree>
-      <p:nvGrpSpPr>
-        <p:cNvPr id="1" name=""/>
-        <p:cNvGrpSpPr/>
-        <p:nvPr/>
-      </p:nvGrpSpPr>
-      <p:grpSpPr>
-        <a:xfrm>
-          <a:off x="0" y="0"/>
-          <a:ext cx="0" cy="0"/>
-          <a:chOff x="0" y="0"/>
-          <a:chExt cx="0" cy="0"/>
-        </a:xfrm>
-      </p:grpSpPr>
-      <p:sp>
-        <p:nvSpPr>
-          <p:cNvPr id="2" name="Title 1">
-            <a:extLst>
-              <a:ext uri="{FF2B5EF4-FFF2-40B4-BE49-F238E27FC236}">
-                <a16:creationId xmlns:a16="http://schemas.microsoft.com/office/drawing/2014/main" id="{AADC7350-55FC-4057-8016-EC5D2DC03B16}"/>
-              </a:ext>
-            </a:extLst>
-          </p:cNvPr>
-          <p:cNvSpPr>
-            <a:spLocks noGrp="1"/>
-          </p:cNvSpPr>
-          <p:nvPr>
-            <p:ph type="title"/>
-          </p:nvPr>
-        </p:nvSpPr>
-        <p:spPr/>
-        <p:txBody>
-          <a:bodyPr>
-            <a:normAutofit/>
-          </a:bodyPr>
-          <a:lstStyle/>
-          <a:p>
-            <a:r>
-              <a:rPr lang="en-US" dirty="0"/>
-              <a:t>Thank You</a:t>
-            </a:r>
-          </a:p>
-        </p:txBody>
-      </p:sp>
-      <p:sp>
-        <p:nvSpPr>
-          <p:cNvPr id="3" name="Text Placeholder 2">
-            <a:extLst>
-              <a:ext uri="{FF2B5EF4-FFF2-40B4-BE49-F238E27FC236}">
-                <a16:creationId xmlns:a16="http://schemas.microsoft.com/office/drawing/2014/main" id="{086A3D39-7505-4EB6-85AC-58CBA09ADDB1}"/>
-              </a:ext>
-            </a:extLst>
-          </p:cNvPr>
-          <p:cNvSpPr>
-            <a:spLocks noGrp="1"/>
-          </p:cNvSpPr>
-          <p:nvPr>
-            <p:ph type="body" sz="quarter" idx="11"/>
-          </p:nvPr>
-        </p:nvSpPr>
-        <p:spPr/>
-        <p:txBody>
-          <a:bodyPr/>
-          <a:lstStyle/>
-          <a:p>
-            <a:r>
-              <a:rPr lang="en-US" dirty="0"/>
-              <a:t>Adelaide Rhodes</a:t>
-            </a:r>
-          </a:p>
-          <a:p>
-            <a:r>
-              <a:rPr lang="en-US" dirty="0"/>
-              <a:t>Ravinder Eskandary</a:t>
-            </a:r>
-          </a:p>
-        </p:txBody>
-      </p:sp>
-      <p:sp>
-        <p:nvSpPr>
-          <p:cNvPr id="4" name="Text Placeholder 3">
-            <a:extLst>
-              <a:ext uri="{FF2B5EF4-FFF2-40B4-BE49-F238E27FC236}">
-                <a16:creationId xmlns:a16="http://schemas.microsoft.com/office/drawing/2014/main" id="{27E32C5D-B074-428C-B932-EEE82560F224}"/>
-              </a:ext>
-            </a:extLst>
-          </p:cNvPr>
-          <p:cNvSpPr>
-            <a:spLocks noGrp="1"/>
-          </p:cNvSpPr>
-          <p:nvPr>
-            <p:ph type="body" sz="quarter" idx="13"/>
-          </p:nvPr>
-        </p:nvSpPr>
-        <p:spPr/>
-        <p:txBody>
-          <a:bodyPr/>
-          <a:lstStyle/>
-          <a:p>
-            <a:r>
-              <a:rPr lang="en-US" dirty="0"/>
-              <a:t>Michael Kimelman</a:t>
-            </a:r>
-          </a:p>
-          <a:p>
-            <a:r>
-              <a:rPr lang="en-US" dirty="0"/>
-              <a:t>Vadim Zalunin</a:t>
-            </a:r>
-          </a:p>
-          <a:p>
-            <a:endParaRPr lang="en-US" dirty="0"/>
-          </a:p>
-        </p:txBody>
-      </p:sp>
-      <p:sp>
-        <p:nvSpPr>
-          <p:cNvPr id="5" name="Text Placeholder 4">
-            <a:extLst>
-              <a:ext uri="{FF2B5EF4-FFF2-40B4-BE49-F238E27FC236}">
-                <a16:creationId xmlns:a16="http://schemas.microsoft.com/office/drawing/2014/main" id="{8EB83059-2AE4-468F-BB89-7A86C9ADE4A5}"/>
-              </a:ext>
-            </a:extLst>
-          </p:cNvPr>
-          <p:cNvSpPr>
-            <a:spLocks noGrp="1"/>
-          </p:cNvSpPr>
-          <p:nvPr>
-            <p:ph type="body" sz="quarter" idx="14"/>
-          </p:nvPr>
-        </p:nvSpPr>
-        <p:spPr/>
-        <p:txBody>
-          <a:bodyPr/>
-          <a:lstStyle/>
-          <a:p>
-            <a:r>
-              <a:rPr lang="en-US" dirty="0"/>
-              <a:t>Chris O’Sullivan</a:t>
-            </a:r>
-          </a:p>
-          <a:p>
-            <a:r>
-              <a:rPr lang="en-US" dirty="0"/>
-              <a:t>Jon Trow</a:t>
-            </a:r>
-          </a:p>
-          <a:p>
-            <a:r>
-              <a:rPr lang="en-US" dirty="0"/>
-              <a:t>Yuriy Skripchenko</a:t>
-            </a:r>
-          </a:p>
-          <a:p>
-            <a:endParaRPr lang="en-US" dirty="0"/>
-          </a:p>
-        </p:txBody>
-      </p:sp>
-      <p:sp>
-        <p:nvSpPr>
-          <p:cNvPr id="6" name="Text Placeholder 5">
-            <a:extLst>
-              <a:ext uri="{FF2B5EF4-FFF2-40B4-BE49-F238E27FC236}">
-                <a16:creationId xmlns:a16="http://schemas.microsoft.com/office/drawing/2014/main" id="{23602E4B-DD4B-490F-9BB8-A69A0CD0F0D0}"/>
-              </a:ext>
-            </a:extLst>
-          </p:cNvPr>
-          <p:cNvSpPr>
-            <a:spLocks noGrp="1"/>
-          </p:cNvSpPr>
-          <p:nvPr>
-            <p:ph type="body" sz="quarter" idx="15"/>
-          </p:nvPr>
-        </p:nvSpPr>
-        <p:spPr/>
-        <p:txBody>
-          <a:bodyPr/>
-          <a:lstStyle/>
-          <a:p>
-            <a:endParaRPr lang="en-US" dirty="0"/>
-          </a:p>
-        </p:txBody>
-      </p:sp>
-      <p:sp>
-        <p:nvSpPr>
-          <p:cNvPr id="7" name="Text Placeholder 6">
-            <a:extLst>
-              <a:ext uri="{FF2B5EF4-FFF2-40B4-BE49-F238E27FC236}">
-                <a16:creationId xmlns:a16="http://schemas.microsoft.com/office/drawing/2014/main" id="{779F4EEA-2DD3-4A33-9FDC-B5778132C4EE}"/>
-              </a:ext>
-            </a:extLst>
-          </p:cNvPr>
-          <p:cNvSpPr>
-            <a:spLocks noGrp="1"/>
-          </p:cNvSpPr>
-          <p:nvPr>
-            <p:ph type="body" sz="quarter" idx="16"/>
-          </p:nvPr>
-        </p:nvSpPr>
-        <p:spPr/>
-        <p:txBody>
-          <a:bodyPr/>
-          <a:lstStyle/>
-          <a:p>
-            <a:endParaRPr lang="en-US"/>
-          </a:p>
-        </p:txBody>
-      </p:sp>
-    </p:spTree>
-    <p:extLst>
-      <p:ext uri="{BB962C8B-B14F-4D97-AF65-F5344CB8AC3E}">
-        <p14:creationId xmlns:p14="http://schemas.microsoft.com/office/powerpoint/2010/main" val="3217156933"/>
-      </p:ext>
-    </p:extLst>
-  </p:cSld>
-  <p:clrMapOvr>
-    <a:masterClrMapping/>
-  </p:clrMapOvr>
-</p:sld>
-</file>
-
-<file path=ppt/slides/slide3.xml><?xml version="1.0" encoding="utf-8"?>
-<p:sld xmlns:a="http://schemas.openxmlformats.org/drawingml/2006/main" xmlns:r="http://schemas.openxmlformats.org/officeDocument/2006/relationships" xmlns:p="http://schemas.openxmlformats.org/presentationml/2006/main" show="0">
-  <p:cSld>
-    <p:spTree>
-      <p:nvGrpSpPr>
-        <p:cNvPr id="1" name=""/>
-        <p:cNvGrpSpPr/>
-        <p:nvPr/>
-      </p:nvGrpSpPr>
-      <p:grpSpPr>
-        <a:xfrm>
-          <a:off x="0" y="0"/>
-          <a:ext cx="0" cy="0"/>
-          <a:chOff x="0" y="0"/>
-          <a:chExt cx="0" cy="0"/>
-        </a:xfrm>
-      </p:grpSpPr>
-      <p:sp>
-        <p:nvSpPr>
-          <p:cNvPr id="2" name="Title 1">
-            <a:extLst>
-              <a:ext uri="{FF2B5EF4-FFF2-40B4-BE49-F238E27FC236}">
-                <a16:creationId xmlns:a16="http://schemas.microsoft.com/office/drawing/2014/main" id="{ABDDDD77-F65B-4BC6-9460-F26DFAF93BB9}"/>
-              </a:ext>
-            </a:extLst>
-          </p:cNvPr>
-          <p:cNvSpPr>
-            <a:spLocks noGrp="1"/>
-          </p:cNvSpPr>
-          <p:nvPr>
-            <p:ph type="title"/>
-          </p:nvPr>
-        </p:nvSpPr>
-        <p:spPr/>
-        <p:txBody>
-          <a:bodyPr/>
-          <a:lstStyle/>
-          <a:p>
-            <a:r>
-              <a:rPr lang="en-US" dirty="0"/>
-              <a:t>Workshop Flow</a:t>
-            </a:r>
-          </a:p>
-        </p:txBody>
-      </p:sp>
-      <p:sp>
-        <p:nvSpPr>
-          <p:cNvPr id="3" name="Content Placeholder 2">
-            <a:extLst>
-              <a:ext uri="{FF2B5EF4-FFF2-40B4-BE49-F238E27FC236}">
-                <a16:creationId xmlns:a16="http://schemas.microsoft.com/office/drawing/2014/main" id="{9C24DE76-452E-4630-848A-456BE5DAE780}"/>
-              </a:ext>
-            </a:extLst>
-          </p:cNvPr>
-          <p:cNvSpPr>
-            <a:spLocks noGrp="1"/>
-          </p:cNvSpPr>
-          <p:nvPr>
-            <p:ph idx="1"/>
-          </p:nvPr>
-        </p:nvSpPr>
-        <p:spPr/>
-        <p:txBody>
-          <a:bodyPr>
-            <a:normAutofit/>
-          </a:bodyPr>
-          <a:lstStyle/>
-          <a:p>
-            <a:r>
-              <a:rPr lang="en-US" dirty="0"/>
-              <a:t>Please try to watch the slide presentations and live demos as they occur.  We will give time and breaks for experimenting on your own. </a:t>
-            </a:r>
-          </a:p>
-          <a:p>
-            <a:r>
-              <a:rPr lang="en-US" dirty="0"/>
-              <a:t>There will be some question prompts we’d like you to answer during the presentations.</a:t>
-            </a:r>
-          </a:p>
-          <a:p>
-            <a:r>
-              <a:rPr lang="en-US" dirty="0"/>
-              <a:t>We’ll answer questions when we hit logical pauses or the end of the slides.</a:t>
-            </a:r>
-          </a:p>
-        </p:txBody>
-      </p:sp>
-    </p:spTree>
-    <p:extLst>
-      <p:ext uri="{BB962C8B-B14F-4D97-AF65-F5344CB8AC3E}">
-        <p14:creationId xmlns:p14="http://schemas.microsoft.com/office/powerpoint/2010/main" val="3060144937"/>
-      </p:ext>
-    </p:extLst>
-  </p:cSld>
-  <p:clrMapOvr>
-    <a:masterClrMapping/>
-  </p:clrMapOvr>
-</p:sld>
-</file>
-
-<file path=ppt/slides/slide4.xml><?xml version="1.0" encoding="utf-8"?>
-<p:sld xmlns:a="http://schemas.openxmlformats.org/drawingml/2006/main" xmlns:r="http://schemas.openxmlformats.org/officeDocument/2006/relationships" xmlns:p="http://schemas.openxmlformats.org/presentationml/2006/main" show="0">
-  <p:cSld>
-    <p:spTree>
-      <p:nvGrpSpPr>
-        <p:cNvPr id="1" name=""/>
-        <p:cNvGrpSpPr/>
-        <p:nvPr/>
-      </p:nvGrpSpPr>
-      <p:grpSpPr>
-        <a:xfrm>
-          <a:off x="0" y="0"/>
-          <a:ext cx="0" cy="0"/>
-          <a:chOff x="0" y="0"/>
-          <a:chExt cx="0" cy="0"/>
-        </a:xfrm>
-      </p:grpSpPr>
-      <p:sp>
-        <p:nvSpPr>
-          <p:cNvPr id="4" name="Title 3">
-            <a:extLst>
-              <a:ext uri="{FF2B5EF4-FFF2-40B4-BE49-F238E27FC236}">
-                <a16:creationId xmlns:a16="http://schemas.microsoft.com/office/drawing/2014/main" id="{57A12A10-EEED-4E90-BBE4-4313EA7A6D19}"/>
-              </a:ext>
-            </a:extLst>
-          </p:cNvPr>
-          <p:cNvSpPr>
-            <a:spLocks noGrp="1"/>
-          </p:cNvSpPr>
-          <p:nvPr>
-            <p:ph type="title"/>
-          </p:nvPr>
-        </p:nvSpPr>
-        <p:spPr/>
-        <p:txBody>
-          <a:bodyPr/>
-          <a:lstStyle/>
-          <a:p>
-            <a:r>
-              <a:rPr lang="en-US" dirty="0"/>
-              <a:t>Overview</a:t>
-            </a:r>
-          </a:p>
-        </p:txBody>
-      </p:sp>
-      <p:sp>
-        <p:nvSpPr>
-          <p:cNvPr id="5" name="Content Placeholder 4">
-            <a:extLst>
-              <a:ext uri="{FF2B5EF4-FFF2-40B4-BE49-F238E27FC236}">
-                <a16:creationId xmlns:a16="http://schemas.microsoft.com/office/drawing/2014/main" id="{0C53461B-C042-41DF-BA80-1E4EE56C3A02}"/>
-              </a:ext>
-            </a:extLst>
-          </p:cNvPr>
-          <p:cNvSpPr>
-            <a:spLocks noGrp="1"/>
-          </p:cNvSpPr>
-          <p:nvPr>
-            <p:ph idx="1"/>
-          </p:nvPr>
-        </p:nvSpPr>
-        <p:spPr/>
-        <p:txBody>
-          <a:bodyPr/>
-          <a:lstStyle/>
-          <a:p>
-            <a:r>
-              <a:rPr lang="en-US" dirty="0"/>
-              <a:t>STRIDES and Cloud Introduction</a:t>
-            </a:r>
-          </a:p>
-          <a:p>
-            <a:r>
-              <a:rPr lang="en-US" dirty="0" err="1"/>
-              <a:t>BigQuery</a:t>
-            </a:r>
-            <a:endParaRPr lang="en-US" dirty="0"/>
-          </a:p>
-          <a:p>
-            <a:r>
-              <a:rPr lang="en-US" dirty="0"/>
-              <a:t>Examples using </a:t>
-            </a:r>
-            <a:r>
-              <a:rPr lang="en-US" dirty="0" err="1"/>
-              <a:t>Jupyter</a:t>
-            </a:r>
-            <a:r>
-              <a:rPr lang="en-US" dirty="0"/>
-              <a:t> Notebook</a:t>
-            </a:r>
-          </a:p>
-          <a:p>
-            <a:r>
-              <a:rPr lang="en-US" dirty="0"/>
-              <a:t>Arrays and why they are important</a:t>
-            </a:r>
-          </a:p>
-        </p:txBody>
-      </p:sp>
-    </p:spTree>
-    <p:extLst>
-      <p:ext uri="{BB962C8B-B14F-4D97-AF65-F5344CB8AC3E}">
-        <p14:creationId xmlns:p14="http://schemas.microsoft.com/office/powerpoint/2010/main" val="819888708"/>
+        <p14:creationId xmlns:p14="http://schemas.microsoft.com/office/powerpoint/2010/main" val="2935120880"/>
       </p:ext>
     </p:extLst>
   </p:cSld>
@@ -6780,10 +5377,10 @@
       </p:grpSpPr>
       <p:sp>
         <p:nvSpPr>
-          <p:cNvPr id="2" name="Title 1">
+          <p:cNvPr id="4" name="Title 3">
             <a:extLst>
               <a:ext uri="{FF2B5EF4-FFF2-40B4-BE49-F238E27FC236}">
-                <a16:creationId xmlns:a16="http://schemas.microsoft.com/office/drawing/2014/main" id="{B779252C-A87D-4F50-8401-5C14415F1040}"/>
+                <a16:creationId xmlns:a16="http://schemas.microsoft.com/office/drawing/2014/main" id="{85F8A28A-E037-45D4-9B04-0FA41B2A80D7}"/>
               </a:ext>
             </a:extLst>
           </p:cNvPr>
@@ -6796,24 +5393,23 @@
         </p:nvSpPr>
         <p:spPr/>
         <p:txBody>
-          <a:bodyPr>
-            <a:normAutofit/>
-          </a:bodyPr>
+          <a:bodyPr/>
           <a:lstStyle/>
           <a:p>
             <a:r>
-              <a:rPr lang="en-US" dirty="0"/>
-              <a:t>Yes/No Question</a:t>
-            </a:r>
-          </a:p>
-        </p:txBody>
-      </p:sp>
-      <p:sp>
-        <p:nvSpPr>
-          <p:cNvPr id="3" name="Text Placeholder 2">
+              <a:rPr lang="en-US"/>
+              <a:t>What is BigQuery?</a:t>
+            </a:r>
+            <a:endParaRPr lang="en-US" dirty="0"/>
+          </a:p>
+        </p:txBody>
+      </p:sp>
+      <p:sp>
+        <p:nvSpPr>
+          <p:cNvPr id="6" name="Text Placeholder 5">
             <a:extLst>
               <a:ext uri="{FF2B5EF4-FFF2-40B4-BE49-F238E27FC236}">
-                <a16:creationId xmlns:a16="http://schemas.microsoft.com/office/drawing/2014/main" id="{E67820A5-6E26-488B-82FF-A2D6D0E10642}"/>
+                <a16:creationId xmlns:a16="http://schemas.microsoft.com/office/drawing/2014/main" id="{757F47A7-6DC1-410E-B7DB-9614E31B43DF}"/>
               </a:ext>
             </a:extLst>
           </p:cNvPr>
@@ -6821,25 +5417,158 @@
             <a:spLocks noGrp="1"/>
           </p:cNvSpPr>
           <p:nvPr>
-            <p:ph type="body" sz="quarter" idx="10"/>
-          </p:nvPr>
-        </p:nvSpPr>
-        <p:spPr/>
-        <p:txBody>
-          <a:bodyPr/>
+            <p:ph idx="1"/>
+          </p:nvPr>
+        </p:nvSpPr>
+        <p:spPr>
+          <a:xfrm>
+            <a:off x="838200" y="1825625"/>
+            <a:ext cx="5257800" cy="3858895"/>
+          </a:xfrm>
+        </p:spPr>
+        <p:txBody>
+          <a:bodyPr>
+            <a:normAutofit fontScale="92500" lnSpcReduction="10000"/>
+          </a:bodyPr>
           <a:lstStyle/>
           <a:p>
-            <a:r>
-              <a:rPr lang="en-US" dirty="0"/>
-              <a:t>I have used a cloud platform like AWS or GCP in the past?</a:t>
-            </a:r>
-          </a:p>
-        </p:txBody>
-      </p:sp>
+            <a:pPr marL="0" indent="0">
+              <a:buNone/>
+            </a:pPr>
+            <a:r>
+              <a:rPr lang="en-US"/>
+              <a:t>BigQuery is the Google Cloud Data Warehouse product.  </a:t>
+            </a:r>
+          </a:p>
+          <a:p>
+            <a:pPr marL="0" indent="0">
+              <a:buNone/>
+            </a:pPr>
+            <a:r>
+              <a:rPr lang="en-US"/>
+              <a:t>SRA maintains a copy of submission metadata in BigQuery.</a:t>
+            </a:r>
+          </a:p>
+          <a:p>
+            <a:pPr marL="0" indent="0">
+              <a:buNone/>
+            </a:pPr>
+            <a:r>
+              <a:rPr lang="en-US"/>
+              <a:t>This allows SQL queries to search the metadata in ways that are hard or impossible with the NCBI Entrez search engine.</a:t>
+            </a:r>
+          </a:p>
+          <a:p>
+            <a:pPr marL="0" indent="0">
+              <a:buNone/>
+            </a:pPr>
+            <a:r>
+              <a:rPr lang="en-US">
+                <a:hlinkClick r:id="rId2"/>
+              </a:rPr>
+              <a:t>https://cloud.google.com/bigquery/docs/how-to</a:t>
+            </a:r>
+            <a:endParaRPr lang="en-US"/>
+          </a:p>
+          <a:p>
+            <a:endParaRPr lang="en-US" dirty="0"/>
+          </a:p>
+        </p:txBody>
+      </p:sp>
+      <p:pic>
+        <p:nvPicPr>
+          <p:cNvPr id="13" name="Picture 12" descr="Icon&#10;&#10;Description automatically generated">
+            <a:extLst>
+              <a:ext uri="{FF2B5EF4-FFF2-40B4-BE49-F238E27FC236}">
+                <a16:creationId xmlns:a16="http://schemas.microsoft.com/office/drawing/2014/main" id="{0263E088-2D8A-4654-B6B8-439DF4E6FA9A}"/>
+              </a:ext>
+            </a:extLst>
+          </p:cNvPr>
+          <p:cNvPicPr>
+            <a:picLocks noChangeAspect="1"/>
+          </p:cNvPicPr>
+          <p:nvPr/>
+        </p:nvPicPr>
+        <p:blipFill>
+          <a:blip r:embed="rId3"/>
+          <a:stretch>
+            <a:fillRect/>
+          </a:stretch>
+        </p:blipFill>
+        <p:spPr>
+          <a:xfrm>
+            <a:off x="8834351" y="1006172"/>
+            <a:ext cx="1905000" cy="1905000"/>
+          </a:xfrm>
+          <a:prstGeom prst="rect">
+            <a:avLst/>
+          </a:prstGeom>
+        </p:spPr>
+      </p:pic>
+      <p:pic>
+        <p:nvPicPr>
+          <p:cNvPr id="17" name="Picture 16" descr="Logo, icon&#10;&#10;Description automatically generated">
+            <a:extLst>
+              <a:ext uri="{FF2B5EF4-FFF2-40B4-BE49-F238E27FC236}">
+                <a16:creationId xmlns:a16="http://schemas.microsoft.com/office/drawing/2014/main" id="{00742EA7-9BE5-4907-8C25-F960FADD3FB9}"/>
+              </a:ext>
+            </a:extLst>
+          </p:cNvPr>
+          <p:cNvPicPr>
+            <a:picLocks noChangeAspect="1"/>
+          </p:cNvPicPr>
+          <p:nvPr/>
+        </p:nvPicPr>
+        <p:blipFill>
+          <a:blip r:embed="rId4"/>
+          <a:stretch>
+            <a:fillRect/>
+          </a:stretch>
+        </p:blipFill>
+        <p:spPr>
+          <a:xfrm>
+            <a:off x="5572645" y="610521"/>
+            <a:ext cx="4382193" cy="2300651"/>
+          </a:xfrm>
+          <a:prstGeom prst="rect">
+            <a:avLst/>
+          </a:prstGeom>
+        </p:spPr>
+      </p:pic>
+      <p:pic>
+        <p:nvPicPr>
+          <p:cNvPr id="19" name="Picture 18">
+            <a:extLst>
+              <a:ext uri="{FF2B5EF4-FFF2-40B4-BE49-F238E27FC236}">
+                <a16:creationId xmlns:a16="http://schemas.microsoft.com/office/drawing/2014/main" id="{118CC08A-CEF0-4784-8822-CF8D8DAE1E75}"/>
+              </a:ext>
+            </a:extLst>
+          </p:cNvPr>
+          <p:cNvPicPr>
+            <a:picLocks noChangeAspect="1"/>
+          </p:cNvPicPr>
+          <p:nvPr/>
+        </p:nvPicPr>
+        <p:blipFill>
+          <a:blip r:embed="rId5"/>
+          <a:stretch>
+            <a:fillRect/>
+          </a:stretch>
+        </p:blipFill>
+        <p:spPr>
+          <a:xfrm>
+            <a:off x="7110326" y="3244388"/>
+            <a:ext cx="2676525" cy="2247900"/>
+          </a:xfrm>
+          <a:prstGeom prst="rect">
+            <a:avLst/>
+          </a:prstGeom>
+        </p:spPr>
+      </p:pic>
     </p:spTree>
     <p:extLst>
       <p:ext uri="{BB962C8B-B14F-4D97-AF65-F5344CB8AC3E}">
-        <p14:creationId xmlns:p14="http://schemas.microsoft.com/office/powerpoint/2010/main" val="730357622"/>
+        <p14:creationId xmlns:p14="http://schemas.microsoft.com/office/powerpoint/2010/main" val="3469568745"/>
       </p:ext>
     </p:extLst>
   </p:cSld>
@@ -6871,7 +5600,7 @@
           <p:cNvPr id="2" name="Title 1">
             <a:extLst>
               <a:ext uri="{FF2B5EF4-FFF2-40B4-BE49-F238E27FC236}">
-                <a16:creationId xmlns:a16="http://schemas.microsoft.com/office/drawing/2014/main" id="{97CA2036-EB55-4BE4-95D8-65315829EC4C}"/>
+                <a16:creationId xmlns:a16="http://schemas.microsoft.com/office/drawing/2014/main" id="{A8D2EB25-2394-41DE-9169-76A6435AC990}"/>
               </a:ext>
             </a:extLst>
           </p:cNvPr>
@@ -6884,22 +5613,24 @@
         </p:nvSpPr>
         <p:spPr/>
         <p:txBody>
-          <a:bodyPr/>
+          <a:bodyPr>
+            <a:normAutofit/>
+          </a:bodyPr>
           <a:lstStyle/>
           <a:p>
             <a:r>
               <a:rPr lang="en-US" dirty="0"/>
-              <a:t>Why do I want to use the cloud?</a:t>
-            </a:r>
-          </a:p>
-        </p:txBody>
-      </p:sp>
-      <p:sp>
-        <p:nvSpPr>
-          <p:cNvPr id="3" name="Content Placeholder 2">
+              <a:t>Yes/No Question</a:t>
+            </a:r>
+          </a:p>
+        </p:txBody>
+      </p:sp>
+      <p:sp>
+        <p:nvSpPr>
+          <p:cNvPr id="3" name="Subtitle 2">
             <a:extLst>
               <a:ext uri="{FF2B5EF4-FFF2-40B4-BE49-F238E27FC236}">
-                <a16:creationId xmlns:a16="http://schemas.microsoft.com/office/drawing/2014/main" id="{B30181B5-95C7-4CAF-BB33-30AE82E5ECF6}"/>
+                <a16:creationId xmlns:a16="http://schemas.microsoft.com/office/drawing/2014/main" id="{BE42D68A-C7A5-4FB6-9E44-F12822EC7D43}"/>
               </a:ext>
             </a:extLst>
           </p:cNvPr>
@@ -6907,48 +5638,25 @@
             <a:spLocks noGrp="1"/>
           </p:cNvSpPr>
           <p:nvPr>
-            <p:ph idx="1"/>
+            <p:ph type="body" sz="quarter" idx="10"/>
           </p:nvPr>
         </p:nvSpPr>
         <p:spPr/>
         <p:txBody>
-          <a:bodyPr>
-            <a:normAutofit lnSpcReduction="10000"/>
-          </a:bodyPr>
+          <a:bodyPr/>
           <a:lstStyle/>
           <a:p>
             <a:r>
               <a:rPr lang="en-US" dirty="0"/>
-              <a:t>Speed – High Performance Computing (HPC) resources may not be available to you normally or access may be limited.</a:t>
-            </a:r>
-          </a:p>
-          <a:p>
-            <a:r>
-              <a:rPr lang="en-US" dirty="0"/>
-              <a:t>Cost – Buying and supporting computing and storage resources can be costly and time consuming.</a:t>
-            </a:r>
-          </a:p>
-          <a:p>
-            <a:r>
-              <a:rPr lang="en-US" dirty="0"/>
-              <a:t>Features – New features and opportunities for automation are available using the cloud providers.</a:t>
-            </a:r>
-          </a:p>
-          <a:p>
-            <a:r>
-              <a:rPr lang="en-US" dirty="0"/>
-              <a:t>Gap Filling – You can keep using all the existing on-site resources while using cloud resources to test or for short term needs.</a:t>
-            </a:r>
-          </a:p>
-          <a:p>
-            <a:endParaRPr lang="en-US" dirty="0"/>
+              <a:t>I feel comfortable writing basic queries in SQL.</a:t>
+            </a:r>
           </a:p>
         </p:txBody>
       </p:sp>
     </p:spTree>
     <p:extLst>
       <p:ext uri="{BB962C8B-B14F-4D97-AF65-F5344CB8AC3E}">
-        <p14:creationId xmlns:p14="http://schemas.microsoft.com/office/powerpoint/2010/main" val="1518787323"/>
+        <p14:creationId xmlns:p14="http://schemas.microsoft.com/office/powerpoint/2010/main" val="3226148419"/>
       </p:ext>
     </p:extLst>
   </p:cSld>
@@ -6980,7 +5688,7 @@
           <p:cNvPr id="2" name="Title 1">
             <a:extLst>
               <a:ext uri="{FF2B5EF4-FFF2-40B4-BE49-F238E27FC236}">
-                <a16:creationId xmlns:a16="http://schemas.microsoft.com/office/drawing/2014/main" id="{8CE57AA9-40A4-4E2E-9E58-B5FF5743F864}"/>
+                <a16:creationId xmlns:a16="http://schemas.microsoft.com/office/drawing/2014/main" id="{B5B2A198-7E6D-444C-A68F-77601E38C63F}"/>
               </a:ext>
             </a:extLst>
           </p:cNvPr>
@@ -6998,17 +5706,17 @@
           <a:p>
             <a:r>
               <a:rPr lang="en-US" dirty="0"/>
-              <a:t>STRIDES</a:t>
-            </a:r>
-          </a:p>
-        </p:txBody>
-      </p:sp>
-      <p:sp>
-        <p:nvSpPr>
-          <p:cNvPr id="3" name="Content Placeholder 2">
+              <a:t>What is a Database?</a:t>
+            </a:r>
+          </a:p>
+        </p:txBody>
+      </p:sp>
+      <p:sp>
+        <p:nvSpPr>
+          <p:cNvPr id="4" name="Text Placeholder 3">
             <a:extLst>
               <a:ext uri="{FF2B5EF4-FFF2-40B4-BE49-F238E27FC236}">
-                <a16:creationId xmlns:a16="http://schemas.microsoft.com/office/drawing/2014/main" id="{B40BAB35-7A96-4ACF-9B0F-A221D7A618B5}"/>
+                <a16:creationId xmlns:a16="http://schemas.microsoft.com/office/drawing/2014/main" id="{22E5585D-5187-490B-8E0C-62016887B5DC}"/>
               </a:ext>
             </a:extLst>
           </p:cNvPr>
@@ -7019,7 +5727,12 @@
             <p:ph idx="1"/>
           </p:nvPr>
         </p:nvSpPr>
-        <p:spPr/>
+        <p:spPr>
+          <a:xfrm>
+            <a:off x="655320" y="1825625"/>
+            <a:ext cx="5257800" cy="3858895"/>
+          </a:xfrm>
+        </p:spPr>
         <p:txBody>
           <a:bodyPr>
             <a:normAutofit/>
@@ -7031,7 +5744,7 @@
             </a:pPr>
             <a:r>
               <a:rPr lang="en-US" dirty="0"/>
-              <a:t>The NIH STRIDES Initiative is a partnership with commercial cloud providers to make accessing compute and storage resources easier for biomedical researchers.</a:t>
+              <a:t>A database is a structured way to store information electronically.</a:t>
             </a:r>
           </a:p>
           <a:p>
@@ -7040,7 +5753,7 @@
             </a:pPr>
             <a:r>
               <a:rPr lang="en-US" dirty="0"/>
-              <a:t>Any NIH Institute, Center or Office (ICO) or NIH-funded researcher is eligible to take part in the STRIDES Initiative.</a:t>
+              <a:t>There are many forms of database they commonly have tables, columns, and records.</a:t>
             </a:r>
           </a:p>
           <a:p>
@@ -7049,28 +5762,51 @@
             </a:pPr>
             <a:r>
               <a:rPr lang="en-US" dirty="0"/>
-              <a:t>Researchers with NIH grants or at institutions with NIH funding may want to check the STRIDES website to learn if they are eligible for discounts or credits for one of the cloud providers. </a:t>
-            </a:r>
-            <a:r>
-              <a:rPr lang="en-US" dirty="0">
-                <a:hlinkClick r:id="rId2"/>
-              </a:rPr>
-              <a:t>https://cloud.nih.gov</a:t>
-            </a:r>
-            <a:endParaRPr lang="en-US" dirty="0"/>
-          </a:p>
-          <a:p>
-            <a:pPr marL="0" indent="0">
-              <a:buNone/>
-            </a:pPr>
-            <a:endParaRPr lang="en-US" dirty="0"/>
-          </a:p>
-        </p:txBody>
-      </p:sp>
+              <a:t>Databases are similar to a spreadsheet with more features. </a:t>
+            </a:r>
+          </a:p>
+        </p:txBody>
+      </p:sp>
+      <p:pic>
+        <p:nvPicPr>
+          <p:cNvPr id="6" name="Graphic 5">
+            <a:extLst>
+              <a:ext uri="{FF2B5EF4-FFF2-40B4-BE49-F238E27FC236}">
+                <a16:creationId xmlns:a16="http://schemas.microsoft.com/office/drawing/2014/main" id="{5AA2455F-22B7-4FE6-A9F5-3118FAC99388}"/>
+              </a:ext>
+            </a:extLst>
+          </p:cNvPr>
+          <p:cNvPicPr>
+            <a:picLocks noChangeAspect="1"/>
+          </p:cNvPicPr>
+          <p:nvPr/>
+        </p:nvPicPr>
+        <p:blipFill>
+          <a:blip r:embed="rId2">
+            <a:extLst>
+              <a:ext uri="{96DAC541-7B7A-43D3-8B79-37D633B846F1}">
+                <asvg:svgBlip xmlns:asvg="http://schemas.microsoft.com/office/drawing/2016/SVG/main" r:embed="rId3"/>
+              </a:ext>
+            </a:extLst>
+          </a:blip>
+          <a:stretch>
+            <a:fillRect/>
+          </a:stretch>
+        </p:blipFill>
+        <p:spPr>
+          <a:xfrm>
+            <a:off x="5329400" y="465513"/>
+            <a:ext cx="6796098" cy="4418561"/>
+          </a:xfrm>
+          <a:prstGeom prst="rect">
+            <a:avLst/>
+          </a:prstGeom>
+        </p:spPr>
+      </p:pic>
     </p:spTree>
     <p:extLst>
       <p:ext uri="{BB962C8B-B14F-4D97-AF65-F5344CB8AC3E}">
-        <p14:creationId xmlns:p14="http://schemas.microsoft.com/office/powerpoint/2010/main" val="2935120880"/>
+        <p14:creationId xmlns:p14="http://schemas.microsoft.com/office/powerpoint/2010/main" val="1744658734"/>
       </p:ext>
     </p:extLst>
   </p:cSld>
@@ -7099,10 +5835,10 @@
       </p:grpSpPr>
       <p:sp>
         <p:nvSpPr>
-          <p:cNvPr id="4" name="Title 3">
+          <p:cNvPr id="2" name="Title 1">
             <a:extLst>
               <a:ext uri="{FF2B5EF4-FFF2-40B4-BE49-F238E27FC236}">
-                <a16:creationId xmlns:a16="http://schemas.microsoft.com/office/drawing/2014/main" id="{85F8A28A-E037-45D4-9B04-0FA41B2A80D7}"/>
+                <a16:creationId xmlns:a16="http://schemas.microsoft.com/office/drawing/2014/main" id="{F98F8C80-A7E3-476E-8930-90035AB66BBB}"/>
               </a:ext>
             </a:extLst>
           </p:cNvPr>
@@ -7120,25 +5856,17 @@
           <a:p>
             <a:r>
               <a:rPr lang="en-US" dirty="0"/>
-              <a:t>What is </a:t>
-            </a:r>
-            <a:r>
-              <a:rPr lang="en-US" dirty="0" err="1"/>
-              <a:t>BigQuery</a:t>
-            </a:r>
-            <a:r>
-              <a:rPr lang="en-US" dirty="0"/>
-              <a:t>?</a:t>
-            </a:r>
-          </a:p>
-        </p:txBody>
-      </p:sp>
-      <p:sp>
-        <p:nvSpPr>
-          <p:cNvPr id="6" name="Text Placeholder 5">
+              <a:t>Simple SQL Queries</a:t>
+            </a:r>
+          </a:p>
+        </p:txBody>
+      </p:sp>
+      <p:sp>
+        <p:nvSpPr>
+          <p:cNvPr id="4" name="Text Placeholder 3">
             <a:extLst>
               <a:ext uri="{FF2B5EF4-FFF2-40B4-BE49-F238E27FC236}">
-                <a16:creationId xmlns:a16="http://schemas.microsoft.com/office/drawing/2014/main" id="{757F47A7-6DC1-410E-B7DB-9614E31B43DF}"/>
+                <a16:creationId xmlns:a16="http://schemas.microsoft.com/office/drawing/2014/main" id="{187D5DA7-A995-48FF-91C3-C5BECB4A3DC6}"/>
               </a:ext>
             </a:extLst>
           </p:cNvPr>
@@ -7149,15 +5877,10 @@
             <p:ph idx="1"/>
           </p:nvPr>
         </p:nvSpPr>
-        <p:spPr>
-          <a:xfrm>
-            <a:off x="838200" y="1825625"/>
-            <a:ext cx="5257800" cy="3858895"/>
-          </a:xfrm>
-        </p:spPr>
+        <p:spPr/>
         <p:txBody>
           <a:bodyPr>
-            <a:normAutofit fontScale="77500" lnSpcReduction="20000"/>
+            <a:normAutofit lnSpcReduction="10000"/>
           </a:bodyPr>
           <a:lstStyle/>
           <a:p>
@@ -7165,12 +5888,8 @@
               <a:buNone/>
             </a:pPr>
             <a:r>
-              <a:rPr lang="en-US" dirty="0" err="1"/>
-              <a:t>BigQuery</a:t>
-            </a:r>
-            <a:r>
-              <a:rPr lang="en-US" dirty="0"/>
-              <a:t> is the Google Cloud Data Warehouse product.  </a:t>
+              <a:rPr lang="en-US" dirty="0"/>
+              <a:t>A very basic overview of SQL queries.</a:t>
             </a:r>
           </a:p>
           <a:p>
@@ -7179,7 +5898,7 @@
             </a:pPr>
             <a:r>
               <a:rPr lang="en-US" dirty="0"/>
-              <a:t>It supports features like queries, access control, and data management.</a:t>
+              <a:t>SELECT – command to extract data from a table.</a:t>
             </a:r>
           </a:p>
           <a:p>
@@ -7188,15 +5907,7 @@
             </a:pPr>
             <a:r>
               <a:rPr lang="en-US" dirty="0"/>
-              <a:t>The Sequence Read Archive (SRA) maintains a copy of submissions metadata in </a:t>
-            </a:r>
-            <a:r>
-              <a:rPr lang="en-US" dirty="0" err="1"/>
-              <a:t>BigQuery</a:t>
-            </a:r>
-            <a:r>
-              <a:rPr lang="en-US" dirty="0"/>
-              <a:t>.</a:t>
+              <a:t>FROM – specify which tables to extract data from</a:t>
             </a:r>
           </a:p>
           <a:p>
@@ -7205,8 +5916,23 @@
             </a:pPr>
             <a:r>
               <a:rPr lang="en-US" dirty="0"/>
-              <a:t>This allows SQL queries to search the metadata in ways that are hard or impossible with the NCBI Entrez search engine.</a:t>
-            </a:r>
+              <a:t>WHERE – filters the data</a:t>
+            </a:r>
+          </a:p>
+          <a:p>
+            <a:pPr marL="0" indent="0">
+              <a:buNone/>
+            </a:pPr>
+            <a:r>
+              <a:rPr lang="en-US" dirty="0"/>
+              <a:t>ORDER BY – order the results by specified column(s)</a:t>
+            </a:r>
+          </a:p>
+          <a:p>
+            <a:pPr marL="0" indent="0">
+              <a:buNone/>
+            </a:pPr>
+            <a:endParaRPr lang="en-US" dirty="0"/>
           </a:p>
           <a:p>
             <a:pPr marL="0" indent="0">
@@ -7216,49 +5942,22 @@
               <a:rPr lang="en-US" dirty="0">
                 <a:hlinkClick r:id="rId2"/>
               </a:rPr>
-              <a:t>https://cloud.google.com/bigquery/docs/how-to</a:t>
+              <a:t>https://cloud.google.com/bigquery/docs/reference/standard-sql/query-syntax</a:t>
             </a:r>
             <a:endParaRPr lang="en-US" dirty="0"/>
           </a:p>
           <a:p>
+            <a:pPr marL="0" indent="0">
+              <a:buNone/>
+            </a:pPr>
             <a:endParaRPr lang="en-US" dirty="0"/>
           </a:p>
         </p:txBody>
       </p:sp>
-      <p:pic>
-        <p:nvPicPr>
-          <p:cNvPr id="8" name="Picture 7" descr="The BigQuery console page.">
-            <a:extLst>
-              <a:ext uri="{FF2B5EF4-FFF2-40B4-BE49-F238E27FC236}">
-                <a16:creationId xmlns:a16="http://schemas.microsoft.com/office/drawing/2014/main" id="{6300E1CD-967E-45D7-933A-B2A6A726BF4D}"/>
-              </a:ext>
-            </a:extLst>
-          </p:cNvPr>
-          <p:cNvPicPr>
-            <a:picLocks noChangeAspect="1"/>
-          </p:cNvPicPr>
-          <p:nvPr/>
-        </p:nvPicPr>
-        <p:blipFill>
-          <a:blip r:embed="rId3"/>
-          <a:stretch>
-            <a:fillRect/>
-          </a:stretch>
-        </p:blipFill>
-        <p:spPr>
-          <a:xfrm>
-            <a:off x="6096000" y="1993106"/>
-            <a:ext cx="5862585" cy="2871787"/>
-          </a:xfrm>
-          <a:prstGeom prst="rect">
-            <a:avLst/>
-          </a:prstGeom>
-        </p:spPr>
-      </p:pic>
     </p:spTree>
     <p:extLst>
       <p:ext uri="{BB962C8B-B14F-4D97-AF65-F5344CB8AC3E}">
-        <p14:creationId xmlns:p14="http://schemas.microsoft.com/office/powerpoint/2010/main" val="3469568745"/>
+        <p14:creationId xmlns:p14="http://schemas.microsoft.com/office/powerpoint/2010/main" val="2216777302"/>
       </p:ext>
     </p:extLst>
   </p:cSld>
@@ -7290,7 +5989,7 @@
           <p:cNvPr id="2" name="Title 1">
             <a:extLst>
               <a:ext uri="{FF2B5EF4-FFF2-40B4-BE49-F238E27FC236}">
-                <a16:creationId xmlns:a16="http://schemas.microsoft.com/office/drawing/2014/main" id="{B5B2A198-7E6D-444C-A68F-77601E38C63F}"/>
+                <a16:creationId xmlns:a16="http://schemas.microsoft.com/office/drawing/2014/main" id="{A6983692-CD55-45B6-94BB-639C7C923640}"/>
               </a:ext>
             </a:extLst>
           </p:cNvPr>
@@ -7308,7 +6007,7 @@
           <a:p>
             <a:r>
               <a:rPr lang="en-US" dirty="0"/>
-              <a:t>Intro to </a:t>
+              <a:t>Searching in </a:t>
             </a:r>
             <a:r>
               <a:rPr lang="en-US" dirty="0" err="1"/>
@@ -7323,7 +6022,7 @@
           <p:cNvPr id="4" name="Text Placeholder 3">
             <a:extLst>
               <a:ext uri="{FF2B5EF4-FFF2-40B4-BE49-F238E27FC236}">
-                <a16:creationId xmlns:a16="http://schemas.microsoft.com/office/drawing/2014/main" id="{22E5585D-5187-490B-8E0C-62016887B5DC}"/>
+                <a16:creationId xmlns:a16="http://schemas.microsoft.com/office/drawing/2014/main" id="{C3BEA01D-03A2-47AF-AAEC-EE452CA29AFC}"/>
               </a:ext>
             </a:extLst>
           </p:cNvPr>
@@ -7337,12 +6036,12 @@
         <p:spPr>
           <a:xfrm>
             <a:off x="838200" y="1825625"/>
-            <a:ext cx="5257800" cy="3858895"/>
+            <a:ext cx="3933825" cy="3858895"/>
           </a:xfrm>
         </p:spPr>
         <p:txBody>
           <a:bodyPr>
-            <a:normAutofit/>
+            <a:normAutofit fontScale="92500" lnSpcReduction="10000"/>
           </a:bodyPr>
           <a:lstStyle/>
           <a:p>
@@ -7351,15 +6050,24 @@
             </a:pPr>
             <a:r>
               <a:rPr lang="en-US" dirty="0"/>
-              <a:t>You can use the ‘</a:t>
+              <a:t>Here is an example search for the SRA Data.</a:t>
+            </a:r>
+          </a:p>
+          <a:p>
+            <a:pPr marL="0" indent="0">
+              <a:buNone/>
+            </a:pPr>
+            <a:r>
+              <a:rPr lang="en-US" dirty="0"/>
+              <a:t>This query will search in the metadata table that is part of the SRA dataset contained in the </a:t>
             </a:r>
             <a:r>
               <a:rPr lang="en-US" dirty="0" err="1"/>
-              <a:t>bq</a:t>
-            </a:r>
-            <a:r>
-              <a:rPr lang="en-US" dirty="0"/>
-              <a:t>’ client from Google in a virtual machine or the GCP console in a web browser.</a:t>
+              <a:t>nih</a:t>
+            </a:r>
+            <a:r>
+              <a:rPr lang="en-US" dirty="0"/>
+              <a:t>-sra-datastore project.</a:t>
             </a:r>
           </a:p>
           <a:p>
@@ -7368,33 +6076,17 @@
             </a:pPr>
             <a:r>
               <a:rPr lang="en-US" dirty="0"/>
-              <a:t>Today we will be using </a:t>
-            </a:r>
-            <a:r>
-              <a:rPr lang="en-US" dirty="0" err="1"/>
-              <a:t>JupyterNotebooks</a:t>
-            </a:r>
-            <a:r>
-              <a:rPr lang="en-US" dirty="0"/>
-              <a:t> to make demonstration easier. The queries will be using the </a:t>
-            </a:r>
-            <a:r>
-              <a:rPr lang="en-US" dirty="0" err="1"/>
-              <a:t>bq</a:t>
-            </a:r>
-            <a:r>
-              <a:rPr lang="en-US" dirty="0"/>
-              <a:t> client.</a:t>
+              <a:t>The query will look for all (Select *) records with ‘Homo sapiens’ in the organism column.</a:t>
             </a:r>
           </a:p>
         </p:txBody>
       </p:sp>
       <p:pic>
         <p:nvPicPr>
-          <p:cNvPr id="5" name="Picture 4" descr="Th BigQuery console page.">
+          <p:cNvPr id="8" name="Picture 7">
             <a:extLst>
               <a:ext uri="{FF2B5EF4-FFF2-40B4-BE49-F238E27FC236}">
-                <a16:creationId xmlns:a16="http://schemas.microsoft.com/office/drawing/2014/main" id="{16345C37-4C67-452C-AD12-4BA2B384C8FB}"/>
+                <a16:creationId xmlns:a16="http://schemas.microsoft.com/office/drawing/2014/main" id="{D1EA0E17-5926-41D4-AEDA-76632D9C5E52}"/>
               </a:ext>
             </a:extLst>
           </p:cNvPr>
@@ -7411,8 +6103,8 @@
         </p:blipFill>
         <p:spPr>
           <a:xfrm>
-            <a:off x="6096001" y="883286"/>
-            <a:ext cx="4764066" cy="2333678"/>
+            <a:off x="4934864" y="1825625"/>
+            <a:ext cx="6869937" cy="1559295"/>
           </a:xfrm>
           <a:prstGeom prst="rect">
             <a:avLst/>
@@ -7422,7 +6114,7 @@
     </p:spTree>
     <p:extLst>
       <p:ext uri="{BB962C8B-B14F-4D97-AF65-F5344CB8AC3E}">
-        <p14:creationId xmlns:p14="http://schemas.microsoft.com/office/powerpoint/2010/main" val="1744658734"/>
+        <p14:creationId xmlns:p14="http://schemas.microsoft.com/office/powerpoint/2010/main" val="185677247"/>
       </p:ext>
     </p:extLst>
   </p:cSld>

--- a/Interactive_ASHG.pptx
+++ b/Interactive_ASHG.pptx
@@ -5,25 +5,23 @@
     <p:sldMasterId id="2147483648" r:id="rId1"/>
   </p:sldMasterIdLst>
   <p:notesMasterIdLst>
-    <p:notesMasterId r:id="rId18"/>
+    <p:notesMasterId r:id="rId16"/>
   </p:notesMasterIdLst>
   <p:sldIdLst>
     <p:sldId id="260" r:id="rId2"/>
     <p:sldId id="284" r:id="rId3"/>
     <p:sldId id="299" r:id="rId4"/>
-    <p:sldId id="267" r:id="rId5"/>
-    <p:sldId id="257" r:id="rId6"/>
-    <p:sldId id="263" r:id="rId7"/>
-    <p:sldId id="258" r:id="rId8"/>
-    <p:sldId id="261" r:id="rId9"/>
-    <p:sldId id="264" r:id="rId10"/>
-    <p:sldId id="298" r:id="rId11"/>
-    <p:sldId id="293" r:id="rId12"/>
-    <p:sldId id="289" r:id="rId13"/>
-    <p:sldId id="287" r:id="rId14"/>
-    <p:sldId id="294" r:id="rId15"/>
-    <p:sldId id="270" r:id="rId16"/>
-    <p:sldId id="300" r:id="rId17"/>
+    <p:sldId id="257" r:id="rId5"/>
+    <p:sldId id="263" r:id="rId6"/>
+    <p:sldId id="258" r:id="rId7"/>
+    <p:sldId id="261" r:id="rId8"/>
+    <p:sldId id="264" r:id="rId9"/>
+    <p:sldId id="298" r:id="rId10"/>
+    <p:sldId id="293" r:id="rId11"/>
+    <p:sldId id="289" r:id="rId12"/>
+    <p:sldId id="287" r:id="rId13"/>
+    <p:sldId id="294" r:id="rId14"/>
+    <p:sldId id="270" r:id="rId15"/>
   </p:sldIdLst>
   <p:sldSz cx="12192000" cy="6858000"/>
   <p:notesSz cx="6858000" cy="9144000"/>
@@ -3708,209 +3706,6 @@
           <p:cNvPr id="2" name="Title 1">
             <a:extLst>
               <a:ext uri="{FF2B5EF4-FFF2-40B4-BE49-F238E27FC236}">
-                <a16:creationId xmlns:a16="http://schemas.microsoft.com/office/drawing/2014/main" id="{A81BB78B-3FEF-4DE2-8021-D398791CFA76}"/>
-              </a:ext>
-            </a:extLst>
-          </p:cNvPr>
-          <p:cNvSpPr>
-            <a:spLocks noGrp="1"/>
-          </p:cNvSpPr>
-          <p:nvPr>
-            <p:ph type="title"/>
-          </p:nvPr>
-        </p:nvSpPr>
-        <p:spPr/>
-        <p:txBody>
-          <a:bodyPr/>
-          <a:lstStyle/>
-          <a:p>
-            <a:r>
-              <a:rPr lang="en-US" dirty="0"/>
-              <a:t>What Columns are in the Database?</a:t>
-            </a:r>
-          </a:p>
-        </p:txBody>
-      </p:sp>
-      <p:sp>
-        <p:nvSpPr>
-          <p:cNvPr id="3" name="Content Placeholder 2">
-            <a:extLst>
-              <a:ext uri="{FF2B5EF4-FFF2-40B4-BE49-F238E27FC236}">
-                <a16:creationId xmlns:a16="http://schemas.microsoft.com/office/drawing/2014/main" id="{41EA55F5-FDD9-450E-9776-D2CD2D1E5C47}"/>
-              </a:ext>
-            </a:extLst>
-          </p:cNvPr>
-          <p:cNvSpPr>
-            <a:spLocks noGrp="1"/>
-          </p:cNvSpPr>
-          <p:nvPr>
-            <p:ph idx="1"/>
-          </p:nvPr>
-        </p:nvSpPr>
-        <p:spPr>
-          <a:xfrm>
-            <a:off x="838200" y="1825625"/>
-            <a:ext cx="6001011" cy="3532981"/>
-          </a:xfrm>
-        </p:spPr>
-        <p:txBody>
-          <a:bodyPr/>
-          <a:lstStyle/>
-          <a:p>
-            <a:pPr marL="0" indent="0">
-              <a:buNone/>
-            </a:pPr>
-            <a:r>
-              <a:rPr lang="en-US" dirty="0"/>
-              <a:t>The SRA documentation page includes:</a:t>
-            </a:r>
-          </a:p>
-          <a:p>
-            <a:pPr marL="0" indent="0">
-              <a:buNone/>
-            </a:pPr>
-            <a:r>
-              <a:rPr lang="en-US" dirty="0"/>
-              <a:t>	Available Tables List </a:t>
-            </a:r>
-          </a:p>
-          <a:p>
-            <a:pPr marL="0" indent="0">
-              <a:buNone/>
-            </a:pPr>
-            <a:r>
-              <a:rPr lang="en-US" dirty="0"/>
-              <a:t>	Column Descriptions</a:t>
-            </a:r>
-          </a:p>
-          <a:p>
-            <a:pPr marL="0" indent="0">
-              <a:buNone/>
-            </a:pPr>
-            <a:r>
-              <a:rPr lang="en-US" dirty="0"/>
-              <a:t>	Additional Example Queries </a:t>
-            </a:r>
-          </a:p>
-          <a:p>
-            <a:pPr marL="0" indent="0">
-              <a:buNone/>
-            </a:pPr>
-            <a:endParaRPr lang="en-US" dirty="0"/>
-          </a:p>
-        </p:txBody>
-      </p:sp>
-      <p:pic>
-        <p:nvPicPr>
-          <p:cNvPr id="4" name="Content Placeholder 4">
-            <a:extLst>
-              <a:ext uri="{FF2B5EF4-FFF2-40B4-BE49-F238E27FC236}">
-                <a16:creationId xmlns:a16="http://schemas.microsoft.com/office/drawing/2014/main" id="{F823DD48-9BDA-4AD1-BE4F-1ECFC5D9BD11}"/>
-              </a:ext>
-            </a:extLst>
-          </p:cNvPr>
-          <p:cNvPicPr>
-            <a:picLocks noChangeAspect="1"/>
-          </p:cNvPicPr>
-          <p:nvPr/>
-        </p:nvPicPr>
-        <p:blipFill>
-          <a:blip r:embed="rId2"/>
-          <a:stretch>
-            <a:fillRect/>
-          </a:stretch>
-        </p:blipFill>
-        <p:spPr>
-          <a:xfrm>
-            <a:off x="6839211" y="1499393"/>
-            <a:ext cx="4748219" cy="3859213"/>
-          </a:xfrm>
-          <a:prstGeom prst="rect">
-            <a:avLst/>
-          </a:prstGeom>
-        </p:spPr>
-      </p:pic>
-      <p:sp>
-        <p:nvSpPr>
-          <p:cNvPr id="5" name="TextBox 4">
-            <a:extLst>
-              <a:ext uri="{FF2B5EF4-FFF2-40B4-BE49-F238E27FC236}">
-                <a16:creationId xmlns:a16="http://schemas.microsoft.com/office/drawing/2014/main" id="{4107140E-0FBB-43CA-9AD6-ACD995BABB7A}"/>
-              </a:ext>
-            </a:extLst>
-          </p:cNvPr>
-          <p:cNvSpPr txBox="1"/>
-          <p:nvPr/>
-        </p:nvSpPr>
-        <p:spPr>
-          <a:xfrm>
-            <a:off x="1281829" y="5358606"/>
-            <a:ext cx="10196187" cy="738664"/>
-          </a:xfrm>
-          <a:prstGeom prst="rect">
-            <a:avLst/>
-          </a:prstGeom>
-          <a:noFill/>
-        </p:spPr>
-        <p:txBody>
-          <a:bodyPr wrap="square" rtlCol="0">
-            <a:spAutoFit/>
-          </a:bodyPr>
-          <a:lstStyle/>
-          <a:p>
-            <a:r>
-              <a:rPr lang="en-US" sz="2400" dirty="0">
-                <a:latin typeface="Helvetica" panose="020B0604020202020204" pitchFamily="34" charset="0"/>
-                <a:cs typeface="Helvetica" panose="020B0604020202020204" pitchFamily="34" charset="0"/>
-                <a:hlinkClick r:id="rId3"/>
-              </a:rPr>
-              <a:t>https://www.ncbi.nlm.nih.gov/sra/docs/sra-cloud-based-examples/</a:t>
-            </a:r>
-            <a:endParaRPr lang="en-US" sz="2400" dirty="0">
-              <a:latin typeface="Helvetica" panose="020B0604020202020204" pitchFamily="34" charset="0"/>
-              <a:cs typeface="Helvetica" panose="020B0604020202020204" pitchFamily="34" charset="0"/>
-            </a:endParaRPr>
-          </a:p>
-          <a:p>
-            <a:endParaRPr lang="en-US" dirty="0"/>
-          </a:p>
-        </p:txBody>
-      </p:sp>
-    </p:spTree>
-    <p:extLst>
-      <p:ext uri="{BB962C8B-B14F-4D97-AF65-F5344CB8AC3E}">
-        <p14:creationId xmlns:p14="http://schemas.microsoft.com/office/powerpoint/2010/main" val="3563595517"/>
-      </p:ext>
-    </p:extLst>
-  </p:cSld>
-  <p:clrMapOvr>
-    <a:masterClrMapping/>
-  </p:clrMapOvr>
-</p:sld>
-</file>
-
-<file path=ppt/slides/slide11.xml><?xml version="1.0" encoding="utf-8"?>
-<p:sld xmlns:a="http://schemas.openxmlformats.org/drawingml/2006/main" xmlns:r="http://schemas.openxmlformats.org/officeDocument/2006/relationships" xmlns:p="http://schemas.openxmlformats.org/presentationml/2006/main">
-  <p:cSld>
-    <p:spTree>
-      <p:nvGrpSpPr>
-        <p:cNvPr id="1" name=""/>
-        <p:cNvGrpSpPr/>
-        <p:nvPr/>
-      </p:nvGrpSpPr>
-      <p:grpSpPr>
-        <a:xfrm>
-          <a:off x="0" y="0"/>
-          <a:ext cx="0" cy="0"/>
-          <a:chOff x="0" y="0"/>
-          <a:chExt cx="0" cy="0"/>
-        </a:xfrm>
-      </p:grpSpPr>
-      <p:sp>
-        <p:nvSpPr>
-          <p:cNvPr id="2" name="Title 1">
-            <a:extLst>
-              <a:ext uri="{FF2B5EF4-FFF2-40B4-BE49-F238E27FC236}">
                 <a16:creationId xmlns:a16="http://schemas.microsoft.com/office/drawing/2014/main" id="{D6B74727-C848-4647-87B4-3EEAA56E50C9}"/>
               </a:ext>
             </a:extLst>
@@ -4153,7 +3948,7 @@
 </p:sld>
 </file>
 
-<file path=ppt/slides/slide12.xml><?xml version="1.0" encoding="utf-8"?>
+<file path=ppt/slides/slide11.xml><?xml version="1.0" encoding="utf-8"?>
 <p:sld xmlns:a="http://schemas.openxmlformats.org/drawingml/2006/main" xmlns:r="http://schemas.openxmlformats.org/officeDocument/2006/relationships" xmlns:p="http://schemas.openxmlformats.org/presentationml/2006/main">
   <p:cSld>
     <p:spTree>
@@ -4297,6 +4092,172 @@
     <p:extLst>
       <p:ext uri="{BB962C8B-B14F-4D97-AF65-F5344CB8AC3E}">
         <p14:creationId xmlns:p14="http://schemas.microsoft.com/office/powerpoint/2010/main" val="1218587916"/>
+      </p:ext>
+    </p:extLst>
+  </p:cSld>
+  <p:clrMapOvr>
+    <a:masterClrMapping/>
+  </p:clrMapOvr>
+</p:sld>
+</file>
+
+<file path=ppt/slides/slide12.xml><?xml version="1.0" encoding="utf-8"?>
+<p:sld xmlns:a="http://schemas.openxmlformats.org/drawingml/2006/main" xmlns:r="http://schemas.openxmlformats.org/officeDocument/2006/relationships" xmlns:p="http://schemas.openxmlformats.org/presentationml/2006/main">
+  <p:cSld>
+    <p:spTree>
+      <p:nvGrpSpPr>
+        <p:cNvPr id="1" name=""/>
+        <p:cNvGrpSpPr/>
+        <p:nvPr/>
+      </p:nvGrpSpPr>
+      <p:grpSpPr>
+        <a:xfrm>
+          <a:off x="0" y="0"/>
+          <a:ext cx="0" cy="0"/>
+          <a:chOff x="0" y="0"/>
+          <a:chExt cx="0" cy="0"/>
+        </a:xfrm>
+      </p:grpSpPr>
+      <p:sp>
+        <p:nvSpPr>
+          <p:cNvPr id="2" name="Title 1">
+            <a:extLst>
+              <a:ext uri="{FF2B5EF4-FFF2-40B4-BE49-F238E27FC236}">
+                <a16:creationId xmlns:a16="http://schemas.microsoft.com/office/drawing/2014/main" id="{697905AA-A9BE-42F3-9E40-CC5832C208E4}"/>
+              </a:ext>
+            </a:extLst>
+          </p:cNvPr>
+          <p:cNvSpPr>
+            <a:spLocks noGrp="1"/>
+          </p:cNvSpPr>
+          <p:nvPr>
+            <p:ph type="title"/>
+          </p:nvPr>
+        </p:nvSpPr>
+        <p:spPr>
+          <a:xfrm>
+            <a:off x="838200" y="365125"/>
+            <a:ext cx="7166956" cy="1325563"/>
+          </a:xfrm>
+        </p:spPr>
+        <p:txBody>
+          <a:bodyPr/>
+          <a:lstStyle/>
+          <a:p>
+            <a:r>
+              <a:rPr lang="en-US" dirty="0" err="1"/>
+              <a:t>BigQuery</a:t>
+            </a:r>
+            <a:r>
+              <a:rPr lang="en-US" dirty="0"/>
+              <a:t> Charges</a:t>
+            </a:r>
+          </a:p>
+        </p:txBody>
+      </p:sp>
+      <p:sp>
+        <p:nvSpPr>
+          <p:cNvPr id="4" name="Text Placeholder 3">
+            <a:extLst>
+              <a:ext uri="{FF2B5EF4-FFF2-40B4-BE49-F238E27FC236}">
+                <a16:creationId xmlns:a16="http://schemas.microsoft.com/office/drawing/2014/main" id="{01C3BE83-AB86-474C-973A-26F29C33D95F}"/>
+              </a:ext>
+            </a:extLst>
+          </p:cNvPr>
+          <p:cNvSpPr>
+            <a:spLocks noGrp="1"/>
+          </p:cNvSpPr>
+          <p:nvPr>
+            <p:ph idx="1"/>
+          </p:nvPr>
+        </p:nvSpPr>
+        <p:spPr>
+          <a:xfrm>
+            <a:off x="838200" y="1499948"/>
+            <a:ext cx="10522907" cy="4292542"/>
+          </a:xfrm>
+        </p:spPr>
+        <p:txBody>
+          <a:bodyPr>
+            <a:normAutofit/>
+          </a:bodyPr>
+          <a:lstStyle/>
+          <a:p>
+            <a:pPr marL="0" indent="0">
+              <a:buNone/>
+            </a:pPr>
+            <a:r>
+              <a:rPr lang="en-US" dirty="0"/>
+              <a:t>Our first example query will read through the full metadata table (~20 GB) to get a result.</a:t>
+            </a:r>
+          </a:p>
+          <a:p>
+            <a:pPr marL="0" indent="0">
+              <a:buNone/>
+            </a:pPr>
+            <a:r>
+              <a:rPr lang="en-US" dirty="0">
+                <a:hlinkClick r:id="rId2"/>
+              </a:rPr>
+              <a:t>https://cloud.google.com/bigquery/pricing</a:t>
+            </a:r>
+            <a:endParaRPr lang="en-US" dirty="0"/>
+          </a:p>
+          <a:p>
+            <a:pPr marL="0" indent="0">
+              <a:buNone/>
+            </a:pPr>
+            <a:r>
+              <a:rPr lang="en-US" dirty="0"/>
+              <a:t>Our example is an on-demand query which currently costs $5.00 per TB searched.</a:t>
+            </a:r>
+          </a:p>
+          <a:p>
+            <a:pPr marL="0" indent="0">
+              <a:buNone/>
+            </a:pPr>
+            <a:r>
+              <a:rPr lang="en-US" dirty="0"/>
+              <a:t>This query would be ~$0.10 to run but the first 1 TB each month is free. </a:t>
+            </a:r>
+          </a:p>
+          <a:p>
+            <a:pPr marL="0" indent="0">
+              <a:buNone/>
+            </a:pPr>
+            <a:r>
+              <a:rPr lang="en-US" dirty="0" err="1"/>
+              <a:t>BigQuery</a:t>
+            </a:r>
+            <a:r>
+              <a:rPr lang="en-US" dirty="0"/>
+              <a:t> Sandbox available for existing GCP users.</a:t>
+            </a:r>
+          </a:p>
+          <a:p>
+            <a:pPr marL="0" indent="0">
+              <a:buNone/>
+            </a:pPr>
+            <a:r>
+              <a:rPr lang="en-US" dirty="0">
+                <a:hlinkClick r:id="rId3"/>
+              </a:rPr>
+              <a:t>https://cloud.google.com/bigquery/docs/sandbox</a:t>
+            </a:r>
+            <a:endParaRPr lang="en-US" dirty="0"/>
+          </a:p>
+          <a:p>
+            <a:pPr marL="0" indent="0">
+              <a:buNone/>
+            </a:pPr>
+            <a:endParaRPr lang="en-US" dirty="0"/>
+          </a:p>
+        </p:txBody>
+      </p:sp>
+    </p:spTree>
+    <p:extLst>
+      <p:ext uri="{BB962C8B-B14F-4D97-AF65-F5344CB8AC3E}">
+        <p14:creationId xmlns:p14="http://schemas.microsoft.com/office/powerpoint/2010/main" val="3804410893"/>
       </p:ext>
     </p:extLst>
   </p:cSld>
@@ -4328,7 +4289,7 @@
           <p:cNvPr id="2" name="Title 1">
             <a:extLst>
               <a:ext uri="{FF2B5EF4-FFF2-40B4-BE49-F238E27FC236}">
-                <a16:creationId xmlns:a16="http://schemas.microsoft.com/office/drawing/2014/main" id="{697905AA-A9BE-42F3-9E40-CC5832C208E4}"/>
+                <a16:creationId xmlns:a16="http://schemas.microsoft.com/office/drawing/2014/main" id="{7AF327E2-2DC1-4454-9B9A-A2C66B75D0D7}"/>
               </a:ext>
             </a:extLst>
           </p:cNvPr>
@@ -4339,23 +4300,22 @@
             <p:ph type="title"/>
           </p:nvPr>
         </p:nvSpPr>
-        <p:spPr>
-          <a:xfrm>
-            <a:off x="838200" y="365125"/>
-            <a:ext cx="7166956" cy="1325563"/>
-          </a:xfrm>
-        </p:spPr>
+        <p:spPr/>
         <p:txBody>
           <a:bodyPr/>
           <a:lstStyle/>
           <a:p>
             <a:r>
+              <a:rPr lang="en-US" dirty="0"/>
+              <a:t>Addition </a:t>
+            </a:r>
+            <a:r>
               <a:rPr lang="en-US" dirty="0" err="1"/>
               <a:t>BigQuery</a:t>
             </a:r>
             <a:r>
               <a:rPr lang="en-US" dirty="0"/>
-              <a:t> Charges</a:t>
+              <a:t> Webinars</a:t>
             </a:r>
           </a:p>
         </p:txBody>
@@ -4365,7 +4325,7 @@
           <p:cNvPr id="4" name="Text Placeholder 3">
             <a:extLst>
               <a:ext uri="{FF2B5EF4-FFF2-40B4-BE49-F238E27FC236}">
-                <a16:creationId xmlns:a16="http://schemas.microsoft.com/office/drawing/2014/main" id="{01C3BE83-AB86-474C-973A-26F29C33D95F}"/>
+                <a16:creationId xmlns:a16="http://schemas.microsoft.com/office/drawing/2014/main" id="{4B193414-6822-4DF2-B6E0-E96F2360C0A2}"/>
               </a:ext>
             </a:extLst>
           </p:cNvPr>
@@ -4376,85 +4336,66 @@
             <p:ph idx="1"/>
           </p:nvPr>
         </p:nvSpPr>
-        <p:spPr>
-          <a:xfrm>
-            <a:off x="838200" y="1499948"/>
-            <a:ext cx="10522907" cy="4292542"/>
-          </a:xfrm>
-        </p:spPr>
-        <p:txBody>
-          <a:bodyPr>
-            <a:normAutofit/>
-          </a:bodyPr>
+        <p:spPr/>
+        <p:txBody>
+          <a:bodyPr/>
           <a:lstStyle/>
           <a:p>
-            <a:pPr marL="0" indent="0">
-              <a:buNone/>
-            </a:pPr>
-            <a:r>
-              <a:rPr lang="en-US" dirty="0"/>
-              <a:t>Our first example query will read through the full metadata table (~20 GB) to get a result.</a:t>
-            </a:r>
-          </a:p>
-          <a:p>
-            <a:pPr marL="0" indent="0">
-              <a:buNone/>
-            </a:pPr>
+            <a:r>
+              <a:rPr lang="en-US" dirty="0"/>
+              <a:t>We have an “NCBI Minute” webinar on using </a:t>
+            </a:r>
+            <a:r>
+              <a:rPr lang="en-US" dirty="0" err="1"/>
+              <a:t>BigQuery</a:t>
+            </a:r>
+            <a:r>
+              <a:rPr lang="en-US" dirty="0"/>
+              <a:t> </a:t>
+            </a:r>
             <a:r>
               <a:rPr lang="en-US" dirty="0">
                 <a:hlinkClick r:id="rId2"/>
               </a:rPr>
-              <a:t>https://cloud.google.com/bigquery/pricing</a:t>
+              <a:t>https://www.youtube.com/watch?v=DkNz-RCCm-M</a:t>
             </a:r>
             <a:endParaRPr lang="en-US" dirty="0"/>
           </a:p>
           <a:p>
-            <a:pPr marL="0" indent="0">
-              <a:buNone/>
-            </a:pPr>
-            <a:r>
-              <a:rPr lang="en-US" dirty="0"/>
-              <a:t>Our example is an on-demand query which currently costs $5.00 per TB searched.</a:t>
-            </a:r>
-          </a:p>
-          <a:p>
-            <a:pPr marL="0" indent="0">
-              <a:buNone/>
-            </a:pPr>
-            <a:r>
-              <a:rPr lang="en-US" dirty="0"/>
-              <a:t>This query would be ~$0.10 to run but the first 1 TB each month is free. </a:t>
-            </a:r>
-          </a:p>
-          <a:p>
-            <a:pPr marL="0" indent="0">
-              <a:buNone/>
-            </a:pPr>
-            <a:r>
-              <a:rPr lang="en-US" dirty="0" err="1"/>
-              <a:t>BigQuery</a:t>
-            </a:r>
-            <a:r>
-              <a:rPr lang="en-US" dirty="0"/>
-              <a:t> Sandbox available for existing GCP users.</a:t>
-            </a:r>
-          </a:p>
-          <a:p>
-            <a:pPr marL="0" indent="0">
-              <a:buNone/>
-            </a:pPr>
+            <a:r>
+              <a:rPr lang="en-US" dirty="0"/>
+              <a:t>NCBI Cloud Data &amp; Tools YouTube playlist </a:t>
+            </a:r>
             <a:r>
               <a:rPr lang="en-US" dirty="0">
                 <a:hlinkClick r:id="rId3"/>
               </a:rPr>
-              <a:t>https://cloud.google.com/bigquery/docs/sandbox</a:t>
+              <a:t>https://www.youtube.com/playlist?list=PLH-TjWpFfWrt5MNqU7Jvsk73QefO3ADwD</a:t>
             </a:r>
             <a:endParaRPr lang="en-US" dirty="0"/>
           </a:p>
           <a:p>
-            <a:pPr marL="0" indent="0">
-              <a:buNone/>
-            </a:pPr>
+            <a:r>
+              <a:rPr lang="en-US" sz="2800" dirty="0"/>
+              <a:t>A video from Google that looks at nested data in </a:t>
+            </a:r>
+            <a:r>
+              <a:rPr lang="en-US" sz="2800" dirty="0" err="1"/>
+              <a:t>BigQuery</a:t>
+            </a:r>
+            <a:r>
+              <a:rPr lang="en-US" sz="2800" dirty="0"/>
+              <a:t> </a:t>
+            </a:r>
+            <a:r>
+              <a:rPr lang="en-US" sz="2800" dirty="0">
+                <a:hlinkClick r:id="rId4"/>
+              </a:rPr>
+              <a:t>https://www.youtube.com/watch?v=STo98QUKDS8</a:t>
+            </a:r>
+            <a:endParaRPr lang="en-US" sz="2800" dirty="0"/>
+          </a:p>
+          <a:p>
             <a:endParaRPr lang="en-US" dirty="0"/>
           </a:p>
         </p:txBody>
@@ -4462,7 +4403,7 @@
     </p:spTree>
     <p:extLst>
       <p:ext uri="{BB962C8B-B14F-4D97-AF65-F5344CB8AC3E}">
-        <p14:creationId xmlns:p14="http://schemas.microsoft.com/office/powerpoint/2010/main" val="3804410893"/>
+        <p14:creationId xmlns:p14="http://schemas.microsoft.com/office/powerpoint/2010/main" val="2181701193"/>
       </p:ext>
     </p:extLst>
   </p:cSld>
@@ -4494,152 +4435,6 @@
           <p:cNvPr id="2" name="Title 1">
             <a:extLst>
               <a:ext uri="{FF2B5EF4-FFF2-40B4-BE49-F238E27FC236}">
-                <a16:creationId xmlns:a16="http://schemas.microsoft.com/office/drawing/2014/main" id="{7AF327E2-2DC1-4454-9B9A-A2C66B75D0D7}"/>
-              </a:ext>
-            </a:extLst>
-          </p:cNvPr>
-          <p:cNvSpPr>
-            <a:spLocks noGrp="1"/>
-          </p:cNvSpPr>
-          <p:nvPr>
-            <p:ph type="title"/>
-          </p:nvPr>
-        </p:nvSpPr>
-        <p:spPr/>
-        <p:txBody>
-          <a:bodyPr/>
-          <a:lstStyle/>
-          <a:p>
-            <a:r>
-              <a:rPr lang="en-US" dirty="0"/>
-              <a:t>Addition </a:t>
-            </a:r>
-            <a:r>
-              <a:rPr lang="en-US" dirty="0" err="1"/>
-              <a:t>BigQuery</a:t>
-            </a:r>
-            <a:r>
-              <a:rPr lang="en-US" dirty="0"/>
-              <a:t> Webinars</a:t>
-            </a:r>
-          </a:p>
-        </p:txBody>
-      </p:sp>
-      <p:sp>
-        <p:nvSpPr>
-          <p:cNvPr id="4" name="Text Placeholder 3">
-            <a:extLst>
-              <a:ext uri="{FF2B5EF4-FFF2-40B4-BE49-F238E27FC236}">
-                <a16:creationId xmlns:a16="http://schemas.microsoft.com/office/drawing/2014/main" id="{4B193414-6822-4DF2-B6E0-E96F2360C0A2}"/>
-              </a:ext>
-            </a:extLst>
-          </p:cNvPr>
-          <p:cNvSpPr>
-            <a:spLocks noGrp="1"/>
-          </p:cNvSpPr>
-          <p:nvPr>
-            <p:ph idx="1"/>
-          </p:nvPr>
-        </p:nvSpPr>
-        <p:spPr/>
-        <p:txBody>
-          <a:bodyPr/>
-          <a:lstStyle/>
-          <a:p>
-            <a:r>
-              <a:rPr lang="en-US" dirty="0"/>
-              <a:t>We have an “NCBI Minute” webinar on using </a:t>
-            </a:r>
-            <a:r>
-              <a:rPr lang="en-US" dirty="0" err="1"/>
-              <a:t>BigQuery</a:t>
-            </a:r>
-            <a:r>
-              <a:rPr lang="en-US" dirty="0"/>
-              <a:t> </a:t>
-            </a:r>
-            <a:r>
-              <a:rPr lang="en-US" dirty="0">
-                <a:hlinkClick r:id="rId2"/>
-              </a:rPr>
-              <a:t>https://www.youtube.com/watch?v=DkNz-RCCm-M</a:t>
-            </a:r>
-            <a:endParaRPr lang="en-US" dirty="0"/>
-          </a:p>
-          <a:p>
-            <a:r>
-              <a:rPr lang="en-US" dirty="0"/>
-              <a:t>NCBI Cloud Data &amp; Tools YouTube playlist </a:t>
-            </a:r>
-            <a:r>
-              <a:rPr lang="en-US" dirty="0">
-                <a:hlinkClick r:id="rId3"/>
-              </a:rPr>
-              <a:t>https://www.youtube.com/playlist?list=PLH-TjWpFfWrt5MNqU7Jvsk73QefO3ADwD</a:t>
-            </a:r>
-            <a:endParaRPr lang="en-US" dirty="0"/>
-          </a:p>
-          <a:p>
-            <a:r>
-              <a:rPr lang="en-US" sz="2800" dirty="0"/>
-              <a:t>A video from Google that looks at nested data in </a:t>
-            </a:r>
-            <a:r>
-              <a:rPr lang="en-US" sz="2800" dirty="0" err="1"/>
-              <a:t>BigQuery</a:t>
-            </a:r>
-            <a:r>
-              <a:rPr lang="en-US" sz="2800" dirty="0"/>
-              <a:t> </a:t>
-            </a:r>
-            <a:r>
-              <a:rPr lang="en-US" sz="2800" dirty="0">
-                <a:hlinkClick r:id="rId4"/>
-              </a:rPr>
-              <a:t>https://www.youtube.com/watch?v=STo98QUKDS8</a:t>
-            </a:r>
-            <a:endParaRPr lang="en-US" sz="2800" dirty="0"/>
-          </a:p>
-          <a:p>
-            <a:endParaRPr lang="en-US" dirty="0"/>
-          </a:p>
-        </p:txBody>
-      </p:sp>
-    </p:spTree>
-    <p:extLst>
-      <p:ext uri="{BB962C8B-B14F-4D97-AF65-F5344CB8AC3E}">
-        <p14:creationId xmlns:p14="http://schemas.microsoft.com/office/powerpoint/2010/main" val="2181701193"/>
-      </p:ext>
-    </p:extLst>
-  </p:cSld>
-  <p:clrMapOvr>
-    <a:masterClrMapping/>
-  </p:clrMapOvr>
-</p:sld>
-</file>
-
-<file path=ppt/slides/slide15.xml><?xml version="1.0" encoding="utf-8"?>
-<p:sld xmlns:a="http://schemas.openxmlformats.org/drawingml/2006/main" xmlns:r="http://schemas.openxmlformats.org/officeDocument/2006/relationships" xmlns:p="http://schemas.openxmlformats.org/presentationml/2006/main">
-  <p:cSld>
-    <p:spTree>
-      <p:nvGrpSpPr>
-        <p:cNvPr id="1" name=""/>
-        <p:cNvGrpSpPr/>
-        <p:nvPr/>
-      </p:nvGrpSpPr>
-      <p:grpSpPr>
-        <a:xfrm>
-          <a:off x="0" y="0"/>
-          <a:ext cx="0" cy="0"/>
-          <a:chOff x="0" y="0"/>
-          <a:chExt cx="0" cy="0"/>
-        </a:xfrm>
-      </p:grpSpPr>
-      <p:sp>
-        <p:nvSpPr>
-          <p:cNvPr id="2" name="Title 1">
-            <a:extLst>
-              <a:ext uri="{FF2B5EF4-FFF2-40B4-BE49-F238E27FC236}">
                 <a16:creationId xmlns:a16="http://schemas.microsoft.com/office/drawing/2014/main" id="{76716913-4E44-454E-A565-1AF3FECAD7E8}"/>
               </a:ext>
             </a:extLst>
@@ -4682,7 +4477,7 @@
         <p:spPr/>
         <p:txBody>
           <a:bodyPr>
-            <a:normAutofit lnSpcReduction="10000"/>
+            <a:normAutofit fontScale="92500"/>
           </a:bodyPr>
           <a:lstStyle/>
           <a:p>
@@ -4722,13 +4517,13 @@
           <a:p>
             <a:r>
               <a:rPr lang="en-US" dirty="0"/>
-              <a:t>The NIH STRIDES training website </a:t>
+              <a:t>Khan Academy SQL Tutorials </a:t>
             </a:r>
             <a:r>
               <a:rPr lang="en-US" dirty="0">
                 <a:hlinkClick r:id="rId4"/>
               </a:rPr>
-              <a:t>https://cloud.nih.gov/training/</a:t>
+              <a:t>https://www.khanacademy.org/computing/computer-programming/sql</a:t>
             </a:r>
             <a:endParaRPr lang="en-US" dirty="0"/>
           </a:p>
@@ -4776,230 +4571,6 @@
     <p:extLst>
       <p:ext uri="{BB962C8B-B14F-4D97-AF65-F5344CB8AC3E}">
         <p14:creationId xmlns:p14="http://schemas.microsoft.com/office/powerpoint/2010/main" val="445920824"/>
-      </p:ext>
-    </p:extLst>
-  </p:cSld>
-  <p:clrMapOvr>
-    <a:masterClrMapping/>
-  </p:clrMapOvr>
-</p:sld>
-</file>
-
-<file path=ppt/slides/slide16.xml><?xml version="1.0" encoding="utf-8"?>
-<p:sld xmlns:a="http://schemas.openxmlformats.org/drawingml/2006/main" xmlns:r="http://schemas.openxmlformats.org/officeDocument/2006/relationships" xmlns:p="http://schemas.openxmlformats.org/presentationml/2006/main">
-  <p:cSld>
-    <p:spTree>
-      <p:nvGrpSpPr>
-        <p:cNvPr id="1" name=""/>
-        <p:cNvGrpSpPr/>
-        <p:nvPr/>
-      </p:nvGrpSpPr>
-      <p:grpSpPr>
-        <a:xfrm>
-          <a:off x="0" y="0"/>
-          <a:ext cx="0" cy="0"/>
-          <a:chOff x="0" y="0"/>
-          <a:chExt cx="0" cy="0"/>
-        </a:xfrm>
-      </p:grpSpPr>
-      <p:sp>
-        <p:nvSpPr>
-          <p:cNvPr id="2" name="Title 1">
-            <a:extLst>
-              <a:ext uri="{FF2B5EF4-FFF2-40B4-BE49-F238E27FC236}">
-                <a16:creationId xmlns:a16="http://schemas.microsoft.com/office/drawing/2014/main" id="{AADC7350-55FC-4057-8016-EC5D2DC03B16}"/>
-              </a:ext>
-            </a:extLst>
-          </p:cNvPr>
-          <p:cNvSpPr>
-            <a:spLocks noGrp="1"/>
-          </p:cNvSpPr>
-          <p:nvPr>
-            <p:ph type="title"/>
-          </p:nvPr>
-        </p:nvSpPr>
-        <p:spPr/>
-        <p:txBody>
-          <a:bodyPr>
-            <a:normAutofit/>
-          </a:bodyPr>
-          <a:lstStyle/>
-          <a:p>
-            <a:r>
-              <a:rPr lang="en-US" dirty="0"/>
-              <a:t>Thank You</a:t>
-            </a:r>
-          </a:p>
-        </p:txBody>
-      </p:sp>
-      <p:sp>
-        <p:nvSpPr>
-          <p:cNvPr id="3" name="Text Placeholder 2">
-            <a:extLst>
-              <a:ext uri="{FF2B5EF4-FFF2-40B4-BE49-F238E27FC236}">
-                <a16:creationId xmlns:a16="http://schemas.microsoft.com/office/drawing/2014/main" id="{086A3D39-7505-4EB6-85AC-58CBA09ADDB1}"/>
-              </a:ext>
-            </a:extLst>
-          </p:cNvPr>
-          <p:cNvSpPr>
-            <a:spLocks noGrp="1"/>
-          </p:cNvSpPr>
-          <p:nvPr>
-            <p:ph type="body" sz="quarter" idx="11"/>
-          </p:nvPr>
-        </p:nvSpPr>
-        <p:spPr/>
-        <p:txBody>
-          <a:bodyPr/>
-          <a:lstStyle/>
-          <a:p>
-            <a:r>
-              <a:rPr lang="en-US" dirty="0"/>
-              <a:t>Adelaide Rhodes</a:t>
-            </a:r>
-          </a:p>
-          <a:p>
-            <a:r>
-              <a:rPr lang="en-US" dirty="0"/>
-              <a:t>Ravinder Eskandary</a:t>
-            </a:r>
-          </a:p>
-        </p:txBody>
-      </p:sp>
-      <p:sp>
-        <p:nvSpPr>
-          <p:cNvPr id="4" name="Text Placeholder 3">
-            <a:extLst>
-              <a:ext uri="{FF2B5EF4-FFF2-40B4-BE49-F238E27FC236}">
-                <a16:creationId xmlns:a16="http://schemas.microsoft.com/office/drawing/2014/main" id="{27E32C5D-B074-428C-B932-EEE82560F224}"/>
-              </a:ext>
-            </a:extLst>
-          </p:cNvPr>
-          <p:cNvSpPr>
-            <a:spLocks noGrp="1"/>
-          </p:cNvSpPr>
-          <p:nvPr>
-            <p:ph type="body" sz="quarter" idx="13"/>
-          </p:nvPr>
-        </p:nvSpPr>
-        <p:spPr/>
-        <p:txBody>
-          <a:bodyPr/>
-          <a:lstStyle/>
-          <a:p>
-            <a:r>
-              <a:rPr lang="en-US" dirty="0"/>
-              <a:t>Michael Kimelman</a:t>
-            </a:r>
-          </a:p>
-          <a:p>
-            <a:r>
-              <a:rPr lang="en-US" dirty="0"/>
-              <a:t>Vadim Zalunin</a:t>
-            </a:r>
-          </a:p>
-          <a:p>
-            <a:endParaRPr lang="en-US" dirty="0"/>
-          </a:p>
-        </p:txBody>
-      </p:sp>
-      <p:sp>
-        <p:nvSpPr>
-          <p:cNvPr id="5" name="Text Placeholder 4">
-            <a:extLst>
-              <a:ext uri="{FF2B5EF4-FFF2-40B4-BE49-F238E27FC236}">
-                <a16:creationId xmlns:a16="http://schemas.microsoft.com/office/drawing/2014/main" id="{8EB83059-2AE4-468F-BB89-7A86C9ADE4A5}"/>
-              </a:ext>
-            </a:extLst>
-          </p:cNvPr>
-          <p:cNvSpPr>
-            <a:spLocks noGrp="1"/>
-          </p:cNvSpPr>
-          <p:nvPr>
-            <p:ph type="body" sz="quarter" idx="14"/>
-          </p:nvPr>
-        </p:nvSpPr>
-        <p:spPr/>
-        <p:txBody>
-          <a:bodyPr/>
-          <a:lstStyle/>
-          <a:p>
-            <a:r>
-              <a:rPr lang="en-US" dirty="0"/>
-              <a:t>Chris O’Sullivan</a:t>
-            </a:r>
-          </a:p>
-          <a:p>
-            <a:r>
-              <a:rPr lang="en-US" dirty="0"/>
-              <a:t>Jon Trow</a:t>
-            </a:r>
-          </a:p>
-          <a:p>
-            <a:r>
-              <a:rPr lang="en-US" dirty="0"/>
-              <a:t>Yuriy Skripchenko</a:t>
-            </a:r>
-          </a:p>
-          <a:p>
-            <a:endParaRPr lang="en-US" dirty="0"/>
-          </a:p>
-        </p:txBody>
-      </p:sp>
-      <p:sp>
-        <p:nvSpPr>
-          <p:cNvPr id="6" name="Text Placeholder 5">
-            <a:extLst>
-              <a:ext uri="{FF2B5EF4-FFF2-40B4-BE49-F238E27FC236}">
-                <a16:creationId xmlns:a16="http://schemas.microsoft.com/office/drawing/2014/main" id="{23602E4B-DD4B-490F-9BB8-A69A0CD0F0D0}"/>
-              </a:ext>
-            </a:extLst>
-          </p:cNvPr>
-          <p:cNvSpPr>
-            <a:spLocks noGrp="1"/>
-          </p:cNvSpPr>
-          <p:nvPr>
-            <p:ph type="body" sz="quarter" idx="15"/>
-          </p:nvPr>
-        </p:nvSpPr>
-        <p:spPr/>
-        <p:txBody>
-          <a:bodyPr/>
-          <a:lstStyle/>
-          <a:p>
-            <a:endParaRPr lang="en-US" dirty="0"/>
-          </a:p>
-        </p:txBody>
-      </p:sp>
-      <p:sp>
-        <p:nvSpPr>
-          <p:cNvPr id="7" name="Text Placeholder 6">
-            <a:extLst>
-              <a:ext uri="{FF2B5EF4-FFF2-40B4-BE49-F238E27FC236}">
-                <a16:creationId xmlns:a16="http://schemas.microsoft.com/office/drawing/2014/main" id="{779F4EEA-2DD3-4A33-9FDC-B5778132C4EE}"/>
-              </a:ext>
-            </a:extLst>
-          </p:cNvPr>
-          <p:cNvSpPr>
-            <a:spLocks noGrp="1"/>
-          </p:cNvSpPr>
-          <p:nvPr>
-            <p:ph type="body" sz="quarter" idx="16"/>
-          </p:nvPr>
-        </p:nvSpPr>
-        <p:spPr/>
-        <p:txBody>
-          <a:bodyPr/>
-          <a:lstStyle/>
-          <a:p>
-            <a:endParaRPr lang="en-US"/>
-          </a:p>
-        </p:txBody>
-      </p:sp>
-    </p:spTree>
-    <p:extLst>
-      <p:ext uri="{BB962C8B-B14F-4D97-AF65-F5344CB8AC3E}">
-        <p14:creationId xmlns:p14="http://schemas.microsoft.com/office/powerpoint/2010/main" val="3217156933"/>
       </p:ext>
     </p:extLst>
   </p:cSld>
@@ -5225,10 +4796,10 @@
       </p:grpSpPr>
       <p:sp>
         <p:nvSpPr>
-          <p:cNvPr id="2" name="Title 1">
+          <p:cNvPr id="4" name="Title 3">
             <a:extLst>
               <a:ext uri="{FF2B5EF4-FFF2-40B4-BE49-F238E27FC236}">
-                <a16:creationId xmlns:a16="http://schemas.microsoft.com/office/drawing/2014/main" id="{8CE57AA9-40A4-4E2E-9E58-B5FF5743F864}"/>
+                <a16:creationId xmlns:a16="http://schemas.microsoft.com/office/drawing/2014/main" id="{85F8A28A-E037-45D4-9B04-0FA41B2A80D7}"/>
               </a:ext>
             </a:extLst>
           </p:cNvPr>
@@ -5245,18 +4816,19 @@
           <a:lstStyle/>
           <a:p>
             <a:r>
-              <a:rPr lang="en-US" dirty="0"/>
-              <a:t>STRIDES</a:t>
-            </a:r>
-          </a:p>
-        </p:txBody>
-      </p:sp>
-      <p:sp>
-        <p:nvSpPr>
-          <p:cNvPr id="3" name="Content Placeholder 2">
+              <a:rPr lang="en-US"/>
+              <a:t>What is BigQuery?</a:t>
+            </a:r>
+            <a:endParaRPr lang="en-US" dirty="0"/>
+          </a:p>
+        </p:txBody>
+      </p:sp>
+      <p:sp>
+        <p:nvSpPr>
+          <p:cNvPr id="6" name="Text Placeholder 5">
             <a:extLst>
               <a:ext uri="{FF2B5EF4-FFF2-40B4-BE49-F238E27FC236}">
-                <a16:creationId xmlns:a16="http://schemas.microsoft.com/office/drawing/2014/main" id="{B40BAB35-7A96-4ACF-9B0F-A221D7A618B5}"/>
+                <a16:creationId xmlns:a16="http://schemas.microsoft.com/office/drawing/2014/main" id="{757F47A7-6DC1-410E-B7DB-9614E31B43DF}"/>
               </a:ext>
             </a:extLst>
           </p:cNvPr>
@@ -5267,10 +4839,15 @@
             <p:ph idx="1"/>
           </p:nvPr>
         </p:nvSpPr>
-        <p:spPr/>
+        <p:spPr>
+          <a:xfrm>
+            <a:off x="838200" y="1825625"/>
+            <a:ext cx="5257800" cy="3858895"/>
+          </a:xfrm>
+        </p:spPr>
         <p:txBody>
           <a:bodyPr>
-            <a:normAutofit/>
+            <a:normAutofit fontScale="92500" lnSpcReduction="10000"/>
           </a:bodyPr>
           <a:lstStyle/>
           <a:p>
@@ -5278,8 +4855,8 @@
               <a:buNone/>
             </a:pPr>
             <a:r>
-              <a:rPr lang="en-US" dirty="0"/>
-              <a:t>The NIH STRIDES Initiative is a partnership with commercial cloud providers to make accessing compute and storage resources easier for biomedical researchers.</a:t>
+              <a:rPr lang="en-US"/>
+              <a:t>BigQuery is the Google Cloud Data Warehouse product.  </a:t>
             </a:r>
           </a:p>
           <a:p>
@@ -5287,8 +4864,8 @@
               <a:buNone/>
             </a:pPr>
             <a:r>
-              <a:rPr lang="en-US" dirty="0"/>
-              <a:t>Any NIH Institute, Center or Office (ICO) or NIH-funded researcher is eligible to take part in the STRIDES Initiative.</a:t>
+              <a:rPr lang="en-US"/>
+              <a:t>SRA maintains a copy of submission metadata in BigQuery.</a:t>
             </a:r>
           </a:p>
           <a:p>
@@ -5296,31 +4873,33 @@
               <a:buNone/>
             </a:pPr>
             <a:r>
-              <a:rPr lang="en-US" dirty="0"/>
-              <a:t>Researchers with NIH grants or at institutions with NIH funding may want to check the STRIDES website to learn if they are eligible for discounts or credits for one of the cloud providers. </a:t>
-            </a:r>
-            <a:r>
-              <a:rPr lang="en-US" dirty="0">
+              <a:rPr lang="en-US"/>
+              <a:t>This allows SQL queries to search the metadata in ways that are hard or impossible with the NCBI Entrez search engine.</a:t>
+            </a:r>
+          </a:p>
+          <a:p>
+            <a:pPr marL="0" indent="0">
+              <a:buNone/>
+            </a:pPr>
+            <a:r>
+              <a:rPr lang="en-US">
                 <a:hlinkClick r:id="rId2"/>
               </a:rPr>
-              <a:t>https://cloud.nih.gov</a:t>
-            </a:r>
-            <a:endParaRPr lang="en-US" dirty="0"/>
-          </a:p>
-          <a:p>
-            <a:pPr marL="0" indent="0">
-              <a:buNone/>
-            </a:pPr>
+              <a:t>https://cloud.google.com/bigquery/docs/how-to</a:t>
+            </a:r>
+            <a:endParaRPr lang="en-US"/>
+          </a:p>
+          <a:p>
             <a:endParaRPr lang="en-US" dirty="0"/>
           </a:p>
         </p:txBody>
       </p:sp>
       <p:pic>
         <p:nvPicPr>
-          <p:cNvPr id="5" name="Picture 4" descr="A picture containing laser, dome&#10;&#10;Description automatically generated">
+          <p:cNvPr id="13" name="Picture 12" descr="Icon&#10;&#10;Description automatically generated">
             <a:extLst>
               <a:ext uri="{FF2B5EF4-FFF2-40B4-BE49-F238E27FC236}">
-                <a16:creationId xmlns:a16="http://schemas.microsoft.com/office/drawing/2014/main" id="{198281CE-C4CC-4526-9436-C36F11F65CF0}"/>
+                <a16:creationId xmlns:a16="http://schemas.microsoft.com/office/drawing/2014/main" id="{0263E088-2D8A-4654-B6B8-439DF4E6FA9A}"/>
               </a:ext>
             </a:extLst>
           </p:cNvPr>
@@ -5337,8 +4916,68 @@
         </p:blipFill>
         <p:spPr>
           <a:xfrm>
-            <a:off x="6878435" y="215900"/>
-            <a:ext cx="2857500" cy="1609725"/>
+            <a:off x="8834351" y="1006172"/>
+            <a:ext cx="1905000" cy="1905000"/>
+          </a:xfrm>
+          <a:prstGeom prst="rect">
+            <a:avLst/>
+          </a:prstGeom>
+        </p:spPr>
+      </p:pic>
+      <p:pic>
+        <p:nvPicPr>
+          <p:cNvPr id="17" name="Picture 16" descr="Logo, icon&#10;&#10;Description automatically generated">
+            <a:extLst>
+              <a:ext uri="{FF2B5EF4-FFF2-40B4-BE49-F238E27FC236}">
+                <a16:creationId xmlns:a16="http://schemas.microsoft.com/office/drawing/2014/main" id="{00742EA7-9BE5-4907-8C25-F960FADD3FB9}"/>
+              </a:ext>
+            </a:extLst>
+          </p:cNvPr>
+          <p:cNvPicPr>
+            <a:picLocks noChangeAspect="1"/>
+          </p:cNvPicPr>
+          <p:nvPr/>
+        </p:nvPicPr>
+        <p:blipFill>
+          <a:blip r:embed="rId4"/>
+          <a:stretch>
+            <a:fillRect/>
+          </a:stretch>
+        </p:blipFill>
+        <p:spPr>
+          <a:xfrm>
+            <a:off x="5572645" y="610521"/>
+            <a:ext cx="4382193" cy="2300651"/>
+          </a:xfrm>
+          <a:prstGeom prst="rect">
+            <a:avLst/>
+          </a:prstGeom>
+        </p:spPr>
+      </p:pic>
+      <p:pic>
+        <p:nvPicPr>
+          <p:cNvPr id="19" name="Picture 18">
+            <a:extLst>
+              <a:ext uri="{FF2B5EF4-FFF2-40B4-BE49-F238E27FC236}">
+                <a16:creationId xmlns:a16="http://schemas.microsoft.com/office/drawing/2014/main" id="{118CC08A-CEF0-4784-8822-CF8D8DAE1E75}"/>
+              </a:ext>
+            </a:extLst>
+          </p:cNvPr>
+          <p:cNvPicPr>
+            <a:picLocks noChangeAspect="1"/>
+          </p:cNvPicPr>
+          <p:nvPr/>
+        </p:nvPicPr>
+        <p:blipFill>
+          <a:blip r:embed="rId5"/>
+          <a:stretch>
+            <a:fillRect/>
+          </a:stretch>
+        </p:blipFill>
+        <p:spPr>
+          <a:xfrm>
+            <a:off x="7110326" y="3244388"/>
+            <a:ext cx="2676525" cy="2247900"/>
           </a:xfrm>
           <a:prstGeom prst="rect">
             <a:avLst/>
@@ -5348,7 +4987,7 @@
     </p:spTree>
     <p:extLst>
       <p:ext uri="{BB962C8B-B14F-4D97-AF65-F5344CB8AC3E}">
-        <p14:creationId xmlns:p14="http://schemas.microsoft.com/office/powerpoint/2010/main" val="2935120880"/>
+        <p14:creationId xmlns:p14="http://schemas.microsoft.com/office/powerpoint/2010/main" val="3469568745"/>
       </p:ext>
     </p:extLst>
   </p:cSld>
@@ -5377,10 +5016,10 @@
       </p:grpSpPr>
       <p:sp>
         <p:nvSpPr>
-          <p:cNvPr id="4" name="Title 3">
+          <p:cNvPr id="2" name="Title 1">
             <a:extLst>
               <a:ext uri="{FF2B5EF4-FFF2-40B4-BE49-F238E27FC236}">
-                <a16:creationId xmlns:a16="http://schemas.microsoft.com/office/drawing/2014/main" id="{85F8A28A-E037-45D4-9B04-0FA41B2A80D7}"/>
+                <a16:creationId xmlns:a16="http://schemas.microsoft.com/office/drawing/2014/main" id="{A8D2EB25-2394-41DE-9169-76A6435AC990}"/>
               </a:ext>
             </a:extLst>
           </p:cNvPr>
@@ -5393,23 +5032,24 @@
         </p:nvSpPr>
         <p:spPr/>
         <p:txBody>
-          <a:bodyPr/>
+          <a:bodyPr>
+            <a:normAutofit/>
+          </a:bodyPr>
           <a:lstStyle/>
           <a:p>
             <a:r>
-              <a:rPr lang="en-US"/>
-              <a:t>What is BigQuery?</a:t>
-            </a:r>
-            <a:endParaRPr lang="en-US" dirty="0"/>
-          </a:p>
-        </p:txBody>
-      </p:sp>
-      <p:sp>
-        <p:nvSpPr>
-          <p:cNvPr id="6" name="Text Placeholder 5">
+              <a:rPr lang="en-US" dirty="0"/>
+              <a:t>Yes/No Question</a:t>
+            </a:r>
+          </a:p>
+        </p:txBody>
+      </p:sp>
+      <p:sp>
+        <p:nvSpPr>
+          <p:cNvPr id="3" name="Subtitle 2">
             <a:extLst>
               <a:ext uri="{FF2B5EF4-FFF2-40B4-BE49-F238E27FC236}">
-                <a16:creationId xmlns:a16="http://schemas.microsoft.com/office/drawing/2014/main" id="{757F47A7-6DC1-410E-B7DB-9614E31B43DF}"/>
+                <a16:creationId xmlns:a16="http://schemas.microsoft.com/office/drawing/2014/main" id="{BE42D68A-C7A5-4FB6-9E44-F12822EC7D43}"/>
               </a:ext>
             </a:extLst>
           </p:cNvPr>
@@ -5417,158 +5057,25 @@
             <a:spLocks noGrp="1"/>
           </p:cNvSpPr>
           <p:nvPr>
-            <p:ph idx="1"/>
-          </p:nvPr>
-        </p:nvSpPr>
-        <p:spPr>
-          <a:xfrm>
-            <a:off x="838200" y="1825625"/>
-            <a:ext cx="5257800" cy="3858895"/>
-          </a:xfrm>
-        </p:spPr>
-        <p:txBody>
-          <a:bodyPr>
-            <a:normAutofit fontScale="92500" lnSpcReduction="10000"/>
-          </a:bodyPr>
+            <p:ph type="body" sz="quarter" idx="10"/>
+          </p:nvPr>
+        </p:nvSpPr>
+        <p:spPr/>
+        <p:txBody>
+          <a:bodyPr/>
           <a:lstStyle/>
           <a:p>
-            <a:pPr marL="0" indent="0">
-              <a:buNone/>
-            </a:pPr>
-            <a:r>
-              <a:rPr lang="en-US"/>
-              <a:t>BigQuery is the Google Cloud Data Warehouse product.  </a:t>
-            </a:r>
-          </a:p>
-          <a:p>
-            <a:pPr marL="0" indent="0">
-              <a:buNone/>
-            </a:pPr>
-            <a:r>
-              <a:rPr lang="en-US"/>
-              <a:t>SRA maintains a copy of submission metadata in BigQuery.</a:t>
-            </a:r>
-          </a:p>
-          <a:p>
-            <a:pPr marL="0" indent="0">
-              <a:buNone/>
-            </a:pPr>
-            <a:r>
-              <a:rPr lang="en-US"/>
-              <a:t>This allows SQL queries to search the metadata in ways that are hard or impossible with the NCBI Entrez search engine.</a:t>
-            </a:r>
-          </a:p>
-          <a:p>
-            <a:pPr marL="0" indent="0">
-              <a:buNone/>
-            </a:pPr>
-            <a:r>
-              <a:rPr lang="en-US">
-                <a:hlinkClick r:id="rId2"/>
-              </a:rPr>
-              <a:t>https://cloud.google.com/bigquery/docs/how-to</a:t>
-            </a:r>
-            <a:endParaRPr lang="en-US"/>
-          </a:p>
-          <a:p>
-            <a:endParaRPr lang="en-US" dirty="0"/>
-          </a:p>
-        </p:txBody>
-      </p:sp>
-      <p:pic>
-        <p:nvPicPr>
-          <p:cNvPr id="13" name="Picture 12" descr="Icon&#10;&#10;Description automatically generated">
-            <a:extLst>
-              <a:ext uri="{FF2B5EF4-FFF2-40B4-BE49-F238E27FC236}">
-                <a16:creationId xmlns:a16="http://schemas.microsoft.com/office/drawing/2014/main" id="{0263E088-2D8A-4654-B6B8-439DF4E6FA9A}"/>
-              </a:ext>
-            </a:extLst>
-          </p:cNvPr>
-          <p:cNvPicPr>
-            <a:picLocks noChangeAspect="1"/>
-          </p:cNvPicPr>
-          <p:nvPr/>
-        </p:nvPicPr>
-        <p:blipFill>
-          <a:blip r:embed="rId3"/>
-          <a:stretch>
-            <a:fillRect/>
-          </a:stretch>
-        </p:blipFill>
-        <p:spPr>
-          <a:xfrm>
-            <a:off x="8834351" y="1006172"/>
-            <a:ext cx="1905000" cy="1905000"/>
-          </a:xfrm>
-          <a:prstGeom prst="rect">
-            <a:avLst/>
-          </a:prstGeom>
-        </p:spPr>
-      </p:pic>
-      <p:pic>
-        <p:nvPicPr>
-          <p:cNvPr id="17" name="Picture 16" descr="Logo, icon&#10;&#10;Description automatically generated">
-            <a:extLst>
-              <a:ext uri="{FF2B5EF4-FFF2-40B4-BE49-F238E27FC236}">
-                <a16:creationId xmlns:a16="http://schemas.microsoft.com/office/drawing/2014/main" id="{00742EA7-9BE5-4907-8C25-F960FADD3FB9}"/>
-              </a:ext>
-            </a:extLst>
-          </p:cNvPr>
-          <p:cNvPicPr>
-            <a:picLocks noChangeAspect="1"/>
-          </p:cNvPicPr>
-          <p:nvPr/>
-        </p:nvPicPr>
-        <p:blipFill>
-          <a:blip r:embed="rId4"/>
-          <a:stretch>
-            <a:fillRect/>
-          </a:stretch>
-        </p:blipFill>
-        <p:spPr>
-          <a:xfrm>
-            <a:off x="5572645" y="610521"/>
-            <a:ext cx="4382193" cy="2300651"/>
-          </a:xfrm>
-          <a:prstGeom prst="rect">
-            <a:avLst/>
-          </a:prstGeom>
-        </p:spPr>
-      </p:pic>
-      <p:pic>
-        <p:nvPicPr>
-          <p:cNvPr id="19" name="Picture 18">
-            <a:extLst>
-              <a:ext uri="{FF2B5EF4-FFF2-40B4-BE49-F238E27FC236}">
-                <a16:creationId xmlns:a16="http://schemas.microsoft.com/office/drawing/2014/main" id="{118CC08A-CEF0-4784-8822-CF8D8DAE1E75}"/>
-              </a:ext>
-            </a:extLst>
-          </p:cNvPr>
-          <p:cNvPicPr>
-            <a:picLocks noChangeAspect="1"/>
-          </p:cNvPicPr>
-          <p:nvPr/>
-        </p:nvPicPr>
-        <p:blipFill>
-          <a:blip r:embed="rId5"/>
-          <a:stretch>
-            <a:fillRect/>
-          </a:stretch>
-        </p:blipFill>
-        <p:spPr>
-          <a:xfrm>
-            <a:off x="7110326" y="3244388"/>
-            <a:ext cx="2676525" cy="2247900"/>
-          </a:xfrm>
-          <a:prstGeom prst="rect">
-            <a:avLst/>
-          </a:prstGeom>
-        </p:spPr>
-      </p:pic>
+            <a:r>
+              <a:rPr lang="en-US" dirty="0"/>
+              <a:t>I feel comfortable writing basic queries in SQL.</a:t>
+            </a:r>
+          </a:p>
+        </p:txBody>
+      </p:sp>
     </p:spTree>
     <p:extLst>
       <p:ext uri="{BB962C8B-B14F-4D97-AF65-F5344CB8AC3E}">
-        <p14:creationId xmlns:p14="http://schemas.microsoft.com/office/powerpoint/2010/main" val="3469568745"/>
+        <p14:creationId xmlns:p14="http://schemas.microsoft.com/office/powerpoint/2010/main" val="3226148419"/>
       </p:ext>
     </p:extLst>
   </p:cSld>
@@ -5600,7 +5107,7 @@
           <p:cNvPr id="2" name="Title 1">
             <a:extLst>
               <a:ext uri="{FF2B5EF4-FFF2-40B4-BE49-F238E27FC236}">
-                <a16:creationId xmlns:a16="http://schemas.microsoft.com/office/drawing/2014/main" id="{A8D2EB25-2394-41DE-9169-76A6435AC990}"/>
+                <a16:creationId xmlns:a16="http://schemas.microsoft.com/office/drawing/2014/main" id="{B5B2A198-7E6D-444C-A68F-77601E38C63F}"/>
               </a:ext>
             </a:extLst>
           </p:cNvPr>
@@ -5612,51 +5119,113 @@
           </p:nvPr>
         </p:nvSpPr>
         <p:spPr/>
+        <p:txBody>
+          <a:bodyPr/>
+          <a:lstStyle/>
+          <a:p>
+            <a:r>
+              <a:rPr lang="en-US" dirty="0"/>
+              <a:t>What is a Database?</a:t>
+            </a:r>
+          </a:p>
+        </p:txBody>
+      </p:sp>
+      <p:sp>
+        <p:nvSpPr>
+          <p:cNvPr id="4" name="Text Placeholder 3">
+            <a:extLst>
+              <a:ext uri="{FF2B5EF4-FFF2-40B4-BE49-F238E27FC236}">
+                <a16:creationId xmlns:a16="http://schemas.microsoft.com/office/drawing/2014/main" id="{22E5585D-5187-490B-8E0C-62016887B5DC}"/>
+              </a:ext>
+            </a:extLst>
+          </p:cNvPr>
+          <p:cNvSpPr>
+            <a:spLocks noGrp="1"/>
+          </p:cNvSpPr>
+          <p:nvPr>
+            <p:ph idx="1"/>
+          </p:nvPr>
+        </p:nvSpPr>
+        <p:spPr>
+          <a:xfrm>
+            <a:off x="655320" y="1825625"/>
+            <a:ext cx="5257800" cy="3858895"/>
+          </a:xfrm>
+        </p:spPr>
         <p:txBody>
           <a:bodyPr>
             <a:normAutofit/>
           </a:bodyPr>
           <a:lstStyle/>
           <a:p>
-            <a:r>
-              <a:rPr lang="en-US" dirty="0"/>
-              <a:t>Yes/No Question</a:t>
-            </a:r>
-          </a:p>
-        </p:txBody>
-      </p:sp>
-      <p:sp>
-        <p:nvSpPr>
-          <p:cNvPr id="3" name="Subtitle 2">
+            <a:pPr marL="0" indent="0">
+              <a:buNone/>
+            </a:pPr>
+            <a:r>
+              <a:rPr lang="en-US" dirty="0"/>
+              <a:t>A database is a structured way to store information electronically.</a:t>
+            </a:r>
+          </a:p>
+          <a:p>
+            <a:pPr marL="0" indent="0">
+              <a:buNone/>
+            </a:pPr>
+            <a:r>
+              <a:rPr lang="en-US" dirty="0"/>
+              <a:t>There are many forms of database they commonly have tables, columns, and records.</a:t>
+            </a:r>
+          </a:p>
+          <a:p>
+            <a:pPr marL="0" indent="0">
+              <a:buNone/>
+            </a:pPr>
+            <a:r>
+              <a:rPr lang="en-US" dirty="0"/>
+              <a:t>Databases are similar to a spreadsheet with more features. </a:t>
+            </a:r>
+          </a:p>
+        </p:txBody>
+      </p:sp>
+      <p:pic>
+        <p:nvPicPr>
+          <p:cNvPr id="6" name="Graphic 5">
             <a:extLst>
               <a:ext uri="{FF2B5EF4-FFF2-40B4-BE49-F238E27FC236}">
-                <a16:creationId xmlns:a16="http://schemas.microsoft.com/office/drawing/2014/main" id="{BE42D68A-C7A5-4FB6-9E44-F12822EC7D43}"/>
+                <a16:creationId xmlns:a16="http://schemas.microsoft.com/office/drawing/2014/main" id="{5AA2455F-22B7-4FE6-A9F5-3118FAC99388}"/>
               </a:ext>
             </a:extLst>
           </p:cNvPr>
-          <p:cNvSpPr>
-            <a:spLocks noGrp="1"/>
-          </p:cNvSpPr>
-          <p:nvPr>
-            <p:ph type="body" sz="quarter" idx="10"/>
-          </p:nvPr>
-        </p:nvSpPr>
-        <p:spPr/>
-        <p:txBody>
-          <a:bodyPr/>
-          <a:lstStyle/>
-          <a:p>
-            <a:r>
-              <a:rPr lang="en-US" dirty="0"/>
-              <a:t>I feel comfortable writing basic queries in SQL.</a:t>
-            </a:r>
-          </a:p>
-        </p:txBody>
-      </p:sp>
+          <p:cNvPicPr>
+            <a:picLocks noChangeAspect="1"/>
+          </p:cNvPicPr>
+          <p:nvPr/>
+        </p:nvPicPr>
+        <p:blipFill>
+          <a:blip r:embed="rId2">
+            <a:extLst>
+              <a:ext uri="{96DAC541-7B7A-43D3-8B79-37D633B846F1}">
+                <asvg:svgBlip xmlns:asvg="http://schemas.microsoft.com/office/drawing/2016/SVG/main" r:embed="rId3"/>
+              </a:ext>
+            </a:extLst>
+          </a:blip>
+          <a:stretch>
+            <a:fillRect/>
+          </a:stretch>
+        </p:blipFill>
+        <p:spPr>
+          <a:xfrm>
+            <a:off x="5329400" y="465513"/>
+            <a:ext cx="6796098" cy="4418561"/>
+          </a:xfrm>
+          <a:prstGeom prst="rect">
+            <a:avLst/>
+          </a:prstGeom>
+        </p:spPr>
+      </p:pic>
     </p:spTree>
     <p:extLst>
       <p:ext uri="{BB962C8B-B14F-4D97-AF65-F5344CB8AC3E}">
-        <p14:creationId xmlns:p14="http://schemas.microsoft.com/office/powerpoint/2010/main" val="3226148419"/>
+        <p14:creationId xmlns:p14="http://schemas.microsoft.com/office/powerpoint/2010/main" val="1744658734"/>
       </p:ext>
     </p:extLst>
   </p:cSld>
@@ -5688,7 +5257,7 @@
           <p:cNvPr id="2" name="Title 1">
             <a:extLst>
               <a:ext uri="{FF2B5EF4-FFF2-40B4-BE49-F238E27FC236}">
-                <a16:creationId xmlns:a16="http://schemas.microsoft.com/office/drawing/2014/main" id="{B5B2A198-7E6D-444C-A68F-77601E38C63F}"/>
+                <a16:creationId xmlns:a16="http://schemas.microsoft.com/office/drawing/2014/main" id="{F98F8C80-A7E3-476E-8930-90035AB66BBB}"/>
               </a:ext>
             </a:extLst>
           </p:cNvPr>
@@ -5706,7 +5275,7 @@
           <a:p>
             <a:r>
               <a:rPr lang="en-US" dirty="0"/>
-              <a:t>What is a Database?</a:t>
+              <a:t>Simple SQL Queries</a:t>
             </a:r>
           </a:p>
         </p:txBody>
@@ -5716,7 +5285,7 @@
           <p:cNvPr id="4" name="Text Placeholder 3">
             <a:extLst>
               <a:ext uri="{FF2B5EF4-FFF2-40B4-BE49-F238E27FC236}">
-                <a16:creationId xmlns:a16="http://schemas.microsoft.com/office/drawing/2014/main" id="{22E5585D-5187-490B-8E0C-62016887B5DC}"/>
+                <a16:creationId xmlns:a16="http://schemas.microsoft.com/office/drawing/2014/main" id="{187D5DA7-A995-48FF-91C3-C5BECB4A3DC6}"/>
               </a:ext>
             </a:extLst>
           </p:cNvPr>
@@ -5727,15 +5296,10 @@
             <p:ph idx="1"/>
           </p:nvPr>
         </p:nvSpPr>
-        <p:spPr>
-          <a:xfrm>
-            <a:off x="655320" y="1825625"/>
-            <a:ext cx="5257800" cy="3858895"/>
-          </a:xfrm>
-        </p:spPr>
+        <p:spPr/>
         <p:txBody>
           <a:bodyPr>
-            <a:normAutofit/>
+            <a:normAutofit lnSpcReduction="10000"/>
           </a:bodyPr>
           <a:lstStyle/>
           <a:p>
@@ -5744,7 +5308,7 @@
             </a:pPr>
             <a:r>
               <a:rPr lang="en-US" dirty="0"/>
-              <a:t>A database is a structured way to store information electronically.</a:t>
+              <a:t>A very basic overview of SQL queries.</a:t>
             </a:r>
           </a:p>
           <a:p>
@@ -5753,7 +5317,7 @@
             </a:pPr>
             <a:r>
               <a:rPr lang="en-US" dirty="0"/>
-              <a:t>There are many forms of database they commonly have tables, columns, and records.</a:t>
+              <a:t>SELECT – command to extract data from a table.</a:t>
             </a:r>
           </a:p>
           <a:p>
@@ -5762,51 +5326,57 @@
             </a:pPr>
             <a:r>
               <a:rPr lang="en-US" dirty="0"/>
-              <a:t>Databases are similar to a spreadsheet with more features. </a:t>
-            </a:r>
-          </a:p>
-        </p:txBody>
-      </p:sp>
-      <p:pic>
-        <p:nvPicPr>
-          <p:cNvPr id="6" name="Graphic 5">
-            <a:extLst>
-              <a:ext uri="{FF2B5EF4-FFF2-40B4-BE49-F238E27FC236}">
-                <a16:creationId xmlns:a16="http://schemas.microsoft.com/office/drawing/2014/main" id="{5AA2455F-22B7-4FE6-A9F5-3118FAC99388}"/>
-              </a:ext>
-            </a:extLst>
-          </p:cNvPr>
-          <p:cNvPicPr>
-            <a:picLocks noChangeAspect="1"/>
-          </p:cNvPicPr>
-          <p:nvPr/>
-        </p:nvPicPr>
-        <p:blipFill>
-          <a:blip r:embed="rId2">
-            <a:extLst>
-              <a:ext uri="{96DAC541-7B7A-43D3-8B79-37D633B846F1}">
-                <asvg:svgBlip xmlns:asvg="http://schemas.microsoft.com/office/drawing/2016/SVG/main" r:embed="rId3"/>
-              </a:ext>
-            </a:extLst>
-          </a:blip>
-          <a:stretch>
-            <a:fillRect/>
-          </a:stretch>
-        </p:blipFill>
-        <p:spPr>
-          <a:xfrm>
-            <a:off x="5329400" y="465513"/>
-            <a:ext cx="6796098" cy="4418561"/>
-          </a:xfrm>
-          <a:prstGeom prst="rect">
-            <a:avLst/>
-          </a:prstGeom>
-        </p:spPr>
-      </p:pic>
+              <a:t>FROM – specify which tables to extract data from</a:t>
+            </a:r>
+          </a:p>
+          <a:p>
+            <a:pPr marL="0" indent="0">
+              <a:buNone/>
+            </a:pPr>
+            <a:r>
+              <a:rPr lang="en-US" dirty="0"/>
+              <a:t>WHERE – filters the data</a:t>
+            </a:r>
+          </a:p>
+          <a:p>
+            <a:pPr marL="0" indent="0">
+              <a:buNone/>
+            </a:pPr>
+            <a:r>
+              <a:rPr lang="en-US" dirty="0"/>
+              <a:t>ORDER BY – order the results by specified column(s)</a:t>
+            </a:r>
+          </a:p>
+          <a:p>
+            <a:pPr marL="0" indent="0">
+              <a:buNone/>
+            </a:pPr>
+            <a:endParaRPr lang="en-US" dirty="0"/>
+          </a:p>
+          <a:p>
+            <a:pPr marL="0" indent="0">
+              <a:buNone/>
+            </a:pPr>
+            <a:r>
+              <a:rPr lang="en-US" dirty="0">
+                <a:hlinkClick r:id="rId2"/>
+              </a:rPr>
+              <a:t>https://cloud.google.com/bigquery/docs/reference/standard-sql/query-syntax</a:t>
+            </a:r>
+            <a:endParaRPr lang="en-US" dirty="0"/>
+          </a:p>
+          <a:p>
+            <a:pPr marL="0" indent="0">
+              <a:buNone/>
+            </a:pPr>
+            <a:endParaRPr lang="en-US" dirty="0"/>
+          </a:p>
+        </p:txBody>
+      </p:sp>
     </p:spTree>
     <p:extLst>
       <p:ext uri="{BB962C8B-B14F-4D97-AF65-F5344CB8AC3E}">
-        <p14:creationId xmlns:p14="http://schemas.microsoft.com/office/powerpoint/2010/main" val="1744658734"/>
+        <p14:creationId xmlns:p14="http://schemas.microsoft.com/office/powerpoint/2010/main" val="2216777302"/>
       </p:ext>
     </p:extLst>
   </p:cSld>
@@ -5838,7 +5408,7 @@
           <p:cNvPr id="2" name="Title 1">
             <a:extLst>
               <a:ext uri="{FF2B5EF4-FFF2-40B4-BE49-F238E27FC236}">
-                <a16:creationId xmlns:a16="http://schemas.microsoft.com/office/drawing/2014/main" id="{F98F8C80-A7E3-476E-8930-90035AB66BBB}"/>
+                <a16:creationId xmlns:a16="http://schemas.microsoft.com/office/drawing/2014/main" id="{A6983692-CD55-45B6-94BB-639C7C923640}"/>
               </a:ext>
             </a:extLst>
           </p:cNvPr>
@@ -5856,8 +5426,13 @@
           <a:p>
             <a:r>
               <a:rPr lang="en-US" dirty="0"/>
-              <a:t>Simple SQL Queries</a:t>
-            </a:r>
+              <a:t>Searching in </a:t>
+            </a:r>
+            <a:r>
+              <a:rPr lang="en-US" dirty="0" err="1"/>
+              <a:t>BigQuery</a:t>
+            </a:r>
+            <a:endParaRPr lang="en-US" dirty="0"/>
           </a:p>
         </p:txBody>
       </p:sp>
@@ -5866,7 +5441,7 @@
           <p:cNvPr id="4" name="Text Placeholder 3">
             <a:extLst>
               <a:ext uri="{FF2B5EF4-FFF2-40B4-BE49-F238E27FC236}">
-                <a16:creationId xmlns:a16="http://schemas.microsoft.com/office/drawing/2014/main" id="{187D5DA7-A995-48FF-91C3-C5BECB4A3DC6}"/>
+                <a16:creationId xmlns:a16="http://schemas.microsoft.com/office/drawing/2014/main" id="{C3BEA01D-03A2-47AF-AAEC-EE452CA29AFC}"/>
               </a:ext>
             </a:extLst>
           </p:cNvPr>
@@ -5877,10 +5452,15 @@
             <p:ph idx="1"/>
           </p:nvPr>
         </p:nvSpPr>
-        <p:spPr/>
+        <p:spPr>
+          <a:xfrm>
+            <a:off x="838200" y="1825625"/>
+            <a:ext cx="3933825" cy="3858895"/>
+          </a:xfrm>
+        </p:spPr>
         <p:txBody>
           <a:bodyPr>
-            <a:normAutofit lnSpcReduction="10000"/>
+            <a:normAutofit fontScale="92500" lnSpcReduction="10000"/>
           </a:bodyPr>
           <a:lstStyle/>
           <a:p>
@@ -5889,7 +5469,7 @@
             </a:pPr>
             <a:r>
               <a:rPr lang="en-US" dirty="0"/>
-              <a:t>A very basic overview of SQL queries.</a:t>
+              <a:t>Here is an example search for the SRA Data.</a:t>
             </a:r>
           </a:p>
           <a:p>
@@ -5898,7 +5478,15 @@
             </a:pPr>
             <a:r>
               <a:rPr lang="en-US" dirty="0"/>
-              <a:t>SELECT – command to extract data from a table.</a:t>
+              <a:t>This query will search in the metadata table that is part of the SRA dataset contained in the </a:t>
+            </a:r>
+            <a:r>
+              <a:rPr lang="en-US" dirty="0" err="1"/>
+              <a:t>nih</a:t>
+            </a:r>
+            <a:r>
+              <a:rPr lang="en-US" dirty="0"/>
+              <a:t>-sra-datastore project.</a:t>
             </a:r>
           </a:p>
           <a:p>
@@ -5907,57 +5495,45 @@
             </a:pPr>
             <a:r>
               <a:rPr lang="en-US" dirty="0"/>
-              <a:t>FROM – specify which tables to extract data from</a:t>
-            </a:r>
-          </a:p>
-          <a:p>
-            <a:pPr marL="0" indent="0">
-              <a:buNone/>
-            </a:pPr>
-            <a:r>
-              <a:rPr lang="en-US" dirty="0"/>
-              <a:t>WHERE – filters the data</a:t>
-            </a:r>
-          </a:p>
-          <a:p>
-            <a:pPr marL="0" indent="0">
-              <a:buNone/>
-            </a:pPr>
-            <a:r>
-              <a:rPr lang="en-US" dirty="0"/>
-              <a:t>ORDER BY – order the results by specified column(s)</a:t>
-            </a:r>
-          </a:p>
-          <a:p>
-            <a:pPr marL="0" indent="0">
-              <a:buNone/>
-            </a:pPr>
-            <a:endParaRPr lang="en-US" dirty="0"/>
-          </a:p>
-          <a:p>
-            <a:pPr marL="0" indent="0">
-              <a:buNone/>
-            </a:pPr>
-            <a:r>
-              <a:rPr lang="en-US" dirty="0">
-                <a:hlinkClick r:id="rId2"/>
-              </a:rPr>
-              <a:t>https://cloud.google.com/bigquery/docs/reference/standard-sql/query-syntax</a:t>
-            </a:r>
-            <a:endParaRPr lang="en-US" dirty="0"/>
-          </a:p>
-          <a:p>
-            <a:pPr marL="0" indent="0">
-              <a:buNone/>
-            </a:pPr>
-            <a:endParaRPr lang="en-US" dirty="0"/>
-          </a:p>
-        </p:txBody>
-      </p:sp>
+              <a:t>The query will look for all (Select *) records with ‘Homo sapiens’ in the organism column.</a:t>
+            </a:r>
+          </a:p>
+        </p:txBody>
+      </p:sp>
+      <p:pic>
+        <p:nvPicPr>
+          <p:cNvPr id="8" name="Picture 7">
+            <a:extLst>
+              <a:ext uri="{FF2B5EF4-FFF2-40B4-BE49-F238E27FC236}">
+                <a16:creationId xmlns:a16="http://schemas.microsoft.com/office/drawing/2014/main" id="{D1EA0E17-5926-41D4-AEDA-76632D9C5E52}"/>
+              </a:ext>
+            </a:extLst>
+          </p:cNvPr>
+          <p:cNvPicPr>
+            <a:picLocks noChangeAspect="1"/>
+          </p:cNvPicPr>
+          <p:nvPr/>
+        </p:nvPicPr>
+        <p:blipFill>
+          <a:blip r:embed="rId2"/>
+          <a:stretch>
+            <a:fillRect/>
+          </a:stretch>
+        </p:blipFill>
+        <p:spPr>
+          <a:xfrm>
+            <a:off x="4934864" y="1825625"/>
+            <a:ext cx="6869937" cy="1559295"/>
+          </a:xfrm>
+          <a:prstGeom prst="rect">
+            <a:avLst/>
+          </a:prstGeom>
+        </p:spPr>
+      </p:pic>
     </p:spTree>
     <p:extLst>
       <p:ext uri="{BB962C8B-B14F-4D97-AF65-F5344CB8AC3E}">
-        <p14:creationId xmlns:p14="http://schemas.microsoft.com/office/powerpoint/2010/main" val="2216777302"/>
+        <p14:creationId xmlns:p14="http://schemas.microsoft.com/office/powerpoint/2010/main" val="185677247"/>
       </p:ext>
     </p:extLst>
   </p:cSld>
@@ -5989,7 +5565,7 @@
           <p:cNvPr id="2" name="Title 1">
             <a:extLst>
               <a:ext uri="{FF2B5EF4-FFF2-40B4-BE49-F238E27FC236}">
-                <a16:creationId xmlns:a16="http://schemas.microsoft.com/office/drawing/2014/main" id="{A6983692-CD55-45B6-94BB-639C7C923640}"/>
+                <a16:creationId xmlns:a16="http://schemas.microsoft.com/office/drawing/2014/main" id="{A81BB78B-3FEF-4DE2-8021-D398791CFA76}"/>
               </a:ext>
             </a:extLst>
           </p:cNvPr>
@@ -6007,22 +5583,17 @@
           <a:p>
             <a:r>
               <a:rPr lang="en-US" dirty="0"/>
-              <a:t>Searching in </a:t>
-            </a:r>
-            <a:r>
-              <a:rPr lang="en-US" dirty="0" err="1"/>
-              <a:t>BigQuery</a:t>
-            </a:r>
-            <a:endParaRPr lang="en-US" dirty="0"/>
-          </a:p>
-        </p:txBody>
-      </p:sp>
-      <p:sp>
-        <p:nvSpPr>
-          <p:cNvPr id="4" name="Text Placeholder 3">
+              <a:t>What Columns are in the Database?</a:t>
+            </a:r>
+          </a:p>
+        </p:txBody>
+      </p:sp>
+      <p:sp>
+        <p:nvSpPr>
+          <p:cNvPr id="3" name="Content Placeholder 2">
             <a:extLst>
               <a:ext uri="{FF2B5EF4-FFF2-40B4-BE49-F238E27FC236}">
-                <a16:creationId xmlns:a16="http://schemas.microsoft.com/office/drawing/2014/main" id="{C3BEA01D-03A2-47AF-AAEC-EE452CA29AFC}"/>
+                <a16:creationId xmlns:a16="http://schemas.microsoft.com/office/drawing/2014/main" id="{41EA55F5-FDD9-450E-9776-D2CD2D1E5C47}"/>
               </a:ext>
             </a:extLst>
           </p:cNvPr>
@@ -6036,13 +5607,11 @@
         <p:spPr>
           <a:xfrm>
             <a:off x="838200" y="1825625"/>
-            <a:ext cx="3933825" cy="3858895"/>
-          </a:xfrm>
-        </p:spPr>
-        <p:txBody>
-          <a:bodyPr>
-            <a:normAutofit fontScale="92500" lnSpcReduction="10000"/>
-          </a:bodyPr>
+            <a:ext cx="6001011" cy="3532981"/>
+          </a:xfrm>
+        </p:spPr>
+        <p:txBody>
+          <a:bodyPr/>
           <a:lstStyle/>
           <a:p>
             <a:pPr marL="0" indent="0">
@@ -6050,7 +5619,7 @@
             </a:pPr>
             <a:r>
               <a:rPr lang="en-US" dirty="0"/>
-              <a:t>Here is an example search for the SRA Data.</a:t>
+              <a:t>The SRA documentation page includes:</a:t>
             </a:r>
           </a:p>
           <a:p>
@@ -6059,15 +5628,7 @@
             </a:pPr>
             <a:r>
               <a:rPr lang="en-US" dirty="0"/>
-              <a:t>This query will search in the metadata table that is part of the SRA dataset contained in the </a:t>
-            </a:r>
-            <a:r>
-              <a:rPr lang="en-US" dirty="0" err="1"/>
-              <a:t>nih</a:t>
-            </a:r>
-            <a:r>
-              <a:rPr lang="en-US" dirty="0"/>
-              <a:t>-sra-datastore project.</a:t>
+              <a:t>	Available Tables List </a:t>
             </a:r>
           </a:p>
           <a:p>
@@ -6076,17 +5637,32 @@
             </a:pPr>
             <a:r>
               <a:rPr lang="en-US" dirty="0"/>
-              <a:t>The query will look for all (Select *) records with ‘Homo sapiens’ in the organism column.</a:t>
-            </a:r>
+              <a:t>	Column Descriptions</a:t>
+            </a:r>
+          </a:p>
+          <a:p>
+            <a:pPr marL="0" indent="0">
+              <a:buNone/>
+            </a:pPr>
+            <a:r>
+              <a:rPr lang="en-US" dirty="0"/>
+              <a:t>	Additional Example Queries </a:t>
+            </a:r>
+          </a:p>
+          <a:p>
+            <a:pPr marL="0" indent="0">
+              <a:buNone/>
+            </a:pPr>
+            <a:endParaRPr lang="en-US" dirty="0"/>
           </a:p>
         </p:txBody>
       </p:sp>
       <p:pic>
         <p:nvPicPr>
-          <p:cNvPr id="8" name="Picture 7">
+          <p:cNvPr id="4" name="Content Placeholder 4">
             <a:extLst>
               <a:ext uri="{FF2B5EF4-FFF2-40B4-BE49-F238E27FC236}">
-                <a16:creationId xmlns:a16="http://schemas.microsoft.com/office/drawing/2014/main" id="{D1EA0E17-5926-41D4-AEDA-76632D9C5E52}"/>
+                <a16:creationId xmlns:a16="http://schemas.microsoft.com/office/drawing/2014/main" id="{F823DD48-9BDA-4AD1-BE4F-1ECFC5D9BD11}"/>
               </a:ext>
             </a:extLst>
           </p:cNvPr>
@@ -6103,18 +5679,64 @@
         </p:blipFill>
         <p:spPr>
           <a:xfrm>
-            <a:off x="4934864" y="1825625"/>
-            <a:ext cx="6869937" cy="1559295"/>
+            <a:off x="6839211" y="1499393"/>
+            <a:ext cx="4748219" cy="3859213"/>
           </a:xfrm>
           <a:prstGeom prst="rect">
             <a:avLst/>
           </a:prstGeom>
         </p:spPr>
       </p:pic>
+      <p:sp>
+        <p:nvSpPr>
+          <p:cNvPr id="5" name="TextBox 4">
+            <a:extLst>
+              <a:ext uri="{FF2B5EF4-FFF2-40B4-BE49-F238E27FC236}">
+                <a16:creationId xmlns:a16="http://schemas.microsoft.com/office/drawing/2014/main" id="{4107140E-0FBB-43CA-9AD6-ACD995BABB7A}"/>
+              </a:ext>
+            </a:extLst>
+          </p:cNvPr>
+          <p:cNvSpPr txBox="1"/>
+          <p:nvPr/>
+        </p:nvSpPr>
+        <p:spPr>
+          <a:xfrm>
+            <a:off x="1281829" y="5358606"/>
+            <a:ext cx="10196187" cy="738664"/>
+          </a:xfrm>
+          <a:prstGeom prst="rect">
+            <a:avLst/>
+          </a:prstGeom>
+          <a:noFill/>
+        </p:spPr>
+        <p:txBody>
+          <a:bodyPr wrap="square" rtlCol="0">
+            <a:spAutoFit/>
+          </a:bodyPr>
+          <a:lstStyle/>
+          <a:p>
+            <a:r>
+              <a:rPr lang="en-US" sz="2400" dirty="0">
+                <a:latin typeface="Helvetica" panose="020B0604020202020204" pitchFamily="34" charset="0"/>
+                <a:cs typeface="Helvetica" panose="020B0604020202020204" pitchFamily="34" charset="0"/>
+                <a:hlinkClick r:id="rId3"/>
+              </a:rPr>
+              <a:t>https://www.ncbi.nlm.nih.gov/sra/docs/sra-cloud-based-examples/</a:t>
+            </a:r>
+            <a:endParaRPr lang="en-US" sz="2400" dirty="0">
+              <a:latin typeface="Helvetica" panose="020B0604020202020204" pitchFamily="34" charset="0"/>
+              <a:cs typeface="Helvetica" panose="020B0604020202020204" pitchFamily="34" charset="0"/>
+            </a:endParaRPr>
+          </a:p>
+          <a:p>
+            <a:endParaRPr lang="en-US" dirty="0"/>
+          </a:p>
+        </p:txBody>
+      </p:sp>
     </p:spTree>
     <p:extLst>
       <p:ext uri="{BB962C8B-B14F-4D97-AF65-F5344CB8AC3E}">
-        <p14:creationId xmlns:p14="http://schemas.microsoft.com/office/powerpoint/2010/main" val="185677247"/>
+        <p14:creationId xmlns:p14="http://schemas.microsoft.com/office/powerpoint/2010/main" val="3563595517"/>
       </p:ext>
     </p:extLst>
   </p:cSld>
